--- a/Week3/week3_cancer_fraction.pptx
+++ b/Week3/week3_cancer_fraction.pptx
@@ -5,13 +5,14 @@
     <p:sldMasterId id="2147483648" r:id="rId1"/>
   </p:sldMasterIdLst>
   <p:notesMasterIdLst>
-    <p:notesMasterId r:id="rId6"/>
+    <p:notesMasterId r:id="rId7"/>
   </p:notesMasterIdLst>
   <p:sldIdLst>
     <p:sldId id="257" r:id="rId2"/>
     <p:sldId id="264" r:id="rId3"/>
     <p:sldId id="265" r:id="rId4"/>
     <p:sldId id="266" r:id="rId5"/>
+    <p:sldId id="267" r:id="rId6"/>
   </p:sldIdLst>
   <p:sldSz cx="12192000" cy="6858000"/>
   <p:notesSz cx="6858000" cy="9144000"/>
@@ -821,6 +822,90 @@
         </p:spPr>
       </p:sp>
     </p:spTree>
+  </p:cSld>
+  <p:clrMapOvr>
+    <a:masterClrMapping/>
+  </p:clrMapOvr>
+</p:notes>
+</file>
+
+<file path=ppt/notesSlides/notesSlide4.xml><?xml version="1.0" encoding="utf-8"?>
+<p:notes xmlns:a="http://schemas.openxmlformats.org/drawingml/2006/main" xmlns:r="http://schemas.openxmlformats.org/officeDocument/2006/relationships" xmlns:p="http://schemas.openxmlformats.org/presentationml/2006/main">
+  <p:cSld>
+    <p:spTree>
+      <p:nvGrpSpPr>
+        <p:cNvPr id="1" name=""/>
+        <p:cNvGrpSpPr/>
+        <p:nvPr/>
+      </p:nvGrpSpPr>
+      <p:grpSpPr>
+        <a:xfrm>
+          <a:off x="0" y="0"/>
+          <a:ext cx="0" cy="0"/>
+          <a:chOff x="0" y="0"/>
+          <a:chExt cx="0" cy="0"/>
+        </a:xfrm>
+      </p:grpSpPr>
+      <p:sp>
+        <p:nvSpPr>
+          <p:cNvPr id="2" name="Slide Image Placeholder 1"/>
+          <p:cNvSpPr>
+            <a:spLocks noGrp="1" noRot="1" noChangeAspect="1"/>
+          </p:cNvSpPr>
+          <p:nvPr>
+            <p:ph type="sldImg"/>
+          </p:nvPr>
+        </p:nvSpPr>
+        <p:spPr/>
+      </p:sp>
+      <p:sp>
+        <p:nvSpPr>
+          <p:cNvPr id="3" name="Notes Placeholder 2"/>
+          <p:cNvSpPr>
+            <a:spLocks noGrp="1"/>
+          </p:cNvSpPr>
+          <p:nvPr>
+            <p:ph type="body" idx="1"/>
+          </p:nvPr>
+        </p:nvSpPr>
+        <p:spPr/>
+        <p:txBody>
+          <a:bodyPr/>
+          <a:lstStyle/>
+          <a:p>
+            <a:endParaRPr lang="en-US" dirty="0"/>
+          </a:p>
+        </p:txBody>
+      </p:sp>
+      <p:sp>
+        <p:nvSpPr>
+          <p:cNvPr id="4" name="Slide Number Placeholder 3"/>
+          <p:cNvSpPr>
+            <a:spLocks noGrp="1"/>
+          </p:cNvSpPr>
+          <p:nvPr>
+            <p:ph type="sldNum" sz="quarter" idx="5"/>
+          </p:nvPr>
+        </p:nvSpPr>
+        <p:spPr/>
+        <p:txBody>
+          <a:bodyPr/>
+          <a:lstStyle/>
+          <a:p>
+            <a:fld id="{1617A225-B4B5-3F43-81B5-0D7354876237}" type="slidenum">
+              <a:rPr lang="en-US" smtClean="0"/>
+              <a:t>4</a:t>
+            </a:fld>
+            <a:endParaRPr lang="en-US"/>
+          </a:p>
+        </p:txBody>
+      </p:sp>
+    </p:spTree>
+    <p:extLst>
+      <p:ext uri="{BB962C8B-B14F-4D97-AF65-F5344CB8AC3E}">
+        <p14:creationId xmlns:p14="http://schemas.microsoft.com/office/powerpoint/2010/main" val="2982621260"/>
+      </p:ext>
+    </p:extLst>
   </p:cSld>
   <p:clrMapOvr>
     <a:masterClrMapping/>
@@ -5219,6 +5304,262 @@
           </a:bodyPr>
           <a:lstStyle/>
           <a:p>
+            <a:pPr lvl="0">
+              <a:spcBef>
+                <a:spcPts val="0"/>
+              </a:spcBef>
+              <a:buSzPts val="2800"/>
+            </a:pPr>
+            <a:r>
+              <a:rPr lang="en-US" dirty="0">
+                <a:latin typeface="+mn-lt"/>
+              </a:rPr>
+              <a:t>Generate </a:t>
+            </a:r>
+            <a:r>
+              <a:rPr lang="en-US" dirty="0"/>
+              <a:t>Feature (Fragment Size): </a:t>
+            </a:r>
+            <a:endParaRPr lang="en-US" dirty="0">
+              <a:latin typeface="+mn-lt"/>
+            </a:endParaRPr>
+          </a:p>
+          <a:p>
+            <a:pPr marL="685800" lvl="1" indent="-228600">
+              <a:spcBef>
+                <a:spcPts val="0"/>
+              </a:spcBef>
+              <a:buSzPts val="2800"/>
+            </a:pPr>
+            <a:r>
+              <a:rPr lang="en-US" dirty="0">
+                <a:latin typeface="+mn-lt"/>
+              </a:rPr>
+              <a:t>(</a:t>
+            </a:r>
+            <a:r>
+              <a:rPr lang="en-US" dirty="0">
+                <a:solidFill>
+                  <a:srgbClr val="00B050"/>
+                </a:solidFill>
+                <a:latin typeface="+mn-lt"/>
+              </a:rPr>
+              <a:t>Done</a:t>
+            </a:r>
+            <a:r>
+              <a:rPr lang="en-US" dirty="0">
+                <a:latin typeface="+mn-lt"/>
+              </a:rPr>
+              <a:t>)Get a table of molecules fragment size distribution.</a:t>
+            </a:r>
+          </a:p>
+          <a:p>
+            <a:pPr marL="685800" lvl="1" indent="-228600">
+              <a:spcBef>
+                <a:spcPts val="0"/>
+              </a:spcBef>
+              <a:buSzPts val="2800"/>
+            </a:pPr>
+            <a:r>
+              <a:rPr lang="en-US" sz="1400" dirty="0">
+                <a:latin typeface="+mn-lt"/>
+                <a:hlinkClick r:id="rId3"/>
+              </a:rPr>
+              <a:t>https://github.com/guardant/data_science/blob/master/02_DEVELOPMENT/210503_FUSION_FRAGMENTOMICS/00_prepareData.R</a:t>
+            </a:r>
+            <a:endParaRPr lang="en-US" sz="1400" dirty="0">
+              <a:latin typeface="+mn-lt"/>
+            </a:endParaRPr>
+          </a:p>
+          <a:p>
+            <a:pPr lvl="1">
+              <a:spcBef>
+                <a:spcPts val="0"/>
+              </a:spcBef>
+              <a:buSzPts val="2800"/>
+            </a:pPr>
+            <a:r>
+              <a:rPr lang="en-US" sz="1800" dirty="0"/>
+              <a:t>Now working with test data, considering switch to full data set Soon.</a:t>
+            </a:r>
+          </a:p>
+          <a:p>
+            <a:pPr lvl="1">
+              <a:spcBef>
+                <a:spcPts val="0"/>
+              </a:spcBef>
+              <a:buSzPts val="2800"/>
+            </a:pPr>
+            <a:r>
+              <a:rPr lang="en-US" sz="1800" dirty="0"/>
+              <a:t>Run R script (row178), </a:t>
+            </a:r>
+            <a:r>
+              <a:rPr lang="en-US" sz="1800" dirty="0">
+                <a:latin typeface="+mn-lt"/>
+              </a:rPr>
+              <a:t>Where:</a:t>
+            </a:r>
+          </a:p>
+          <a:p>
+            <a:pPr marL="1600200" lvl="3" indent="-228600">
+              <a:spcBef>
+                <a:spcPts val="0"/>
+              </a:spcBef>
+              <a:buSzPts val="2800"/>
+            </a:pPr>
+            <a:r>
+              <a:rPr lang="en-US" sz="1600" dirty="0" err="1">
+                <a:latin typeface="+mn-lt"/>
+              </a:rPr>
+              <a:t>wg_bed_file</a:t>
+            </a:r>
+            <a:r>
+              <a:rPr lang="en-US" sz="1600" dirty="0">
+                <a:latin typeface="+mn-lt"/>
+              </a:rPr>
+              <a:t>: </a:t>
+            </a:r>
+            <a:r>
+              <a:rPr lang="en-US" sz="700" dirty="0">
+                <a:latin typeface="+mn-lt"/>
+                <a:hlinkClick r:id="rId4"/>
+              </a:rPr>
+              <a:t>https://raw.githubusercontent.com/guardant/ghpipeline/master/parameter_sets/Omni/v1.0/Omni1.0_probes.bed?token=AHUW5C2QMF7TPB3PCJFSHEDA4R6ZC</a:t>
+            </a:r>
+            <a:endParaRPr lang="en-US" sz="700" dirty="0">
+              <a:latin typeface="+mn-lt"/>
+            </a:endParaRPr>
+          </a:p>
+          <a:p>
+            <a:pPr marL="1600200" lvl="3" indent="-228600">
+              <a:spcBef>
+                <a:spcPts val="0"/>
+              </a:spcBef>
+              <a:buSzPts val="2800"/>
+            </a:pPr>
+            <a:r>
+              <a:rPr lang="en-US" sz="1600" dirty="0" err="1">
+                <a:latin typeface="+mn-lt"/>
+              </a:rPr>
+              <a:t>reference_file</a:t>
+            </a:r>
+            <a:r>
+              <a:rPr lang="en-US" sz="1600" dirty="0">
+                <a:latin typeface="+mn-lt"/>
+              </a:rPr>
+              <a:t> = /</a:t>
+            </a:r>
+            <a:r>
+              <a:rPr lang="en-US" sz="1600" dirty="0" err="1">
+                <a:latin typeface="+mn-lt"/>
+              </a:rPr>
+              <a:t>ghess</a:t>
+            </a:r>
+            <a:r>
+              <a:rPr lang="en-US" sz="1600" dirty="0">
+                <a:latin typeface="+mn-lt"/>
+              </a:rPr>
+              <a:t>/shared/ref/</a:t>
+            </a:r>
+            <a:r>
+              <a:rPr lang="en-US" sz="1600" dirty="0" err="1">
+                <a:latin typeface="+mn-lt"/>
+              </a:rPr>
+              <a:t>genome.fa</a:t>
+            </a:r>
+            <a:r>
+              <a:rPr lang="en-US" sz="1600" dirty="0">
+                <a:latin typeface="+mn-lt"/>
+              </a:rPr>
+              <a:t>.  (hg19)</a:t>
+            </a:r>
+          </a:p>
+          <a:p>
+            <a:pPr marL="1600200" lvl="3" indent="-228600">
+              <a:spcBef>
+                <a:spcPts val="0"/>
+              </a:spcBef>
+              <a:buSzPts val="2800"/>
+            </a:pPr>
+            <a:r>
+              <a:rPr lang="en-US" sz="1600" dirty="0" err="1">
+                <a:latin typeface="+mn-lt"/>
+              </a:rPr>
+              <a:t>max_size</a:t>
+            </a:r>
+            <a:r>
+              <a:rPr lang="en-US" sz="1600" dirty="0">
+                <a:latin typeface="+mn-lt"/>
+              </a:rPr>
+              <a:t> = 500 (molecule max size)</a:t>
+            </a:r>
+          </a:p>
+          <a:p>
+            <a:pPr lvl="3">
+              <a:spcBef>
+                <a:spcPts val="0"/>
+              </a:spcBef>
+              <a:buSzPts val="2800"/>
+            </a:pPr>
+            <a:r>
+              <a:rPr lang="en-US" sz="1600" dirty="0">
+                <a:latin typeface="+mn-lt"/>
+              </a:rPr>
+              <a:t>folder with molecule </a:t>
+            </a:r>
+            <a:r>
+              <a:rPr lang="en-US" sz="1600" dirty="0" err="1">
+                <a:latin typeface="+mn-lt"/>
+              </a:rPr>
+              <a:t>fiules</a:t>
+            </a:r>
+            <a:br>
+              <a:rPr lang="en-US" sz="1600" dirty="0">
+                <a:latin typeface="+mn-lt"/>
+              </a:rPr>
+            </a:br>
+            <a:r>
+              <a:rPr lang="en-US" sz="1100" dirty="0">
+                <a:latin typeface="+mn-lt"/>
+              </a:rPr>
+              <a:t>/</a:t>
+            </a:r>
+            <a:r>
+              <a:rPr lang="en-US" sz="1100" dirty="0" err="1">
+                <a:latin typeface="+mn-lt"/>
+              </a:rPr>
+              <a:t>ghds</a:t>
+            </a:r>
+            <a:r>
+              <a:rPr lang="en-US" sz="1100" dirty="0">
+                <a:latin typeface="+mn-lt"/>
+              </a:rPr>
+              <a:t>/groups/bioinformatics/02_DEVELOPMENT/210503_FUSION_FRAGMENTOMICS/</a:t>
+            </a:r>
+            <a:r>
+              <a:rPr lang="en-US" sz="1100" dirty="0" err="1">
+                <a:latin typeface="+mn-lt"/>
+              </a:rPr>
+              <a:t>clinical_samples</a:t>
+            </a:r>
+            <a:r>
+              <a:rPr lang="en-US" sz="1100" dirty="0">
+                <a:latin typeface="+mn-lt"/>
+              </a:rPr>
+              <a:t>/</a:t>
+            </a:r>
+            <a:r>
+              <a:rPr lang="en-US" sz="1100" dirty="0" err="1">
+                <a:latin typeface="+mn-lt"/>
+              </a:rPr>
+              <a:t>molecule_counts</a:t>
+            </a:r>
+            <a:endParaRPr lang="en-US" dirty="0">
+              <a:latin typeface="+mn-lt"/>
+            </a:endParaRPr>
+          </a:p>
+          <a:p>
             <a:pPr marL="228600" lvl="0" indent="-228600" algn="l" rtl="0">
               <a:lnSpc>
                 <a:spcPct val="90000"/>
@@ -5236,11 +5577,11 @@
               <a:rPr lang="en-US" dirty="0">
                 <a:latin typeface="+mn-lt"/>
               </a:rPr>
-              <a:t>Generate feature: </a:t>
-            </a:r>
-          </a:p>
-          <a:p>
-            <a:pPr marL="685800" lvl="1" indent="-228600">
+              <a:t>Data dimension reduction</a:t>
+            </a:r>
+          </a:p>
+          <a:p>
+            <a:pPr lvl="1">
               <a:spcBef>
                 <a:spcPts val="0"/>
               </a:spcBef>
@@ -5248,226 +5589,13 @@
             </a:pPr>
             <a:r>
               <a:rPr lang="en-US" dirty="0">
+                <a:highlight>
+                  <a:srgbClr val="FFFF00"/>
+                </a:highlight>
                 <a:latin typeface="+mn-lt"/>
               </a:rPr>
-              <a:t>Run R script (row178) and get a table of </a:t>
-            </a:r>
-            <a:r>
-              <a:rPr lang="en-US" dirty="0" err="1">
-                <a:latin typeface="+mn-lt"/>
-              </a:rPr>
-              <a:t>moleculesdistribution</a:t>
-            </a:r>
-            <a:r>
-              <a:rPr lang="en-US" dirty="0">
-                <a:latin typeface="+mn-lt"/>
-              </a:rPr>
-              <a:t> in bed format.  </a:t>
-            </a:r>
-            <a:r>
-              <a:rPr lang="en-US" sz="1400" dirty="0">
-                <a:latin typeface="+mn-lt"/>
-                <a:hlinkClick r:id="rId3"/>
-              </a:rPr>
-              <a:t>https://github.com/guardant/data_science/blob/master/02_DEVELOPMENT/210503_FUSION_FRAGMENTOMICS/00_prepareData.R</a:t>
-            </a:r>
-            <a:endParaRPr lang="en-US" sz="1400" dirty="0">
-              <a:latin typeface="+mn-lt"/>
-            </a:endParaRPr>
-          </a:p>
-          <a:p>
-            <a:pPr marL="1143000" lvl="2" indent="-228600">
-              <a:spcBef>
-                <a:spcPts val="0"/>
-              </a:spcBef>
-              <a:buSzPts val="2800"/>
-            </a:pPr>
-            <a:r>
-              <a:rPr lang="en-US" dirty="0">
-                <a:latin typeface="+mn-lt"/>
-              </a:rPr>
-              <a:t>Where:</a:t>
-            </a:r>
-          </a:p>
-          <a:p>
-            <a:pPr marL="1600200" lvl="3" indent="-228600">
-              <a:spcBef>
-                <a:spcPts val="0"/>
-              </a:spcBef>
-              <a:buSzPts val="2800"/>
-            </a:pPr>
-            <a:r>
-              <a:rPr lang="en-US" dirty="0" err="1">
-                <a:latin typeface="+mn-lt"/>
-              </a:rPr>
-              <a:t>wg_bed_file</a:t>
-            </a:r>
-            <a:r>
-              <a:rPr lang="en-US" dirty="0">
-                <a:latin typeface="+mn-lt"/>
-              </a:rPr>
-              <a:t>: </a:t>
-            </a:r>
-            <a:r>
-              <a:rPr lang="en-US" sz="800" dirty="0">
-                <a:latin typeface="+mn-lt"/>
-                <a:hlinkClick r:id="rId4"/>
-              </a:rPr>
-              <a:t>https://raw.githubusercontent.com/guardant/ghpipeline/master/parameter_sets/Omni/v1.0/Omni1.0_probes.bed?token=AHUW5C2QMF7TPB3PCJFSHEDA4R6ZC</a:t>
-            </a:r>
-            <a:endParaRPr lang="en-US" sz="800" dirty="0">
-              <a:latin typeface="+mn-lt"/>
-            </a:endParaRPr>
-          </a:p>
-          <a:p>
-            <a:pPr marL="1600200" lvl="3" indent="-228600">
-              <a:spcBef>
-                <a:spcPts val="0"/>
-              </a:spcBef>
-              <a:buSzPts val="2800"/>
-            </a:pPr>
-            <a:r>
-              <a:rPr lang="en-US" dirty="0" err="1">
-                <a:latin typeface="+mn-lt"/>
-              </a:rPr>
-              <a:t>reference_file</a:t>
-            </a:r>
-            <a:r>
-              <a:rPr lang="en-US" dirty="0">
-                <a:latin typeface="+mn-lt"/>
-              </a:rPr>
-              <a:t> = /</a:t>
-            </a:r>
-            <a:r>
-              <a:rPr lang="en-US" dirty="0" err="1">
-                <a:latin typeface="+mn-lt"/>
-              </a:rPr>
-              <a:t>ghess</a:t>
-            </a:r>
-            <a:r>
-              <a:rPr lang="en-US" dirty="0">
-                <a:latin typeface="+mn-lt"/>
-              </a:rPr>
-              <a:t>/shared/ref/</a:t>
-            </a:r>
-            <a:r>
-              <a:rPr lang="en-US" dirty="0" err="1">
-                <a:latin typeface="+mn-lt"/>
-              </a:rPr>
-              <a:t>genome.fa</a:t>
-            </a:r>
-            <a:r>
-              <a:rPr lang="en-US" dirty="0">
-                <a:latin typeface="+mn-lt"/>
-              </a:rPr>
-              <a:t>.  (hg19)</a:t>
-            </a:r>
-          </a:p>
-          <a:p>
-            <a:pPr marL="1600200" lvl="3" indent="-228600">
-              <a:spcBef>
-                <a:spcPts val="0"/>
-              </a:spcBef>
-              <a:buSzPts val="2800"/>
-            </a:pPr>
-            <a:r>
-              <a:rPr lang="en-US" dirty="0" err="1">
-                <a:latin typeface="+mn-lt"/>
-              </a:rPr>
-              <a:t>max_size</a:t>
-            </a:r>
-            <a:r>
-              <a:rPr lang="en-US" dirty="0">
-                <a:latin typeface="+mn-lt"/>
-              </a:rPr>
-              <a:t> = 500 (molecule max size)</a:t>
-            </a:r>
-          </a:p>
-          <a:p>
-            <a:pPr marL="1143000" lvl="2" indent="-228600">
-              <a:spcBef>
-                <a:spcPts val="0"/>
-              </a:spcBef>
-              <a:buSzPts val="2800"/>
-            </a:pPr>
-            <a:r>
-              <a:rPr lang="en-US" dirty="0">
-                <a:latin typeface="+mn-lt"/>
-              </a:rPr>
-              <a:t>folder with molecule </a:t>
-            </a:r>
-            <a:r>
-              <a:rPr lang="en-US" dirty="0" err="1">
-                <a:latin typeface="+mn-lt"/>
-              </a:rPr>
-              <a:t>fiules</a:t>
-            </a:r>
-            <a:br>
-              <a:rPr lang="en-US" dirty="0">
-                <a:latin typeface="+mn-lt"/>
-              </a:rPr>
-            </a:br>
-            <a:r>
-              <a:rPr lang="en-US" sz="1400" dirty="0">
-                <a:latin typeface="+mn-lt"/>
-              </a:rPr>
-              <a:t>/</a:t>
-            </a:r>
-            <a:r>
-              <a:rPr lang="en-US" sz="1400" dirty="0" err="1">
-                <a:latin typeface="+mn-lt"/>
-              </a:rPr>
-              <a:t>ghds</a:t>
-            </a:r>
-            <a:r>
-              <a:rPr lang="en-US" sz="1400" dirty="0">
-                <a:latin typeface="+mn-lt"/>
-              </a:rPr>
-              <a:t>/groups/bioinformatics/02_DEVELOPMENT/210503_FUSION_FRAGMENTOMICS/</a:t>
-            </a:r>
-            <a:r>
-              <a:rPr lang="en-US" sz="1400" dirty="0" err="1">
-                <a:latin typeface="+mn-lt"/>
-              </a:rPr>
-              <a:t>clinical_samples</a:t>
-            </a:r>
-            <a:r>
-              <a:rPr lang="en-US" sz="1400" dirty="0">
-                <a:latin typeface="+mn-lt"/>
-              </a:rPr>
-              <a:t>/</a:t>
-            </a:r>
-            <a:r>
-              <a:rPr lang="en-US" sz="1400" dirty="0" err="1">
-                <a:latin typeface="+mn-lt"/>
-              </a:rPr>
-              <a:t>molecule_counts</a:t>
-            </a:r>
-            <a:endParaRPr lang="en-US" sz="1400" dirty="0">
-              <a:latin typeface="+mn-lt"/>
-            </a:endParaRPr>
-          </a:p>
-          <a:p>
-            <a:pPr marL="1143000" lvl="2" indent="-228600">
-              <a:spcBef>
-                <a:spcPts val="0"/>
-              </a:spcBef>
-              <a:buSzPts val="2800"/>
-            </a:pPr>
-            <a:endParaRPr lang="en-US" sz="1400" dirty="0">
-              <a:latin typeface="+mn-lt"/>
-            </a:endParaRPr>
-          </a:p>
-          <a:p>
-            <a:pPr marL="685800" lvl="1" indent="-228600">
-              <a:spcBef>
-                <a:spcPts val="0"/>
-              </a:spcBef>
-              <a:buSzPts val="2800"/>
-            </a:pPr>
-            <a:endParaRPr lang="en-US" dirty="0">
-              <a:latin typeface="+mn-lt"/>
-            </a:endParaRPr>
+              <a:t>Need samples of tumor &amp; non-tumor</a:t>
+            </a:r>
           </a:p>
           <a:p>
             <a:pPr marL="228600" lvl="0" indent="-228600" algn="l" rtl="0">
@@ -5484,10 +5612,8 @@
               <a:buChar char="•"/>
             </a:pPr>
             <a:r>
-              <a:rPr lang="en-US" dirty="0">
-                <a:latin typeface="+mn-lt"/>
-              </a:rPr>
-              <a:t>Motivation</a:t>
+              <a:rPr lang="en-US" dirty="0"/>
+              <a:t>Build Predictor</a:t>
             </a:r>
             <a:endParaRPr dirty="0">
               <a:latin typeface="+mn-lt"/>
@@ -5557,15 +5683,28 @@
             <p:ph type="title"/>
           </p:nvPr>
         </p:nvSpPr>
-        <p:spPr/>
+        <p:spPr>
+          <a:xfrm>
+            <a:off x="622657" y="231949"/>
+            <a:ext cx="10515600" cy="1325563"/>
+          </a:xfrm>
+        </p:spPr>
         <p:txBody>
           <a:bodyPr/>
           <a:lstStyle/>
           <a:p>
             <a:r>
               <a:rPr lang="en-US" dirty="0"/>
+              <a:t>Fragment Size Distribution</a:t>
+            </a:r>
+            <a:br>
+              <a:rPr lang="en-US" dirty="0"/>
+            </a:br>
+            <a:r>
+              <a:rPr lang="en-US" sz="3200" dirty="0"/>
               <a:t>Test on A035043401.molecule_table.tsv</a:t>
             </a:r>
+            <a:endParaRPr lang="en-US" dirty="0"/>
           </a:p>
         </p:txBody>
       </p:sp>
@@ -5584,13 +5723,13 @@
           <p:nvPr>
             <p:extLst>
               <p:ext uri="{D42A27DB-BD31-4B8C-83A1-F6EECF244321}">
-                <p14:modId xmlns:p14="http://schemas.microsoft.com/office/powerpoint/2010/main" val="1466424674"/>
+                <p14:modId xmlns:p14="http://schemas.microsoft.com/office/powerpoint/2010/main" val="3918082971"/>
               </p:ext>
             </p:extLst>
           </p:nvPr>
         </p:nvGraphicFramePr>
         <p:xfrm>
-          <a:off x="2372611" y="1690688"/>
+          <a:off x="2095500" y="1699865"/>
           <a:ext cx="6604000" cy="2204085"/>
         </p:xfrm>
         <a:graphic>
@@ -5826,12 +5965,12 @@
                     <a:p>
                       <a:pPr algn="l" fontAlgn="b"/>
                       <a:r>
-                        <a:rPr lang="en-US" sz="1200" u="none" strike="noStrike">
+                        <a:rPr lang="en-US" sz="1200" u="none" strike="noStrike" dirty="0" err="1">
                           <a:effectLst/>
                         </a:rPr>
                         <a:t>bin_idx</a:t>
                       </a:r>
-                      <a:endParaRPr lang="en-US" sz="1200" b="0" i="0" u="none" strike="noStrike">
+                      <a:endParaRPr lang="en-US" sz="1200" b="0" i="0" u="none" strike="noStrike" dirty="0">
                         <a:solidFill>
                           <a:srgbClr val="000000"/>
                         </a:solidFill>
@@ -6047,12 +6186,12 @@
                     <a:p>
                       <a:pPr algn="r" fontAlgn="b"/>
                       <a:r>
-                        <a:rPr lang="en-US" sz="1200" u="none" strike="noStrike">
+                        <a:rPr lang="en-US" sz="1200" u="none" strike="noStrike" dirty="0">
                           <a:effectLst/>
                         </a:rPr>
                         <a:t>1</a:t>
                       </a:r>
-                      <a:endParaRPr lang="en-US" sz="1200" b="0" i="0" u="none" strike="noStrike">
+                      <a:endParaRPr lang="en-US" sz="1200" b="0" i="0" u="none" strike="noStrike" dirty="0">
                         <a:solidFill>
                           <a:srgbClr val="000000"/>
                         </a:solidFill>
@@ -7163,12 +7302,12 @@
                     <a:p>
                       <a:pPr algn="r" fontAlgn="b"/>
                       <a:r>
-                        <a:rPr lang="en-US" sz="1200" u="none" strike="noStrike">
+                        <a:rPr lang="en-US" sz="1200" u="none" strike="noStrike" dirty="0">
                           <a:effectLst/>
                         </a:rPr>
                         <a:t>0</a:t>
                       </a:r>
-                      <a:endParaRPr lang="en-US" sz="1200" b="0" i="0" u="none" strike="noStrike">
+                      <a:endParaRPr lang="en-US" sz="1200" b="0" i="0" u="none" strike="noStrike" dirty="0">
                         <a:solidFill>
                           <a:srgbClr val="000000"/>
                         </a:solidFill>
@@ -7571,10 +7710,218 @@
           </a:graphicData>
         </a:graphic>
       </p:graphicFrame>
+      <p:pic>
+        <p:nvPicPr>
+          <p:cNvPr id="8" name="Picture 7">
+            <a:extLst>
+              <a:ext uri="{FF2B5EF4-FFF2-40B4-BE49-F238E27FC236}">
+                <a16:creationId xmlns:a16="http://schemas.microsoft.com/office/drawing/2014/main" id="{91489256-B654-1743-9570-EE4B62E66A27}"/>
+              </a:ext>
+            </a:extLst>
+          </p:cNvPr>
+          <p:cNvPicPr>
+            <a:picLocks noChangeAspect="1"/>
+          </p:cNvPicPr>
+          <p:nvPr/>
+        </p:nvPicPr>
+        <p:blipFill>
+          <a:blip r:embed="rId3"/>
+          <a:stretch>
+            <a:fillRect/>
+          </a:stretch>
+        </p:blipFill>
+        <p:spPr>
+          <a:xfrm>
+            <a:off x="2095500" y="4502786"/>
+            <a:ext cx="4000500" cy="1435100"/>
+          </a:xfrm>
+          <a:prstGeom prst="rect">
+            <a:avLst/>
+          </a:prstGeom>
+        </p:spPr>
+      </p:pic>
+      <p:sp>
+        <p:nvSpPr>
+          <p:cNvPr id="9" name="Rectangle 8">
+            <a:extLst>
+              <a:ext uri="{FF2B5EF4-FFF2-40B4-BE49-F238E27FC236}">
+                <a16:creationId xmlns:a16="http://schemas.microsoft.com/office/drawing/2014/main" id="{0D52A5D7-26BD-2040-87C3-FC0093D6B11C}"/>
+              </a:ext>
+            </a:extLst>
+          </p:cNvPr>
+          <p:cNvSpPr/>
+          <p:nvPr/>
+        </p:nvSpPr>
+        <p:spPr>
+          <a:xfrm>
+            <a:off x="622657" y="4982646"/>
+            <a:ext cx="686406" cy="369332"/>
+          </a:xfrm>
+          <a:prstGeom prst="rect">
+            <a:avLst/>
+          </a:prstGeom>
+        </p:spPr>
+        <p:txBody>
+          <a:bodyPr wrap="none">
+            <a:spAutoFit/>
+          </a:bodyPr>
+          <a:lstStyle/>
+          <a:p>
+            <a:r>
+              <a:rPr lang="en-US" dirty="0"/>
+              <a:t>Done</a:t>
+            </a:r>
+          </a:p>
+        </p:txBody>
+      </p:sp>
+      <p:pic>
+        <p:nvPicPr>
+          <p:cNvPr id="10" name="Picture 9">
+            <a:extLst>
+              <a:ext uri="{FF2B5EF4-FFF2-40B4-BE49-F238E27FC236}">
+                <a16:creationId xmlns:a16="http://schemas.microsoft.com/office/drawing/2014/main" id="{0EA4E293-2FB3-7A49-B5E5-14B2E53291DD}"/>
+              </a:ext>
+            </a:extLst>
+          </p:cNvPr>
+          <p:cNvPicPr>
+            <a:picLocks noChangeAspect="1"/>
+          </p:cNvPicPr>
+          <p:nvPr/>
+        </p:nvPicPr>
+        <p:blipFill>
+          <a:blip r:embed="rId4"/>
+          <a:stretch>
+            <a:fillRect/>
+          </a:stretch>
+        </p:blipFill>
+        <p:spPr>
+          <a:xfrm>
+            <a:off x="6198919" y="4056092"/>
+            <a:ext cx="2968033" cy="2222440"/>
+          </a:xfrm>
+          <a:prstGeom prst="rect">
+            <a:avLst/>
+          </a:prstGeom>
+        </p:spPr>
+      </p:pic>
+      <p:sp>
+        <p:nvSpPr>
+          <p:cNvPr id="11" name="Rectangle 10">
+            <a:extLst>
+              <a:ext uri="{FF2B5EF4-FFF2-40B4-BE49-F238E27FC236}">
+                <a16:creationId xmlns:a16="http://schemas.microsoft.com/office/drawing/2014/main" id="{1F299D6B-F373-9245-BD34-71BC7DBAC2DE}"/>
+              </a:ext>
+            </a:extLst>
+          </p:cNvPr>
+          <p:cNvSpPr/>
+          <p:nvPr/>
+        </p:nvSpPr>
+        <p:spPr>
+          <a:xfrm>
+            <a:off x="636704" y="2406360"/>
+            <a:ext cx="673069" cy="369332"/>
+          </a:xfrm>
+          <a:prstGeom prst="rect">
+            <a:avLst/>
+          </a:prstGeom>
+        </p:spPr>
+        <p:txBody>
+          <a:bodyPr wrap="none">
+            <a:spAutoFit/>
+          </a:bodyPr>
+          <a:lstStyle/>
+          <a:p>
+            <a:r>
+              <a:rPr lang="en-US" dirty="0"/>
+              <a:t>From</a:t>
+            </a:r>
+          </a:p>
+        </p:txBody>
+      </p:sp>
     </p:spTree>
     <p:extLst>
       <p:ext uri="{BB962C8B-B14F-4D97-AF65-F5344CB8AC3E}">
         <p14:creationId xmlns:p14="http://schemas.microsoft.com/office/powerpoint/2010/main" val="3077201713"/>
+      </p:ext>
+    </p:extLst>
+  </p:cSld>
+  <p:clrMapOvr>
+    <a:masterClrMapping/>
+  </p:clrMapOvr>
+</p:sld>
+</file>
+
+<file path=ppt/slides/slide5.xml><?xml version="1.0" encoding="utf-8"?>
+<p:sld xmlns:a="http://schemas.openxmlformats.org/drawingml/2006/main" xmlns:r="http://schemas.openxmlformats.org/officeDocument/2006/relationships" xmlns:p="http://schemas.openxmlformats.org/presentationml/2006/main">
+  <p:cSld>
+    <p:spTree>
+      <p:nvGrpSpPr>
+        <p:cNvPr id="1" name=""/>
+        <p:cNvGrpSpPr/>
+        <p:nvPr/>
+      </p:nvGrpSpPr>
+      <p:grpSpPr>
+        <a:xfrm>
+          <a:off x="0" y="0"/>
+          <a:ext cx="0" cy="0"/>
+          <a:chOff x="0" y="0"/>
+          <a:chExt cx="0" cy="0"/>
+        </a:xfrm>
+      </p:grpSpPr>
+      <p:sp>
+        <p:nvSpPr>
+          <p:cNvPr id="2" name="Title 1">
+            <a:extLst>
+              <a:ext uri="{FF2B5EF4-FFF2-40B4-BE49-F238E27FC236}">
+                <a16:creationId xmlns:a16="http://schemas.microsoft.com/office/drawing/2014/main" id="{85BC5448-F0BF-FB46-AF74-335F0E9339B3}"/>
+              </a:ext>
+            </a:extLst>
+          </p:cNvPr>
+          <p:cNvSpPr>
+            <a:spLocks noGrp="1"/>
+          </p:cNvSpPr>
+          <p:nvPr>
+            <p:ph type="title"/>
+          </p:nvPr>
+        </p:nvSpPr>
+        <p:spPr/>
+        <p:txBody>
+          <a:bodyPr/>
+          <a:lstStyle/>
+          <a:p>
+            <a:endParaRPr lang="en-US"/>
+          </a:p>
+        </p:txBody>
+      </p:sp>
+      <p:sp>
+        <p:nvSpPr>
+          <p:cNvPr id="3" name="Content Placeholder 2">
+            <a:extLst>
+              <a:ext uri="{FF2B5EF4-FFF2-40B4-BE49-F238E27FC236}">
+                <a16:creationId xmlns:a16="http://schemas.microsoft.com/office/drawing/2014/main" id="{5A21FB3E-D010-EC41-9379-873B681DFD44}"/>
+              </a:ext>
+            </a:extLst>
+          </p:cNvPr>
+          <p:cNvSpPr>
+            <a:spLocks noGrp="1"/>
+          </p:cNvSpPr>
+          <p:nvPr>
+            <p:ph idx="1"/>
+          </p:nvPr>
+        </p:nvSpPr>
+        <p:spPr/>
+        <p:txBody>
+          <a:bodyPr/>
+          <a:lstStyle/>
+          <a:p>
+            <a:endParaRPr lang="en-US"/>
+          </a:p>
+        </p:txBody>
+      </p:sp>
+    </p:spTree>
+    <p:extLst>
+      <p:ext uri="{BB962C8B-B14F-4D97-AF65-F5344CB8AC3E}">
+        <p14:creationId xmlns:p14="http://schemas.microsoft.com/office/powerpoint/2010/main" val="3884620667"/>
       </p:ext>
     </p:extLst>
   </p:cSld>

--- a/Week3/week3_cancer_fraction.pptx
+++ b/Week3/week3_cancer_fraction.pptx
@@ -5,14 +5,17 @@
     <p:sldMasterId id="2147483648" r:id="rId1"/>
   </p:sldMasterIdLst>
   <p:notesMasterIdLst>
-    <p:notesMasterId r:id="rId7"/>
+    <p:notesMasterId r:id="rId10"/>
   </p:notesMasterIdLst>
   <p:sldIdLst>
     <p:sldId id="257" r:id="rId2"/>
     <p:sldId id="264" r:id="rId3"/>
     <p:sldId id="265" r:id="rId4"/>
     <p:sldId id="266" r:id="rId5"/>
-    <p:sldId id="267" r:id="rId6"/>
+    <p:sldId id="268" r:id="rId6"/>
+    <p:sldId id="267" r:id="rId7"/>
+    <p:sldId id="270" r:id="rId8"/>
+    <p:sldId id="269" r:id="rId9"/>
   </p:sldIdLst>
   <p:sldSz cx="12192000" cy="6858000"/>
   <p:notesSz cx="6858000" cy="9144000"/>
@@ -201,7 +204,7 @@
           <a:p>
             <a:fld id="{FAF376F0-0C71-644E-B4E6-54FE08EBADD8}" type="datetimeFigureOut">
               <a:rPr lang="en-US" smtClean="0"/>
-              <a:t>6/29/21</a:t>
+              <a:t>7/2/21</a:t>
             </a:fld>
             <a:endParaRPr lang="en-US"/>
           </a:p>
@@ -913,6 +916,282 @@
 </p:notes>
 </file>
 
+<file path=ppt/notesSlides/notesSlide5.xml><?xml version="1.0" encoding="utf-8"?>
+<p:notes xmlns:a="http://schemas.openxmlformats.org/drawingml/2006/main" xmlns:r="http://schemas.openxmlformats.org/officeDocument/2006/relationships" xmlns:p="http://schemas.openxmlformats.org/presentationml/2006/main">
+  <p:cSld>
+    <p:spTree>
+      <p:nvGrpSpPr>
+        <p:cNvPr id="1" name=""/>
+        <p:cNvGrpSpPr/>
+        <p:nvPr/>
+      </p:nvGrpSpPr>
+      <p:grpSpPr>
+        <a:xfrm>
+          <a:off x="0" y="0"/>
+          <a:ext cx="0" cy="0"/>
+          <a:chOff x="0" y="0"/>
+          <a:chExt cx="0" cy="0"/>
+        </a:xfrm>
+      </p:grpSpPr>
+      <p:sp>
+        <p:nvSpPr>
+          <p:cNvPr id="2" name="Slide Image Placeholder 1"/>
+          <p:cNvSpPr>
+            <a:spLocks noGrp="1" noRot="1" noChangeAspect="1"/>
+          </p:cNvSpPr>
+          <p:nvPr>
+            <p:ph type="sldImg"/>
+          </p:nvPr>
+        </p:nvSpPr>
+        <p:spPr/>
+      </p:sp>
+      <p:sp>
+        <p:nvSpPr>
+          <p:cNvPr id="3" name="Notes Placeholder 2"/>
+          <p:cNvSpPr>
+            <a:spLocks noGrp="1"/>
+          </p:cNvSpPr>
+          <p:nvPr>
+            <p:ph type="body" idx="1"/>
+          </p:nvPr>
+        </p:nvSpPr>
+        <p:spPr/>
+        <p:txBody>
+          <a:bodyPr/>
+          <a:lstStyle/>
+          <a:p>
+            <a:endParaRPr lang="en-US" dirty="0"/>
+          </a:p>
+        </p:txBody>
+      </p:sp>
+      <p:sp>
+        <p:nvSpPr>
+          <p:cNvPr id="4" name="Slide Number Placeholder 3"/>
+          <p:cNvSpPr>
+            <a:spLocks noGrp="1"/>
+          </p:cNvSpPr>
+          <p:nvPr>
+            <p:ph type="sldNum" sz="quarter" idx="5"/>
+          </p:nvPr>
+        </p:nvSpPr>
+        <p:spPr/>
+        <p:txBody>
+          <a:bodyPr/>
+          <a:lstStyle/>
+          <a:p>
+            <a:fld id="{1617A225-B4B5-3F43-81B5-0D7354876237}" type="slidenum">
+              <a:rPr lang="en-US" smtClean="0"/>
+              <a:t>5</a:t>
+            </a:fld>
+            <a:endParaRPr lang="en-US"/>
+          </a:p>
+        </p:txBody>
+      </p:sp>
+    </p:spTree>
+    <p:extLst>
+      <p:ext uri="{BB962C8B-B14F-4D97-AF65-F5344CB8AC3E}">
+        <p14:creationId xmlns:p14="http://schemas.microsoft.com/office/powerpoint/2010/main" val="2238873248"/>
+      </p:ext>
+    </p:extLst>
+  </p:cSld>
+  <p:clrMapOvr>
+    <a:masterClrMapping/>
+  </p:clrMapOvr>
+</p:notes>
+</file>
+
+<file path=ppt/notesSlides/notesSlide6.xml><?xml version="1.0" encoding="utf-8"?>
+<p:notes xmlns:a="http://schemas.openxmlformats.org/drawingml/2006/main" xmlns:r="http://schemas.openxmlformats.org/officeDocument/2006/relationships" xmlns:p="http://schemas.openxmlformats.org/presentationml/2006/main">
+  <p:cSld>
+    <p:spTree>
+      <p:nvGrpSpPr>
+        <p:cNvPr id="1" name=""/>
+        <p:cNvGrpSpPr/>
+        <p:nvPr/>
+      </p:nvGrpSpPr>
+      <p:grpSpPr>
+        <a:xfrm>
+          <a:off x="0" y="0"/>
+          <a:ext cx="0" cy="0"/>
+          <a:chOff x="0" y="0"/>
+          <a:chExt cx="0" cy="0"/>
+        </a:xfrm>
+      </p:grpSpPr>
+      <p:sp>
+        <p:nvSpPr>
+          <p:cNvPr id="2" name="Slide Image Placeholder 1"/>
+          <p:cNvSpPr>
+            <a:spLocks noGrp="1" noRot="1" noChangeAspect="1"/>
+          </p:cNvSpPr>
+          <p:nvPr>
+            <p:ph type="sldImg"/>
+          </p:nvPr>
+        </p:nvSpPr>
+        <p:spPr/>
+      </p:sp>
+      <p:sp>
+        <p:nvSpPr>
+          <p:cNvPr id="3" name="Notes Placeholder 2"/>
+          <p:cNvSpPr>
+            <a:spLocks noGrp="1"/>
+          </p:cNvSpPr>
+          <p:nvPr>
+            <p:ph type="body" idx="1"/>
+          </p:nvPr>
+        </p:nvSpPr>
+        <p:spPr/>
+        <p:txBody>
+          <a:bodyPr/>
+          <a:lstStyle/>
+          <a:p>
+            <a:r>
+              <a:rPr lang="en-US" sz="1200" kern="1200" dirty="0">
+                <a:solidFill>
+                  <a:schemeClr val="tx1"/>
+                </a:solidFill>
+                <a:effectLst/>
+                <a:latin typeface="+mn-lt"/>
+                <a:ea typeface="+mn-ea"/>
+                <a:cs typeface="+mn-cs"/>
+              </a:rPr>
+              <a:t>.</a:t>
+            </a:r>
+            <a:r>
+              <a:rPr lang="en-US" sz="1200" kern="1200" dirty="0" err="1">
+                <a:solidFill>
+                  <a:schemeClr val="tx1"/>
+                </a:solidFill>
+                <a:effectLst/>
+                <a:latin typeface="+mn-lt"/>
+                <a:ea typeface="+mn-ea"/>
+                <a:cs typeface="+mn-cs"/>
+              </a:rPr>
+              <a:t>libPaths</a:t>
+            </a:r>
+            <a:r>
+              <a:rPr lang="en-US" sz="1200" kern="1200" dirty="0">
+                <a:solidFill>
+                  <a:schemeClr val="tx1"/>
+                </a:solidFill>
+                <a:effectLst/>
+                <a:latin typeface="+mn-lt"/>
+                <a:ea typeface="+mn-ea"/>
+                <a:cs typeface="+mn-cs"/>
+              </a:rPr>
+              <a:t>( c("/</a:t>
+            </a:r>
+            <a:r>
+              <a:rPr lang="en-US" sz="1200" kern="1200" dirty="0" err="1">
+                <a:solidFill>
+                  <a:schemeClr val="tx1"/>
+                </a:solidFill>
+                <a:effectLst/>
+                <a:latin typeface="+mn-lt"/>
+                <a:ea typeface="+mn-ea"/>
+                <a:cs typeface="+mn-cs"/>
+              </a:rPr>
+              <a:t>ghds</a:t>
+            </a:r>
+            <a:r>
+              <a:rPr lang="en-US" sz="1200" kern="1200" dirty="0">
+                <a:solidFill>
+                  <a:schemeClr val="tx1"/>
+                </a:solidFill>
+                <a:effectLst/>
+                <a:latin typeface="+mn-lt"/>
+                <a:ea typeface="+mn-ea"/>
+                <a:cs typeface="+mn-cs"/>
+              </a:rPr>
+              <a:t>/groups/algorithms/scratch/</a:t>
+            </a:r>
+            <a:r>
+              <a:rPr lang="en-US" sz="1200" kern="1200" dirty="0" err="1">
+                <a:solidFill>
+                  <a:schemeClr val="tx1"/>
+                </a:solidFill>
+                <a:effectLst/>
+                <a:latin typeface="+mn-lt"/>
+                <a:ea typeface="+mn-ea"/>
+                <a:cs typeface="+mn-cs"/>
+              </a:rPr>
+              <a:t>xili</a:t>
+            </a:r>
+            <a:r>
+              <a:rPr lang="en-US" sz="1200" kern="1200" dirty="0">
+                <a:solidFill>
+                  <a:schemeClr val="tx1"/>
+                </a:solidFill>
+                <a:effectLst/>
+                <a:latin typeface="+mn-lt"/>
+                <a:ea typeface="+mn-ea"/>
+                <a:cs typeface="+mn-cs"/>
+              </a:rPr>
+              <a:t>", .</a:t>
+            </a:r>
+            <a:r>
+              <a:rPr lang="en-US" sz="1200" kern="1200" dirty="0" err="1">
+                <a:solidFill>
+                  <a:schemeClr val="tx1"/>
+                </a:solidFill>
+                <a:effectLst/>
+                <a:latin typeface="+mn-lt"/>
+                <a:ea typeface="+mn-ea"/>
+                <a:cs typeface="+mn-cs"/>
+              </a:rPr>
+              <a:t>libPaths</a:t>
+            </a:r>
+            <a:r>
+              <a:rPr lang="en-US" sz="1200" kern="1200" dirty="0">
+                <a:solidFill>
+                  <a:schemeClr val="tx1"/>
+                </a:solidFill>
+                <a:effectLst/>
+                <a:latin typeface="+mn-lt"/>
+                <a:ea typeface="+mn-ea"/>
+                <a:cs typeface="+mn-cs"/>
+              </a:rPr>
+              <a:t>()) ) </a:t>
+            </a:r>
+            <a:endParaRPr lang="en-US" dirty="0"/>
+          </a:p>
+        </p:txBody>
+      </p:sp>
+      <p:sp>
+        <p:nvSpPr>
+          <p:cNvPr id="4" name="Slide Number Placeholder 3"/>
+          <p:cNvSpPr>
+            <a:spLocks noGrp="1"/>
+          </p:cNvSpPr>
+          <p:nvPr>
+            <p:ph type="sldNum" sz="quarter" idx="5"/>
+          </p:nvPr>
+        </p:nvSpPr>
+        <p:spPr/>
+        <p:txBody>
+          <a:bodyPr/>
+          <a:lstStyle/>
+          <a:p>
+            <a:fld id="{1617A225-B4B5-3F43-81B5-0D7354876237}" type="slidenum">
+              <a:rPr lang="en-US" smtClean="0"/>
+              <a:t>8</a:t>
+            </a:fld>
+            <a:endParaRPr lang="en-US"/>
+          </a:p>
+        </p:txBody>
+      </p:sp>
+    </p:spTree>
+    <p:extLst>
+      <p:ext uri="{BB962C8B-B14F-4D97-AF65-F5344CB8AC3E}">
+        <p14:creationId xmlns:p14="http://schemas.microsoft.com/office/powerpoint/2010/main" val="3299636698"/>
+      </p:ext>
+    </p:extLst>
+  </p:cSld>
+  <p:clrMapOvr>
+    <a:masterClrMapping/>
+  </p:clrMapOvr>
+</p:notes>
+</file>
+
 <file path=ppt/slideLayouts/slideLayout1.xml><?xml version="1.0" encoding="utf-8"?>
 <p:sldLayout xmlns:a="http://schemas.openxmlformats.org/drawingml/2006/main" xmlns:r="http://schemas.openxmlformats.org/officeDocument/2006/relationships" xmlns:p="http://schemas.openxmlformats.org/presentationml/2006/main" type="title" preserve="1">
   <p:cSld name="Title Slide">
@@ -1060,7 +1339,7 @@
           <a:p>
             <a:fld id="{D73660E5-8513-AA47-A17B-37D2C392AEFF}" type="datetimeFigureOut">
               <a:rPr lang="en-US" smtClean="0"/>
-              <a:t>6/29/21</a:t>
+              <a:t>7/2/21</a:t>
             </a:fld>
             <a:endParaRPr lang="en-US"/>
           </a:p>
@@ -1258,7 +1537,7 @@
           <a:p>
             <a:fld id="{D73660E5-8513-AA47-A17B-37D2C392AEFF}" type="datetimeFigureOut">
               <a:rPr lang="en-US" smtClean="0"/>
-              <a:t>6/29/21</a:t>
+              <a:t>7/2/21</a:t>
             </a:fld>
             <a:endParaRPr lang="en-US"/>
           </a:p>
@@ -1466,7 +1745,7 @@
           <a:p>
             <a:fld id="{D73660E5-8513-AA47-A17B-37D2C392AEFF}" type="datetimeFigureOut">
               <a:rPr lang="en-US" smtClean="0"/>
-              <a:t>6/29/21</a:t>
+              <a:t>7/2/21</a:t>
             </a:fld>
             <a:endParaRPr lang="en-US"/>
           </a:p>
@@ -2295,7 +2574,7 @@
           <a:p>
             <a:fld id="{D73660E5-8513-AA47-A17B-37D2C392AEFF}" type="datetimeFigureOut">
               <a:rPr lang="en-US" smtClean="0"/>
-              <a:t>6/29/21</a:t>
+              <a:t>7/2/21</a:t>
             </a:fld>
             <a:endParaRPr lang="en-US"/>
           </a:p>
@@ -2570,7 +2849,7 @@
           <a:p>
             <a:fld id="{D73660E5-8513-AA47-A17B-37D2C392AEFF}" type="datetimeFigureOut">
               <a:rPr lang="en-US" smtClean="0"/>
-              <a:t>6/29/21</a:t>
+              <a:t>7/2/21</a:t>
             </a:fld>
             <a:endParaRPr lang="en-US"/>
           </a:p>
@@ -2835,7 +3114,7 @@
           <a:p>
             <a:fld id="{D73660E5-8513-AA47-A17B-37D2C392AEFF}" type="datetimeFigureOut">
               <a:rPr lang="en-US" smtClean="0"/>
-              <a:t>6/29/21</a:t>
+              <a:t>7/2/21</a:t>
             </a:fld>
             <a:endParaRPr lang="en-US"/>
           </a:p>
@@ -3247,7 +3526,7 @@
           <a:p>
             <a:fld id="{D73660E5-8513-AA47-A17B-37D2C392AEFF}" type="datetimeFigureOut">
               <a:rPr lang="en-US" smtClean="0"/>
-              <a:t>6/29/21</a:t>
+              <a:t>7/2/21</a:t>
             </a:fld>
             <a:endParaRPr lang="en-US"/>
           </a:p>
@@ -3388,7 +3667,7 @@
           <a:p>
             <a:fld id="{D73660E5-8513-AA47-A17B-37D2C392AEFF}" type="datetimeFigureOut">
               <a:rPr lang="en-US" smtClean="0"/>
-              <a:t>6/29/21</a:t>
+              <a:t>7/2/21</a:t>
             </a:fld>
             <a:endParaRPr lang="en-US"/>
           </a:p>
@@ -3501,7 +3780,7 @@
           <a:p>
             <a:fld id="{D73660E5-8513-AA47-A17B-37D2C392AEFF}" type="datetimeFigureOut">
               <a:rPr lang="en-US" smtClean="0"/>
-              <a:t>6/29/21</a:t>
+              <a:t>7/2/21</a:t>
             </a:fld>
             <a:endParaRPr lang="en-US"/>
           </a:p>
@@ -3812,7 +4091,7 @@
           <a:p>
             <a:fld id="{D73660E5-8513-AA47-A17B-37D2C392AEFF}" type="datetimeFigureOut">
               <a:rPr lang="en-US" smtClean="0"/>
-              <a:t>6/29/21</a:t>
+              <a:t>7/2/21</a:t>
             </a:fld>
             <a:endParaRPr lang="en-US"/>
           </a:p>
@@ -4100,7 +4379,7 @@
           <a:p>
             <a:fld id="{D73660E5-8513-AA47-A17B-37D2C392AEFF}" type="datetimeFigureOut">
               <a:rPr lang="en-US" smtClean="0"/>
-              <a:t>6/29/21</a:t>
+              <a:t>7/2/21</a:t>
             </a:fld>
             <a:endParaRPr lang="en-US"/>
           </a:p>
@@ -4341,7 +4620,7 @@
           <a:p>
             <a:fld id="{D73660E5-8513-AA47-A17B-37D2C392AEFF}" type="datetimeFigureOut">
               <a:rPr lang="en-US" smtClean="0"/>
-              <a:t>6/29/21</a:t>
+              <a:t>7/2/21</a:t>
             </a:fld>
             <a:endParaRPr lang="en-US"/>
           </a:p>
@@ -5589,6 +5868,56 @@
             </a:pPr>
             <a:r>
               <a:rPr lang="en-US" dirty="0">
+                <a:latin typeface="+mn-lt"/>
+              </a:rPr>
+              <a:t>Working </a:t>
+            </a:r>
+            <a:r>
+              <a:rPr lang="en-US" dirty="0"/>
+              <a:t>Path:</a:t>
+            </a:r>
+          </a:p>
+          <a:p>
+            <a:pPr marL="914400" lvl="2" indent="0">
+              <a:spcBef>
+                <a:spcPts val="0"/>
+              </a:spcBef>
+              <a:buSzPts val="2800"/>
+              <a:buNone/>
+            </a:pPr>
+            <a:r>
+              <a:rPr lang="en-US" dirty="0"/>
+              <a:t>/</a:t>
+            </a:r>
+            <a:r>
+              <a:rPr lang="en-US" dirty="0" err="1"/>
+              <a:t>ghds</a:t>
+            </a:r>
+            <a:r>
+              <a:rPr lang="en-US" dirty="0"/>
+              <a:t>/groups/algorithms/projects/</a:t>
+            </a:r>
+            <a:r>
+              <a:rPr lang="en-US" dirty="0" err="1"/>
+              <a:t>Study_Fragment_Size</a:t>
+            </a:r>
+            <a:r>
+              <a:rPr lang="en-US" dirty="0"/>
+              <a:t>/	</a:t>
+            </a:r>
+            <a:endParaRPr lang="en-US" dirty="0">
+              <a:latin typeface="+mn-lt"/>
+            </a:endParaRPr>
+          </a:p>
+          <a:p>
+            <a:pPr lvl="1">
+              <a:spcBef>
+                <a:spcPts val="0"/>
+              </a:spcBef>
+              <a:buSzPts val="2800"/>
+            </a:pPr>
+            <a:r>
+              <a:rPr lang="en-US" dirty="0">
                 <a:highlight>
                   <a:srgbClr val="FFFF00"/>
                 </a:highlight>
@@ -7873,6 +8202,100 @@
           <p:cNvPr id="2" name="Title 1">
             <a:extLst>
               <a:ext uri="{FF2B5EF4-FFF2-40B4-BE49-F238E27FC236}">
+                <a16:creationId xmlns:a16="http://schemas.microsoft.com/office/drawing/2014/main" id="{0F458F41-DEB2-FC42-9D70-D21E9A882883}"/>
+              </a:ext>
+            </a:extLst>
+          </p:cNvPr>
+          <p:cNvSpPr>
+            <a:spLocks noGrp="1"/>
+          </p:cNvSpPr>
+          <p:nvPr>
+            <p:ph type="title"/>
+          </p:nvPr>
+        </p:nvSpPr>
+        <p:spPr/>
+        <p:txBody>
+          <a:bodyPr/>
+          <a:lstStyle/>
+          <a:p>
+            <a:r>
+              <a:rPr lang="en-US" dirty="0" err="1"/>
+              <a:t>Chunksize</a:t>
+            </a:r>
+            <a:r>
+              <a:rPr lang="en-US" dirty="0"/>
+              <a:t>: 10**3~10**5 no difference</a:t>
+            </a:r>
+          </a:p>
+        </p:txBody>
+      </p:sp>
+      <p:pic>
+        <p:nvPicPr>
+          <p:cNvPr id="4" name="Content Placeholder 3">
+            <a:extLst>
+              <a:ext uri="{FF2B5EF4-FFF2-40B4-BE49-F238E27FC236}">
+                <a16:creationId xmlns:a16="http://schemas.microsoft.com/office/drawing/2014/main" id="{1DE48FEB-6A18-F646-A941-1CE9F11098CB}"/>
+              </a:ext>
+            </a:extLst>
+          </p:cNvPr>
+          <p:cNvPicPr>
+            <a:picLocks noGrp="1" noChangeAspect="1"/>
+          </p:cNvPicPr>
+          <p:nvPr>
+            <p:ph idx="1"/>
+          </p:nvPr>
+        </p:nvPicPr>
+        <p:blipFill>
+          <a:blip r:embed="rId3"/>
+          <a:stretch>
+            <a:fillRect/>
+          </a:stretch>
+        </p:blipFill>
+        <p:spPr>
+          <a:xfrm>
+            <a:off x="746732" y="2496343"/>
+            <a:ext cx="4826000" cy="3695700"/>
+          </a:xfrm>
+          <a:prstGeom prst="rect">
+            <a:avLst/>
+          </a:prstGeom>
+        </p:spPr>
+      </p:pic>
+    </p:spTree>
+    <p:extLst>
+      <p:ext uri="{BB962C8B-B14F-4D97-AF65-F5344CB8AC3E}">
+        <p14:creationId xmlns:p14="http://schemas.microsoft.com/office/powerpoint/2010/main" val="1326976515"/>
+      </p:ext>
+    </p:extLst>
+  </p:cSld>
+  <p:clrMapOvr>
+    <a:masterClrMapping/>
+  </p:clrMapOvr>
+</p:sld>
+</file>
+
+<file path=ppt/slides/slide6.xml><?xml version="1.0" encoding="utf-8"?>
+<p:sld xmlns:a="http://schemas.openxmlformats.org/drawingml/2006/main" xmlns:r="http://schemas.openxmlformats.org/officeDocument/2006/relationships" xmlns:p="http://schemas.openxmlformats.org/presentationml/2006/main">
+  <p:cSld>
+    <p:spTree>
+      <p:nvGrpSpPr>
+        <p:cNvPr id="1" name=""/>
+        <p:cNvGrpSpPr/>
+        <p:nvPr/>
+      </p:nvGrpSpPr>
+      <p:grpSpPr>
+        <a:xfrm>
+          <a:off x="0" y="0"/>
+          <a:ext cx="0" cy="0"/>
+          <a:chOff x="0" y="0"/>
+          <a:chExt cx="0" cy="0"/>
+        </a:xfrm>
+      </p:grpSpPr>
+      <p:sp>
+        <p:nvSpPr>
+          <p:cNvPr id="2" name="Title 1">
+            <a:extLst>
+              <a:ext uri="{FF2B5EF4-FFF2-40B4-BE49-F238E27FC236}">
                 <a16:creationId xmlns:a16="http://schemas.microsoft.com/office/drawing/2014/main" id="{85BC5448-F0BF-FB46-AF74-335F0E9339B3}"/>
               </a:ext>
             </a:extLst>
@@ -7889,7 +8312,10 @@
           <a:bodyPr/>
           <a:lstStyle/>
           <a:p>
-            <a:endParaRPr lang="en-US"/>
+            <a:r>
+              <a:rPr lang="en-US" dirty="0"/>
+              <a:t>Training Data(500 samples)</a:t>
+            </a:r>
           </a:p>
         </p:txBody>
       </p:sp>
@@ -7914,7 +8340,49 @@
           <a:bodyPr/>
           <a:lstStyle/>
           <a:p>
-            <a:endParaRPr lang="en-US"/>
+            <a:r>
+              <a:rPr lang="en-US" dirty="0"/>
+              <a:t>/</a:t>
+            </a:r>
+            <a:r>
+              <a:rPr lang="en-US" dirty="0" err="1"/>
+              <a:t>ghds</a:t>
+            </a:r>
+            <a:r>
+              <a:rPr lang="en-US" dirty="0"/>
+              <a:t>/groups/bioinformatics/02_DEVELOPMENT/200830_GHCNVWG_PIPELINE/results/210608_CLINICAL_SAMPLES_V0.5/</a:t>
+            </a:r>
+            <a:r>
+              <a:rPr lang="en-US" dirty="0" err="1"/>
+              <a:t>processed_samples</a:t>
+            </a:r>
+            <a:r>
+              <a:rPr lang="en-US" dirty="0"/>
+              <a:t>/List_of_testing_samples_4TF_training.210630.tsv</a:t>
+            </a:r>
+          </a:p>
+          <a:p>
+            <a:endParaRPr lang="en-US" dirty="0"/>
+          </a:p>
+          <a:p>
+            <a:r>
+              <a:rPr lang="en-US" dirty="0"/>
+              <a:t>Column 'type' contains 2 entries: </a:t>
+            </a:r>
+          </a:p>
+          <a:p>
+            <a:pPr lvl="1"/>
+            <a:r>
+              <a:rPr lang="en-US" dirty="0"/>
+              <a:t>TND (TF=0)</a:t>
+            </a:r>
+          </a:p>
+          <a:p>
+            <a:pPr lvl="1"/>
+            <a:r>
+              <a:rPr lang="en-US" dirty="0"/>
+              <a:t>Clinical (TF &gt; 0) </a:t>
+            </a:r>
           </a:p>
         </p:txBody>
       </p:sp>
@@ -7922,6 +8390,3571 @@
     <p:extLst>
       <p:ext uri="{BB962C8B-B14F-4D97-AF65-F5344CB8AC3E}">
         <p14:creationId xmlns:p14="http://schemas.microsoft.com/office/powerpoint/2010/main" val="3884620667"/>
+      </p:ext>
+    </p:extLst>
+  </p:cSld>
+  <p:clrMapOvr>
+    <a:masterClrMapping/>
+  </p:clrMapOvr>
+</p:sld>
+</file>
+
+<file path=ppt/slides/slide7.xml><?xml version="1.0" encoding="utf-8"?>
+<p:sld xmlns:a="http://schemas.openxmlformats.org/drawingml/2006/main" xmlns:r="http://schemas.openxmlformats.org/officeDocument/2006/relationships" xmlns:p="http://schemas.openxmlformats.org/presentationml/2006/main">
+  <p:cSld>
+    <p:spTree>
+      <p:nvGrpSpPr>
+        <p:cNvPr id="1" name=""/>
+        <p:cNvGrpSpPr/>
+        <p:nvPr/>
+      </p:nvGrpSpPr>
+      <p:grpSpPr>
+        <a:xfrm>
+          <a:off x="0" y="0"/>
+          <a:ext cx="0" cy="0"/>
+          <a:chOff x="0" y="0"/>
+          <a:chExt cx="0" cy="0"/>
+        </a:xfrm>
+      </p:grpSpPr>
+      <p:sp>
+        <p:nvSpPr>
+          <p:cNvPr id="2" name="Title 1">
+            <a:extLst>
+              <a:ext uri="{FF2B5EF4-FFF2-40B4-BE49-F238E27FC236}">
+                <a16:creationId xmlns:a16="http://schemas.microsoft.com/office/drawing/2014/main" id="{D6214735-8D7E-5244-87FA-169DFB8EC88F}"/>
+              </a:ext>
+            </a:extLst>
+          </p:cNvPr>
+          <p:cNvSpPr>
+            <a:spLocks noGrp="1"/>
+          </p:cNvSpPr>
+          <p:nvPr>
+            <p:ph type="title"/>
+          </p:nvPr>
+        </p:nvSpPr>
+        <p:spPr/>
+        <p:txBody>
+          <a:bodyPr/>
+          <a:lstStyle/>
+          <a:p>
+            <a:r>
+              <a:rPr lang="en-US" dirty="0"/>
+              <a:t>Records</a:t>
+            </a:r>
+          </a:p>
+        </p:txBody>
+      </p:sp>
+      <p:pic>
+        <p:nvPicPr>
+          <p:cNvPr id="4" name="Content Placeholder 3">
+            <a:extLst>
+              <a:ext uri="{FF2B5EF4-FFF2-40B4-BE49-F238E27FC236}">
+                <a16:creationId xmlns:a16="http://schemas.microsoft.com/office/drawing/2014/main" id="{81E73915-4CD8-C647-B876-FB9BC14AD5A1}"/>
+              </a:ext>
+            </a:extLst>
+          </p:cNvPr>
+          <p:cNvPicPr>
+            <a:picLocks noGrp="1" noChangeAspect="1"/>
+          </p:cNvPicPr>
+          <p:nvPr>
+            <p:ph idx="1"/>
+          </p:nvPr>
+        </p:nvPicPr>
+        <p:blipFill>
+          <a:blip r:embed="rId2"/>
+          <a:stretch>
+            <a:fillRect/>
+          </a:stretch>
+        </p:blipFill>
+        <p:spPr>
+          <a:xfrm>
+            <a:off x="542926" y="2706378"/>
+            <a:ext cx="6227763" cy="863513"/>
+          </a:xfrm>
+          <a:prstGeom prst="rect">
+            <a:avLst/>
+          </a:prstGeom>
+        </p:spPr>
+      </p:pic>
+      <p:sp>
+        <p:nvSpPr>
+          <p:cNvPr id="5" name="Rectangle 4">
+            <a:extLst>
+              <a:ext uri="{FF2B5EF4-FFF2-40B4-BE49-F238E27FC236}">
+                <a16:creationId xmlns:a16="http://schemas.microsoft.com/office/drawing/2014/main" id="{1E1AE3A6-1692-4344-846F-8EBA3DF42B41}"/>
+              </a:ext>
+            </a:extLst>
+          </p:cNvPr>
+          <p:cNvSpPr/>
+          <p:nvPr/>
+        </p:nvSpPr>
+        <p:spPr>
+          <a:xfrm>
+            <a:off x="838200" y="3657600"/>
+            <a:ext cx="10668000" cy="2585323"/>
+          </a:xfrm>
+          <a:prstGeom prst="rect">
+            <a:avLst/>
+          </a:prstGeom>
+        </p:spPr>
+        <p:txBody>
+          <a:bodyPr wrap="square">
+            <a:spAutoFit/>
+          </a:bodyPr>
+          <a:lstStyle/>
+          <a:p>
+            <a:r>
+              <a:rPr lang="en-US" dirty="0">
+                <a:solidFill>
+                  <a:srgbClr val="1D1C1D"/>
+                </a:solidFill>
+                <a:latin typeface="Slack-Lato"/>
+              </a:rPr>
+              <a:t>Some update to share,</a:t>
+            </a:r>
+            <a:br>
+              <a:rPr lang="en-US" dirty="0">
+                <a:solidFill>
+                  <a:srgbClr val="1D1C1D"/>
+                </a:solidFill>
+                <a:latin typeface="Slack-Lato"/>
+              </a:rPr>
+            </a:br>
+            <a:endParaRPr lang="en-US" dirty="0">
+              <a:solidFill>
+                <a:srgbClr val="1D1C1D"/>
+              </a:solidFill>
+              <a:latin typeface="Slack-Lato"/>
+            </a:endParaRPr>
+          </a:p>
+          <a:p>
+            <a:pPr>
+              <a:buFont typeface="+mj-lt"/>
+              <a:buAutoNum type="arabicPeriod"/>
+            </a:pPr>
+            <a:r>
+              <a:rPr lang="en-US" dirty="0">
+                <a:solidFill>
+                  <a:srgbClr val="1D1C1D"/>
+                </a:solidFill>
+                <a:latin typeface="Slack-Lato"/>
+              </a:rPr>
+              <a:t>I solved the issues by generating these </a:t>
+            </a:r>
+            <a:r>
+              <a:rPr lang="en-US" dirty="0" err="1">
+                <a:solidFill>
+                  <a:srgbClr val="1D1C1D"/>
+                </a:solidFill>
+                <a:latin typeface="Slack-Lato"/>
+              </a:rPr>
+              <a:t>qsub</a:t>
+            </a:r>
+            <a:r>
+              <a:rPr lang="en-US" dirty="0">
+                <a:solidFill>
+                  <a:srgbClr val="1D1C1D"/>
+                </a:solidFill>
+                <a:latin typeface="Slack-Lato"/>
+              </a:rPr>
+              <a:t> *.</a:t>
+            </a:r>
+            <a:r>
+              <a:rPr lang="en-US" dirty="0" err="1">
+                <a:solidFill>
+                  <a:srgbClr val="1D1C1D"/>
+                </a:solidFill>
+                <a:latin typeface="Slack-Lato"/>
+              </a:rPr>
+              <a:t>sh</a:t>
+            </a:r>
+            <a:r>
+              <a:rPr lang="en-US" dirty="0">
+                <a:solidFill>
+                  <a:srgbClr val="1D1C1D"/>
+                </a:solidFill>
+                <a:latin typeface="Slack-Lato"/>
+              </a:rPr>
+              <a:t> through python.</a:t>
+            </a:r>
+          </a:p>
+          <a:p>
+            <a:pPr>
+              <a:buFont typeface="+mj-lt"/>
+              <a:buAutoNum type="arabicPeriod"/>
+            </a:pPr>
+            <a:r>
+              <a:rPr lang="en-US" dirty="0">
+                <a:solidFill>
+                  <a:srgbClr val="1D1C1D"/>
+                </a:solidFill>
+                <a:latin typeface="Slack-Lato"/>
+              </a:rPr>
+              <a:t>And I ran 500 samples and get 491 results of </a:t>
+            </a:r>
+            <a:r>
+              <a:rPr lang="en-US" dirty="0" err="1">
+                <a:solidFill>
+                  <a:srgbClr val="1D1C1D"/>
+                </a:solidFill>
+                <a:latin typeface="Slack-Lato"/>
+              </a:rPr>
+              <a:t>molecule.table.tcv</a:t>
+            </a:r>
+            <a:r>
+              <a:rPr lang="en-US" dirty="0">
+                <a:solidFill>
+                  <a:srgbClr val="1D1C1D"/>
+                </a:solidFill>
+                <a:latin typeface="Slack-Lato"/>
+              </a:rPr>
+              <a:t> (around 700GBs). (Will take a look at the rest 9 samples and why it failed. Later. )</a:t>
+            </a:r>
+          </a:p>
+          <a:p>
+            <a:pPr>
+              <a:buFont typeface="+mj-lt"/>
+              <a:buAutoNum type="arabicPeriod"/>
+            </a:pPr>
+            <a:r>
+              <a:rPr lang="en-US" dirty="0">
+                <a:solidFill>
+                  <a:srgbClr val="1D1C1D"/>
+                </a:solidFill>
+                <a:latin typeface="Slack-Lato"/>
+              </a:rPr>
+              <a:t>Then I apply the python module to extract Fragment Size distribution.  (Now received around 200 samples. At least I can start to do the following predictor building. )</a:t>
+            </a:r>
+          </a:p>
+          <a:p>
+            <a:r>
+              <a:rPr lang="en-US" b="1" dirty="0">
+                <a:solidFill>
+                  <a:srgbClr val="1D1C1D"/>
+                </a:solidFill>
+                <a:latin typeface="Slack-Lato"/>
+              </a:rPr>
+              <a:t>       Some Issues here about the over load of HPC. (I received more than 400% in the load columns from HPC Cluster Monitor, then I </a:t>
+            </a:r>
+            <a:r>
+              <a:rPr lang="en-US" b="1" dirty="0" err="1">
+                <a:solidFill>
+                  <a:srgbClr val="1D1C1D"/>
+                </a:solidFill>
+                <a:latin typeface="Slack-Lato"/>
+              </a:rPr>
+              <a:t>qdel</a:t>
+            </a:r>
+            <a:r>
+              <a:rPr lang="en-US" b="1" dirty="0">
+                <a:solidFill>
+                  <a:srgbClr val="1D1C1D"/>
+                </a:solidFill>
+                <a:latin typeface="Slack-Lato"/>
+              </a:rPr>
+              <a:t> the job.)</a:t>
+            </a:r>
+            <a:endParaRPr lang="en-US" b="0" i="0" dirty="0">
+              <a:solidFill>
+                <a:srgbClr val="1D1C1D"/>
+              </a:solidFill>
+              <a:effectLst/>
+              <a:latin typeface="Slack-Lato"/>
+            </a:endParaRPr>
+          </a:p>
+        </p:txBody>
+      </p:sp>
+      <p:sp>
+        <p:nvSpPr>
+          <p:cNvPr id="6" name="AutoShape 2">
+            <a:extLst>
+              <a:ext uri="{FF2B5EF4-FFF2-40B4-BE49-F238E27FC236}">
+                <a16:creationId xmlns:a16="http://schemas.microsoft.com/office/drawing/2014/main" id="{0085FD65-B076-A74F-A875-59054421DB3C}"/>
+              </a:ext>
+            </a:extLst>
+          </p:cNvPr>
+          <p:cNvSpPr>
+            <a:spLocks noChangeAspect="1" noChangeArrowheads="1"/>
+          </p:cNvSpPr>
+          <p:nvPr/>
+        </p:nvSpPr>
+        <p:spPr bwMode="auto">
+          <a:xfrm>
+            <a:off x="5943600" y="3276600"/>
+            <a:ext cx="304800" cy="304800"/>
+          </a:xfrm>
+          <a:prstGeom prst="rect">
+            <a:avLst/>
+          </a:prstGeom>
+          <a:noFill/>
+          <a:extLst>
+            <a:ext uri="{909E8E84-426E-40DD-AFC4-6F175D3DCCD1}">
+              <a14:hiddenFill xmlns:a14="http://schemas.microsoft.com/office/drawing/2010/main">
+                <a:solidFill>
+                  <a:srgbClr val="FFFFFF"/>
+                </a:solidFill>
+              </a14:hiddenFill>
+            </a:ext>
+          </a:extLst>
+        </p:spPr>
+        <p:txBody>
+          <a:bodyPr vert="horz" wrap="square" lIns="91440" tIns="45720" rIns="91440" bIns="45720" numCol="1" anchor="t" anchorCtr="0" compatLnSpc="1">
+            <a:prstTxWarp prst="textNoShape">
+              <a:avLst/>
+            </a:prstTxWarp>
+          </a:bodyPr>
+          <a:lstStyle/>
+          <a:p>
+            <a:endParaRPr lang="en-US"/>
+          </a:p>
+        </p:txBody>
+      </p:sp>
+      <p:sp>
+        <p:nvSpPr>
+          <p:cNvPr id="7" name="AutoShape 4">
+            <a:extLst>
+              <a:ext uri="{FF2B5EF4-FFF2-40B4-BE49-F238E27FC236}">
+                <a16:creationId xmlns:a16="http://schemas.microsoft.com/office/drawing/2014/main" id="{CD09E273-4556-E643-AE52-3FFD7D201F8E}"/>
+              </a:ext>
+            </a:extLst>
+          </p:cNvPr>
+          <p:cNvSpPr>
+            <a:spLocks noChangeAspect="1" noChangeArrowheads="1"/>
+          </p:cNvSpPr>
+          <p:nvPr/>
+        </p:nvSpPr>
+        <p:spPr bwMode="auto">
+          <a:xfrm>
+            <a:off x="6096000" y="3429000"/>
+            <a:ext cx="304800" cy="304800"/>
+          </a:xfrm>
+          <a:prstGeom prst="rect">
+            <a:avLst/>
+          </a:prstGeom>
+          <a:noFill/>
+          <a:extLst>
+            <a:ext uri="{909E8E84-426E-40DD-AFC4-6F175D3DCCD1}">
+              <a14:hiddenFill xmlns:a14="http://schemas.microsoft.com/office/drawing/2010/main">
+                <a:solidFill>
+                  <a:srgbClr val="FFFFFF"/>
+                </a:solidFill>
+              </a14:hiddenFill>
+            </a:ext>
+          </a:extLst>
+        </p:spPr>
+        <p:txBody>
+          <a:bodyPr vert="horz" wrap="square" lIns="91440" tIns="45720" rIns="91440" bIns="45720" numCol="1" anchor="t" anchorCtr="0" compatLnSpc="1">
+            <a:prstTxWarp prst="textNoShape">
+              <a:avLst/>
+            </a:prstTxWarp>
+          </a:bodyPr>
+          <a:lstStyle/>
+          <a:p>
+            <a:endParaRPr lang="en-US"/>
+          </a:p>
+        </p:txBody>
+      </p:sp>
+      <p:pic>
+        <p:nvPicPr>
+          <p:cNvPr id="9" name="Picture 8">
+            <a:extLst>
+              <a:ext uri="{FF2B5EF4-FFF2-40B4-BE49-F238E27FC236}">
+                <a16:creationId xmlns:a16="http://schemas.microsoft.com/office/drawing/2014/main" id="{BF710EA5-8417-8B4E-BBB8-4454AFB74C85}"/>
+              </a:ext>
+            </a:extLst>
+          </p:cNvPr>
+          <p:cNvPicPr>
+            <a:picLocks noChangeAspect="1"/>
+          </p:cNvPicPr>
+          <p:nvPr/>
+        </p:nvPicPr>
+        <p:blipFill>
+          <a:blip r:embed="rId3"/>
+          <a:stretch>
+            <a:fillRect/>
+          </a:stretch>
+        </p:blipFill>
+        <p:spPr>
+          <a:xfrm>
+            <a:off x="711993" y="1397397"/>
+            <a:ext cx="5550695" cy="1246554"/>
+          </a:xfrm>
+          <a:prstGeom prst="rect">
+            <a:avLst/>
+          </a:prstGeom>
+        </p:spPr>
+      </p:pic>
+    </p:spTree>
+    <p:extLst>
+      <p:ext uri="{BB962C8B-B14F-4D97-AF65-F5344CB8AC3E}">
+        <p14:creationId xmlns:p14="http://schemas.microsoft.com/office/powerpoint/2010/main" val="4020106411"/>
+      </p:ext>
+    </p:extLst>
+  </p:cSld>
+  <p:clrMapOvr>
+    <a:masterClrMapping/>
+  </p:clrMapOvr>
+</p:sld>
+</file>
+
+<file path=ppt/slides/slide8.xml><?xml version="1.0" encoding="utf-8"?>
+<p:sld xmlns:a="http://schemas.openxmlformats.org/drawingml/2006/main" xmlns:r="http://schemas.openxmlformats.org/officeDocument/2006/relationships" xmlns:p="http://schemas.openxmlformats.org/presentationml/2006/main">
+  <p:cSld>
+    <p:spTree>
+      <p:nvGrpSpPr>
+        <p:cNvPr id="1" name=""/>
+        <p:cNvGrpSpPr/>
+        <p:nvPr/>
+      </p:nvGrpSpPr>
+      <p:grpSpPr>
+        <a:xfrm>
+          <a:off x="0" y="0"/>
+          <a:ext cx="0" cy="0"/>
+          <a:chOff x="0" y="0"/>
+          <a:chExt cx="0" cy="0"/>
+        </a:xfrm>
+      </p:grpSpPr>
+      <p:sp>
+        <p:nvSpPr>
+          <p:cNvPr id="2" name="Title 1">
+            <a:extLst>
+              <a:ext uri="{FF2B5EF4-FFF2-40B4-BE49-F238E27FC236}">
+                <a16:creationId xmlns:a16="http://schemas.microsoft.com/office/drawing/2014/main" id="{1A1829E4-6866-D741-ADE4-BC0D2E17040F}"/>
+              </a:ext>
+            </a:extLst>
+          </p:cNvPr>
+          <p:cNvSpPr>
+            <a:spLocks noGrp="1"/>
+          </p:cNvSpPr>
+          <p:nvPr>
+            <p:ph type="title"/>
+          </p:nvPr>
+        </p:nvSpPr>
+        <p:spPr/>
+        <p:txBody>
+          <a:bodyPr/>
+          <a:lstStyle/>
+          <a:p>
+            <a:r>
+              <a:rPr lang="en-US" dirty="0"/>
+              <a:t>Samples Failed</a:t>
+            </a:r>
+          </a:p>
+        </p:txBody>
+      </p:sp>
+      <p:graphicFrame>
+        <p:nvGraphicFramePr>
+          <p:cNvPr id="10" name="Table 9">
+            <a:extLst>
+              <a:ext uri="{FF2B5EF4-FFF2-40B4-BE49-F238E27FC236}">
+                <a16:creationId xmlns:a16="http://schemas.microsoft.com/office/drawing/2014/main" id="{8A3A0A7E-9B67-444B-AFB6-A71D817D1F81}"/>
+              </a:ext>
+            </a:extLst>
+          </p:cNvPr>
+          <p:cNvGraphicFramePr>
+            <a:graphicFrameLocks noGrp="1"/>
+          </p:cNvGraphicFramePr>
+          <p:nvPr>
+            <p:extLst>
+              <p:ext uri="{D42A27DB-BD31-4B8C-83A1-F6EECF244321}">
+                <p14:modId xmlns:p14="http://schemas.microsoft.com/office/powerpoint/2010/main" val="186327815"/>
+              </p:ext>
+            </p:extLst>
+          </p:nvPr>
+        </p:nvGraphicFramePr>
+        <p:xfrm>
+          <a:off x="3206750" y="2228850"/>
+          <a:ext cx="5778500" cy="4114800"/>
+        </p:xfrm>
+        <a:graphic>
+          <a:graphicData uri="http://schemas.openxmlformats.org/drawingml/2006/table">
+            <a:tbl>
+              <a:tblPr>
+                <a:tableStyleId>{5C22544A-7EE6-4342-B048-85BDC9FD1C3A}</a:tableStyleId>
+              </a:tblPr>
+              <a:tblGrid>
+                <a:gridCol w="825500">
+                  <a:extLst>
+                    <a:ext uri="{9D8B030D-6E8A-4147-A177-3AD203B41FA5}">
+                      <a16:colId xmlns:a16="http://schemas.microsoft.com/office/drawing/2014/main" val="2240868987"/>
+                    </a:ext>
+                  </a:extLst>
+                </a:gridCol>
+                <a:gridCol w="825500">
+                  <a:extLst>
+                    <a:ext uri="{9D8B030D-6E8A-4147-A177-3AD203B41FA5}">
+                      <a16:colId xmlns:a16="http://schemas.microsoft.com/office/drawing/2014/main" val="1497502234"/>
+                    </a:ext>
+                  </a:extLst>
+                </a:gridCol>
+                <a:gridCol w="825500">
+                  <a:extLst>
+                    <a:ext uri="{9D8B030D-6E8A-4147-A177-3AD203B41FA5}">
+                      <a16:colId xmlns:a16="http://schemas.microsoft.com/office/drawing/2014/main" val="1468509473"/>
+                    </a:ext>
+                  </a:extLst>
+                </a:gridCol>
+                <a:gridCol w="825500">
+                  <a:extLst>
+                    <a:ext uri="{9D8B030D-6E8A-4147-A177-3AD203B41FA5}">
+                      <a16:colId xmlns:a16="http://schemas.microsoft.com/office/drawing/2014/main" val="2701302644"/>
+                    </a:ext>
+                  </a:extLst>
+                </a:gridCol>
+                <a:gridCol w="825500">
+                  <a:extLst>
+                    <a:ext uri="{9D8B030D-6E8A-4147-A177-3AD203B41FA5}">
+                      <a16:colId xmlns:a16="http://schemas.microsoft.com/office/drawing/2014/main" val="330398619"/>
+                    </a:ext>
+                  </a:extLst>
+                </a:gridCol>
+                <a:gridCol w="825500">
+                  <a:extLst>
+                    <a:ext uri="{9D8B030D-6E8A-4147-A177-3AD203B41FA5}">
+                      <a16:colId xmlns:a16="http://schemas.microsoft.com/office/drawing/2014/main" val="1942097294"/>
+                    </a:ext>
+                  </a:extLst>
+                </a:gridCol>
+                <a:gridCol w="825500">
+                  <a:extLst>
+                    <a:ext uri="{9D8B030D-6E8A-4147-A177-3AD203B41FA5}">
+                      <a16:colId xmlns:a16="http://schemas.microsoft.com/office/drawing/2014/main" val="1065253004"/>
+                    </a:ext>
+                  </a:extLst>
+                </a:gridCol>
+              </a:tblGrid>
+              <a:tr h="228600">
+                <a:tc>
+                  <a:txBody>
+                    <a:bodyPr/>
+                    <a:lstStyle/>
+                    <a:p>
+                      <a:pPr algn="l" rtl="0" fontAlgn="ctr"/>
+                      <a:r>
+                        <a:rPr lang="en-US" sz="1400" u="none" strike="noStrike" dirty="0">
+                          <a:effectLst/>
+                        </a:rPr>
+                        <a:t>5098061</a:t>
+                      </a:r>
+                      <a:endParaRPr lang="en-US" sz="1400" b="0" i="0" u="none" strike="noStrike" dirty="0">
+                        <a:solidFill>
+                          <a:srgbClr val="000000"/>
+                        </a:solidFill>
+                        <a:effectLst/>
+                        <a:latin typeface="Menlo" panose="020B0609030804020204" pitchFamily="49" charset="0"/>
+                      </a:endParaRPr>
+                    </a:p>
+                  </a:txBody>
+                  <a:tcPr marL="9525" marR="9525" marT="9525" marB="0" anchor="ctr"/>
+                </a:tc>
+                <a:tc>
+                  <a:txBody>
+                    <a:bodyPr/>
+                    <a:lstStyle/>
+                    <a:p>
+                      <a:pPr algn="r" fontAlgn="b"/>
+                      <a:r>
+                        <a:rPr lang="en-US" sz="1200" u="none" strike="noStrike">
+                          <a:effectLst/>
+                        </a:rPr>
+                        <a:t>0.51386</a:t>
+                      </a:r>
+                      <a:endParaRPr lang="en-US" sz="1200" b="0" i="0" u="none" strike="noStrike">
+                        <a:solidFill>
+                          <a:srgbClr val="000000"/>
+                        </a:solidFill>
+                        <a:effectLst/>
+                        <a:latin typeface="Calibri" panose="020F0502020204030204" pitchFamily="34" charset="0"/>
+                      </a:endParaRPr>
+                    </a:p>
+                  </a:txBody>
+                  <a:tcPr marL="9525" marR="9525" marT="9525" marB="0" anchor="b"/>
+                </a:tc>
+                <a:tc>
+                  <a:txBody>
+                    <a:bodyPr/>
+                    <a:lstStyle/>
+                    <a:p>
+                      <a:pPr algn="l" fontAlgn="b"/>
+                      <a:r>
+                        <a:rPr lang="en-US" sz="1200" u="none" strike="noStrike" dirty="0">
+                          <a:effectLst/>
+                        </a:rPr>
+                        <a:t>A034884001</a:t>
+                      </a:r>
+                      <a:endParaRPr lang="en-US" sz="1200" b="0" i="0" u="none" strike="noStrike" dirty="0">
+                        <a:solidFill>
+                          <a:srgbClr val="000000"/>
+                        </a:solidFill>
+                        <a:effectLst/>
+                        <a:latin typeface="Calibri" panose="020F0502020204030204" pitchFamily="34" charset="0"/>
+                      </a:endParaRPr>
+                    </a:p>
+                  </a:txBody>
+                  <a:tcPr marL="9525" marR="9525" marT="9525" marB="0" anchor="b"/>
+                </a:tc>
+                <a:tc>
+                  <a:txBody>
+                    <a:bodyPr/>
+                    <a:lstStyle/>
+                    <a:p>
+                      <a:pPr algn="l" fontAlgn="b"/>
+                      <a:r>
+                        <a:rPr lang="en-US" sz="1200" u="none" strike="noStrike">
+                          <a:effectLst/>
+                        </a:rPr>
+                        <a:t>xili</a:t>
+                      </a:r>
+                      <a:endParaRPr lang="en-US" sz="1200" b="0" i="0" u="none" strike="noStrike">
+                        <a:solidFill>
+                          <a:srgbClr val="000000"/>
+                        </a:solidFill>
+                        <a:effectLst/>
+                        <a:latin typeface="Calibri" panose="020F0502020204030204" pitchFamily="34" charset="0"/>
+                      </a:endParaRPr>
+                    </a:p>
+                  </a:txBody>
+                  <a:tcPr marL="9525" marR="9525" marT="9525" marB="0" anchor="b"/>
+                </a:tc>
+                <a:tc>
+                  <a:txBody>
+                    <a:bodyPr/>
+                    <a:lstStyle/>
+                    <a:p>
+                      <a:pPr algn="l" fontAlgn="b"/>
+                      <a:r>
+                        <a:rPr lang="en-US" sz="1200" u="none" strike="noStrike">
+                          <a:effectLst/>
+                        </a:rPr>
+                        <a:t>Eqw</a:t>
+                      </a:r>
+                      <a:endParaRPr lang="en-US" sz="1200" b="0" i="0" u="none" strike="noStrike">
+                        <a:solidFill>
+                          <a:srgbClr val="000000"/>
+                        </a:solidFill>
+                        <a:effectLst/>
+                        <a:latin typeface="Calibri" panose="020F0502020204030204" pitchFamily="34" charset="0"/>
+                      </a:endParaRPr>
+                    </a:p>
+                  </a:txBody>
+                  <a:tcPr marL="9525" marR="9525" marT="9525" marB="0" anchor="b"/>
+                </a:tc>
+                <a:tc>
+                  <a:txBody>
+                    <a:bodyPr/>
+                    <a:lstStyle/>
+                    <a:p>
+                      <a:pPr algn="r" fontAlgn="b"/>
+                      <a:r>
+                        <a:rPr lang="en-US" sz="1200" u="none" strike="noStrike">
+                          <a:effectLst/>
+                        </a:rPr>
+                        <a:t>7/1/21</a:t>
+                      </a:r>
+                      <a:endParaRPr lang="en-US" sz="1200" b="0" i="0" u="none" strike="noStrike">
+                        <a:solidFill>
+                          <a:srgbClr val="000000"/>
+                        </a:solidFill>
+                        <a:effectLst/>
+                        <a:latin typeface="Calibri" panose="020F0502020204030204" pitchFamily="34" charset="0"/>
+                      </a:endParaRPr>
+                    </a:p>
+                  </a:txBody>
+                  <a:tcPr marL="9525" marR="9525" marT="9525" marB="0" anchor="b"/>
+                </a:tc>
+                <a:tc>
+                  <a:txBody>
+                    <a:bodyPr/>
+                    <a:lstStyle/>
+                    <a:p>
+                      <a:pPr algn="r" fontAlgn="b"/>
+                      <a:r>
+                        <a:rPr lang="en-US" sz="1200" u="none" strike="noStrike">
+                          <a:effectLst/>
+                        </a:rPr>
+                        <a:t>18:09:19</a:t>
+                      </a:r>
+                      <a:endParaRPr lang="en-US" sz="1200" b="0" i="0" u="none" strike="noStrike">
+                        <a:solidFill>
+                          <a:srgbClr val="000000"/>
+                        </a:solidFill>
+                        <a:effectLst/>
+                        <a:latin typeface="Calibri" panose="020F0502020204030204" pitchFamily="34" charset="0"/>
+                      </a:endParaRPr>
+                    </a:p>
+                  </a:txBody>
+                  <a:tcPr marL="9525" marR="9525" marT="9525" marB="0" anchor="b"/>
+                </a:tc>
+                <a:extLst>
+                  <a:ext uri="{0D108BD9-81ED-4DB2-BD59-A6C34878D82A}">
+                    <a16:rowId xmlns:a16="http://schemas.microsoft.com/office/drawing/2014/main" val="2798251840"/>
+                  </a:ext>
+                </a:extLst>
+              </a:tr>
+              <a:tr h="228600">
+                <a:tc>
+                  <a:txBody>
+                    <a:bodyPr/>
+                    <a:lstStyle/>
+                    <a:p>
+                      <a:pPr algn="l" rtl="0" fontAlgn="ctr"/>
+                      <a:r>
+                        <a:rPr lang="en-US" sz="1400" u="none" strike="noStrike" dirty="0">
+                          <a:effectLst/>
+                        </a:rPr>
+                        <a:t>5098062</a:t>
+                      </a:r>
+                      <a:endParaRPr lang="en-US" sz="1400" b="0" i="0" u="none" strike="noStrike" dirty="0">
+                        <a:solidFill>
+                          <a:srgbClr val="000000"/>
+                        </a:solidFill>
+                        <a:effectLst/>
+                        <a:latin typeface="Menlo" panose="020B0609030804020204" pitchFamily="49" charset="0"/>
+                      </a:endParaRPr>
+                    </a:p>
+                  </a:txBody>
+                  <a:tcPr marL="9525" marR="9525" marT="9525" marB="0" anchor="ctr"/>
+                </a:tc>
+                <a:tc>
+                  <a:txBody>
+                    <a:bodyPr/>
+                    <a:lstStyle/>
+                    <a:p>
+                      <a:pPr algn="r" fontAlgn="b"/>
+                      <a:r>
+                        <a:rPr lang="en-US" sz="1200" u="none" strike="noStrike">
+                          <a:effectLst/>
+                        </a:rPr>
+                        <a:t>0.51386</a:t>
+                      </a:r>
+                      <a:endParaRPr lang="en-US" sz="1200" b="0" i="0" u="none" strike="noStrike">
+                        <a:solidFill>
+                          <a:srgbClr val="000000"/>
+                        </a:solidFill>
+                        <a:effectLst/>
+                        <a:latin typeface="Calibri" panose="020F0502020204030204" pitchFamily="34" charset="0"/>
+                      </a:endParaRPr>
+                    </a:p>
+                  </a:txBody>
+                  <a:tcPr marL="9525" marR="9525" marT="9525" marB="0" anchor="b"/>
+                </a:tc>
+                <a:tc>
+                  <a:txBody>
+                    <a:bodyPr/>
+                    <a:lstStyle/>
+                    <a:p>
+                      <a:pPr algn="l" fontAlgn="b"/>
+                      <a:r>
+                        <a:rPr lang="en-US" sz="1200" u="none" strike="noStrike">
+                          <a:effectLst/>
+                        </a:rPr>
+                        <a:t>A034608701</a:t>
+                      </a:r>
+                      <a:endParaRPr lang="en-US" sz="1200" b="0" i="0" u="none" strike="noStrike">
+                        <a:solidFill>
+                          <a:srgbClr val="000000"/>
+                        </a:solidFill>
+                        <a:effectLst/>
+                        <a:latin typeface="Calibri" panose="020F0502020204030204" pitchFamily="34" charset="0"/>
+                      </a:endParaRPr>
+                    </a:p>
+                  </a:txBody>
+                  <a:tcPr marL="9525" marR="9525" marT="9525" marB="0" anchor="b"/>
+                </a:tc>
+                <a:tc>
+                  <a:txBody>
+                    <a:bodyPr/>
+                    <a:lstStyle/>
+                    <a:p>
+                      <a:pPr algn="l" fontAlgn="b"/>
+                      <a:r>
+                        <a:rPr lang="en-US" sz="1200" u="none" strike="noStrike">
+                          <a:effectLst/>
+                        </a:rPr>
+                        <a:t>xili</a:t>
+                      </a:r>
+                      <a:endParaRPr lang="en-US" sz="1200" b="0" i="0" u="none" strike="noStrike">
+                        <a:solidFill>
+                          <a:srgbClr val="000000"/>
+                        </a:solidFill>
+                        <a:effectLst/>
+                        <a:latin typeface="Calibri" panose="020F0502020204030204" pitchFamily="34" charset="0"/>
+                      </a:endParaRPr>
+                    </a:p>
+                  </a:txBody>
+                  <a:tcPr marL="9525" marR="9525" marT="9525" marB="0" anchor="b"/>
+                </a:tc>
+                <a:tc>
+                  <a:txBody>
+                    <a:bodyPr/>
+                    <a:lstStyle/>
+                    <a:p>
+                      <a:pPr algn="l" fontAlgn="b"/>
+                      <a:r>
+                        <a:rPr lang="en-US" sz="1200" u="none" strike="noStrike">
+                          <a:effectLst/>
+                        </a:rPr>
+                        <a:t>Eqw</a:t>
+                      </a:r>
+                      <a:endParaRPr lang="en-US" sz="1200" b="0" i="0" u="none" strike="noStrike">
+                        <a:solidFill>
+                          <a:srgbClr val="000000"/>
+                        </a:solidFill>
+                        <a:effectLst/>
+                        <a:latin typeface="Calibri" panose="020F0502020204030204" pitchFamily="34" charset="0"/>
+                      </a:endParaRPr>
+                    </a:p>
+                  </a:txBody>
+                  <a:tcPr marL="9525" marR="9525" marT="9525" marB="0" anchor="b"/>
+                </a:tc>
+                <a:tc>
+                  <a:txBody>
+                    <a:bodyPr/>
+                    <a:lstStyle/>
+                    <a:p>
+                      <a:pPr algn="r" fontAlgn="b"/>
+                      <a:r>
+                        <a:rPr lang="en-US" sz="1200" u="none" strike="noStrike">
+                          <a:effectLst/>
+                        </a:rPr>
+                        <a:t>7/1/21</a:t>
+                      </a:r>
+                      <a:endParaRPr lang="en-US" sz="1200" b="0" i="0" u="none" strike="noStrike">
+                        <a:solidFill>
+                          <a:srgbClr val="000000"/>
+                        </a:solidFill>
+                        <a:effectLst/>
+                        <a:latin typeface="Calibri" panose="020F0502020204030204" pitchFamily="34" charset="0"/>
+                      </a:endParaRPr>
+                    </a:p>
+                  </a:txBody>
+                  <a:tcPr marL="9525" marR="9525" marT="9525" marB="0" anchor="b"/>
+                </a:tc>
+                <a:tc>
+                  <a:txBody>
+                    <a:bodyPr/>
+                    <a:lstStyle/>
+                    <a:p>
+                      <a:pPr algn="r" fontAlgn="b"/>
+                      <a:r>
+                        <a:rPr lang="en-US" sz="1200" u="none" strike="noStrike">
+                          <a:effectLst/>
+                        </a:rPr>
+                        <a:t>18:09:19</a:t>
+                      </a:r>
+                      <a:endParaRPr lang="en-US" sz="1200" b="0" i="0" u="none" strike="noStrike">
+                        <a:solidFill>
+                          <a:srgbClr val="000000"/>
+                        </a:solidFill>
+                        <a:effectLst/>
+                        <a:latin typeface="Calibri" panose="020F0502020204030204" pitchFamily="34" charset="0"/>
+                      </a:endParaRPr>
+                    </a:p>
+                  </a:txBody>
+                  <a:tcPr marL="9525" marR="9525" marT="9525" marB="0" anchor="b"/>
+                </a:tc>
+                <a:extLst>
+                  <a:ext uri="{0D108BD9-81ED-4DB2-BD59-A6C34878D82A}">
+                    <a16:rowId xmlns:a16="http://schemas.microsoft.com/office/drawing/2014/main" val="270106915"/>
+                  </a:ext>
+                </a:extLst>
+              </a:tr>
+              <a:tr h="228600">
+                <a:tc>
+                  <a:txBody>
+                    <a:bodyPr/>
+                    <a:lstStyle/>
+                    <a:p>
+                      <a:pPr algn="l" rtl="0" fontAlgn="ctr"/>
+                      <a:r>
+                        <a:rPr lang="en-US" sz="1400" u="none" strike="noStrike">
+                          <a:effectLst/>
+                        </a:rPr>
+                        <a:t>5098063</a:t>
+                      </a:r>
+                      <a:endParaRPr lang="en-US" sz="1400" b="0" i="0" u="none" strike="noStrike">
+                        <a:solidFill>
+                          <a:srgbClr val="000000"/>
+                        </a:solidFill>
+                        <a:effectLst/>
+                        <a:latin typeface="Menlo" panose="020B0609030804020204" pitchFamily="49" charset="0"/>
+                      </a:endParaRPr>
+                    </a:p>
+                  </a:txBody>
+                  <a:tcPr marL="9525" marR="9525" marT="9525" marB="0" anchor="ctr"/>
+                </a:tc>
+                <a:tc>
+                  <a:txBody>
+                    <a:bodyPr/>
+                    <a:lstStyle/>
+                    <a:p>
+                      <a:pPr algn="r" fontAlgn="b"/>
+                      <a:r>
+                        <a:rPr lang="en-US" sz="1200" u="none" strike="noStrike">
+                          <a:effectLst/>
+                        </a:rPr>
+                        <a:t>0.51386</a:t>
+                      </a:r>
+                      <a:endParaRPr lang="en-US" sz="1200" b="0" i="0" u="none" strike="noStrike">
+                        <a:solidFill>
+                          <a:srgbClr val="000000"/>
+                        </a:solidFill>
+                        <a:effectLst/>
+                        <a:latin typeface="Calibri" panose="020F0502020204030204" pitchFamily="34" charset="0"/>
+                      </a:endParaRPr>
+                    </a:p>
+                  </a:txBody>
+                  <a:tcPr marL="9525" marR="9525" marT="9525" marB="0" anchor="b"/>
+                </a:tc>
+                <a:tc>
+                  <a:txBody>
+                    <a:bodyPr/>
+                    <a:lstStyle/>
+                    <a:p>
+                      <a:pPr algn="l" fontAlgn="b"/>
+                      <a:r>
+                        <a:rPr lang="en-US" sz="1200" u="none" strike="noStrike">
+                          <a:effectLst/>
+                        </a:rPr>
+                        <a:t>A033165801</a:t>
+                      </a:r>
+                      <a:endParaRPr lang="en-US" sz="1200" b="0" i="0" u="none" strike="noStrike">
+                        <a:solidFill>
+                          <a:srgbClr val="000000"/>
+                        </a:solidFill>
+                        <a:effectLst/>
+                        <a:latin typeface="Calibri" panose="020F0502020204030204" pitchFamily="34" charset="0"/>
+                      </a:endParaRPr>
+                    </a:p>
+                  </a:txBody>
+                  <a:tcPr marL="9525" marR="9525" marT="9525" marB="0" anchor="b"/>
+                </a:tc>
+                <a:tc>
+                  <a:txBody>
+                    <a:bodyPr/>
+                    <a:lstStyle/>
+                    <a:p>
+                      <a:pPr algn="l" fontAlgn="b"/>
+                      <a:r>
+                        <a:rPr lang="en-US" sz="1200" u="none" strike="noStrike">
+                          <a:effectLst/>
+                        </a:rPr>
+                        <a:t>xili</a:t>
+                      </a:r>
+                      <a:endParaRPr lang="en-US" sz="1200" b="0" i="0" u="none" strike="noStrike">
+                        <a:solidFill>
+                          <a:srgbClr val="000000"/>
+                        </a:solidFill>
+                        <a:effectLst/>
+                        <a:latin typeface="Calibri" panose="020F0502020204030204" pitchFamily="34" charset="0"/>
+                      </a:endParaRPr>
+                    </a:p>
+                  </a:txBody>
+                  <a:tcPr marL="9525" marR="9525" marT="9525" marB="0" anchor="b"/>
+                </a:tc>
+                <a:tc>
+                  <a:txBody>
+                    <a:bodyPr/>
+                    <a:lstStyle/>
+                    <a:p>
+                      <a:pPr algn="l" fontAlgn="b"/>
+                      <a:r>
+                        <a:rPr lang="en-US" sz="1200" u="none" strike="noStrike">
+                          <a:effectLst/>
+                        </a:rPr>
+                        <a:t>Eqw</a:t>
+                      </a:r>
+                      <a:endParaRPr lang="en-US" sz="1200" b="0" i="0" u="none" strike="noStrike">
+                        <a:solidFill>
+                          <a:srgbClr val="000000"/>
+                        </a:solidFill>
+                        <a:effectLst/>
+                        <a:latin typeface="Calibri" panose="020F0502020204030204" pitchFamily="34" charset="0"/>
+                      </a:endParaRPr>
+                    </a:p>
+                  </a:txBody>
+                  <a:tcPr marL="9525" marR="9525" marT="9525" marB="0" anchor="b"/>
+                </a:tc>
+                <a:tc>
+                  <a:txBody>
+                    <a:bodyPr/>
+                    <a:lstStyle/>
+                    <a:p>
+                      <a:pPr algn="r" fontAlgn="b"/>
+                      <a:r>
+                        <a:rPr lang="en-US" sz="1200" u="none" strike="noStrike">
+                          <a:effectLst/>
+                        </a:rPr>
+                        <a:t>7/1/21</a:t>
+                      </a:r>
+                      <a:endParaRPr lang="en-US" sz="1200" b="0" i="0" u="none" strike="noStrike">
+                        <a:solidFill>
+                          <a:srgbClr val="000000"/>
+                        </a:solidFill>
+                        <a:effectLst/>
+                        <a:latin typeface="Calibri" panose="020F0502020204030204" pitchFamily="34" charset="0"/>
+                      </a:endParaRPr>
+                    </a:p>
+                  </a:txBody>
+                  <a:tcPr marL="9525" marR="9525" marT="9525" marB="0" anchor="b"/>
+                </a:tc>
+                <a:tc>
+                  <a:txBody>
+                    <a:bodyPr/>
+                    <a:lstStyle/>
+                    <a:p>
+                      <a:pPr algn="r" fontAlgn="b"/>
+                      <a:r>
+                        <a:rPr lang="en-US" sz="1200" u="none" strike="noStrike">
+                          <a:effectLst/>
+                        </a:rPr>
+                        <a:t>18:09:19</a:t>
+                      </a:r>
+                      <a:endParaRPr lang="en-US" sz="1200" b="0" i="0" u="none" strike="noStrike">
+                        <a:solidFill>
+                          <a:srgbClr val="000000"/>
+                        </a:solidFill>
+                        <a:effectLst/>
+                        <a:latin typeface="Calibri" panose="020F0502020204030204" pitchFamily="34" charset="0"/>
+                      </a:endParaRPr>
+                    </a:p>
+                  </a:txBody>
+                  <a:tcPr marL="9525" marR="9525" marT="9525" marB="0" anchor="b"/>
+                </a:tc>
+                <a:extLst>
+                  <a:ext uri="{0D108BD9-81ED-4DB2-BD59-A6C34878D82A}">
+                    <a16:rowId xmlns:a16="http://schemas.microsoft.com/office/drawing/2014/main" val="998654707"/>
+                  </a:ext>
+                </a:extLst>
+              </a:tr>
+              <a:tr h="228600">
+                <a:tc>
+                  <a:txBody>
+                    <a:bodyPr/>
+                    <a:lstStyle/>
+                    <a:p>
+                      <a:pPr algn="l" rtl="0" fontAlgn="ctr"/>
+                      <a:r>
+                        <a:rPr lang="en-US" sz="1400" u="none" strike="noStrike">
+                          <a:effectLst/>
+                        </a:rPr>
+                        <a:t>5098292</a:t>
+                      </a:r>
+                      <a:endParaRPr lang="en-US" sz="1400" b="0" i="0" u="none" strike="noStrike">
+                        <a:solidFill>
+                          <a:srgbClr val="000000"/>
+                        </a:solidFill>
+                        <a:effectLst/>
+                        <a:latin typeface="Menlo" panose="020B0609030804020204" pitchFamily="49" charset="0"/>
+                      </a:endParaRPr>
+                    </a:p>
+                  </a:txBody>
+                  <a:tcPr marL="9525" marR="9525" marT="9525" marB="0" anchor="ctr"/>
+                </a:tc>
+                <a:tc>
+                  <a:txBody>
+                    <a:bodyPr/>
+                    <a:lstStyle/>
+                    <a:p>
+                      <a:pPr algn="r" fontAlgn="b"/>
+                      <a:r>
+                        <a:rPr lang="en-US" sz="1200" u="none" strike="noStrike">
+                          <a:effectLst/>
+                        </a:rPr>
+                        <a:t>0.51386</a:t>
+                      </a:r>
+                      <a:endParaRPr lang="en-US" sz="1200" b="0" i="0" u="none" strike="noStrike">
+                        <a:solidFill>
+                          <a:srgbClr val="000000"/>
+                        </a:solidFill>
+                        <a:effectLst/>
+                        <a:latin typeface="Calibri" panose="020F0502020204030204" pitchFamily="34" charset="0"/>
+                      </a:endParaRPr>
+                    </a:p>
+                  </a:txBody>
+                  <a:tcPr marL="9525" marR="9525" marT="9525" marB="0" anchor="b"/>
+                </a:tc>
+                <a:tc>
+                  <a:txBody>
+                    <a:bodyPr/>
+                    <a:lstStyle/>
+                    <a:p>
+                      <a:pPr algn="l" fontAlgn="b"/>
+                      <a:r>
+                        <a:rPr lang="en-US" sz="1200" u="none" strike="noStrike">
+                          <a:effectLst/>
+                        </a:rPr>
+                        <a:t>A034462101</a:t>
+                      </a:r>
+                      <a:endParaRPr lang="en-US" sz="1200" b="0" i="0" u="none" strike="noStrike">
+                        <a:solidFill>
+                          <a:srgbClr val="000000"/>
+                        </a:solidFill>
+                        <a:effectLst/>
+                        <a:latin typeface="Calibri" panose="020F0502020204030204" pitchFamily="34" charset="0"/>
+                      </a:endParaRPr>
+                    </a:p>
+                  </a:txBody>
+                  <a:tcPr marL="9525" marR="9525" marT="9525" marB="0" anchor="b"/>
+                </a:tc>
+                <a:tc>
+                  <a:txBody>
+                    <a:bodyPr/>
+                    <a:lstStyle/>
+                    <a:p>
+                      <a:pPr algn="l" fontAlgn="b"/>
+                      <a:r>
+                        <a:rPr lang="en-US" sz="1200" u="none" strike="noStrike">
+                          <a:effectLst/>
+                        </a:rPr>
+                        <a:t>xili</a:t>
+                      </a:r>
+                      <a:endParaRPr lang="en-US" sz="1200" b="0" i="0" u="none" strike="noStrike">
+                        <a:solidFill>
+                          <a:srgbClr val="000000"/>
+                        </a:solidFill>
+                        <a:effectLst/>
+                        <a:latin typeface="Calibri" panose="020F0502020204030204" pitchFamily="34" charset="0"/>
+                      </a:endParaRPr>
+                    </a:p>
+                  </a:txBody>
+                  <a:tcPr marL="9525" marR="9525" marT="9525" marB="0" anchor="b"/>
+                </a:tc>
+                <a:tc>
+                  <a:txBody>
+                    <a:bodyPr/>
+                    <a:lstStyle/>
+                    <a:p>
+                      <a:pPr algn="l" fontAlgn="b"/>
+                      <a:r>
+                        <a:rPr lang="en-US" sz="1200" u="none" strike="noStrike">
+                          <a:effectLst/>
+                        </a:rPr>
+                        <a:t>Eqw</a:t>
+                      </a:r>
+                      <a:endParaRPr lang="en-US" sz="1200" b="0" i="0" u="none" strike="noStrike">
+                        <a:solidFill>
+                          <a:srgbClr val="000000"/>
+                        </a:solidFill>
+                        <a:effectLst/>
+                        <a:latin typeface="Calibri" panose="020F0502020204030204" pitchFamily="34" charset="0"/>
+                      </a:endParaRPr>
+                    </a:p>
+                  </a:txBody>
+                  <a:tcPr marL="9525" marR="9525" marT="9525" marB="0" anchor="b"/>
+                </a:tc>
+                <a:tc>
+                  <a:txBody>
+                    <a:bodyPr/>
+                    <a:lstStyle/>
+                    <a:p>
+                      <a:pPr algn="r" fontAlgn="b"/>
+                      <a:r>
+                        <a:rPr lang="en-US" sz="1200" u="none" strike="noStrike">
+                          <a:effectLst/>
+                        </a:rPr>
+                        <a:t>7/1/21</a:t>
+                      </a:r>
+                      <a:endParaRPr lang="en-US" sz="1200" b="0" i="0" u="none" strike="noStrike">
+                        <a:solidFill>
+                          <a:srgbClr val="000000"/>
+                        </a:solidFill>
+                        <a:effectLst/>
+                        <a:latin typeface="Calibri" panose="020F0502020204030204" pitchFamily="34" charset="0"/>
+                      </a:endParaRPr>
+                    </a:p>
+                  </a:txBody>
+                  <a:tcPr marL="9525" marR="9525" marT="9525" marB="0" anchor="b"/>
+                </a:tc>
+                <a:tc>
+                  <a:txBody>
+                    <a:bodyPr/>
+                    <a:lstStyle/>
+                    <a:p>
+                      <a:pPr algn="r" fontAlgn="b"/>
+                      <a:r>
+                        <a:rPr lang="en-US" sz="1200" u="none" strike="noStrike">
+                          <a:effectLst/>
+                        </a:rPr>
+                        <a:t>18:09:25</a:t>
+                      </a:r>
+                      <a:endParaRPr lang="en-US" sz="1200" b="0" i="0" u="none" strike="noStrike">
+                        <a:solidFill>
+                          <a:srgbClr val="000000"/>
+                        </a:solidFill>
+                        <a:effectLst/>
+                        <a:latin typeface="Calibri" panose="020F0502020204030204" pitchFamily="34" charset="0"/>
+                      </a:endParaRPr>
+                    </a:p>
+                  </a:txBody>
+                  <a:tcPr marL="9525" marR="9525" marT="9525" marB="0" anchor="b"/>
+                </a:tc>
+                <a:extLst>
+                  <a:ext uri="{0D108BD9-81ED-4DB2-BD59-A6C34878D82A}">
+                    <a16:rowId xmlns:a16="http://schemas.microsoft.com/office/drawing/2014/main" val="12989478"/>
+                  </a:ext>
+                </a:extLst>
+              </a:tr>
+              <a:tr h="228600">
+                <a:tc>
+                  <a:txBody>
+                    <a:bodyPr/>
+                    <a:lstStyle/>
+                    <a:p>
+                      <a:pPr algn="l" rtl="0" fontAlgn="ctr"/>
+                      <a:r>
+                        <a:rPr lang="en-US" sz="1400" u="none" strike="noStrike">
+                          <a:effectLst/>
+                        </a:rPr>
+                        <a:t>5098293</a:t>
+                      </a:r>
+                      <a:endParaRPr lang="en-US" sz="1400" b="0" i="0" u="none" strike="noStrike">
+                        <a:solidFill>
+                          <a:srgbClr val="000000"/>
+                        </a:solidFill>
+                        <a:effectLst/>
+                        <a:latin typeface="Menlo" panose="020B0609030804020204" pitchFamily="49" charset="0"/>
+                      </a:endParaRPr>
+                    </a:p>
+                  </a:txBody>
+                  <a:tcPr marL="9525" marR="9525" marT="9525" marB="0" anchor="ctr"/>
+                </a:tc>
+                <a:tc>
+                  <a:txBody>
+                    <a:bodyPr/>
+                    <a:lstStyle/>
+                    <a:p>
+                      <a:pPr algn="r" fontAlgn="b"/>
+                      <a:r>
+                        <a:rPr lang="en-US" sz="1200" u="none" strike="noStrike">
+                          <a:effectLst/>
+                        </a:rPr>
+                        <a:t>0.51386</a:t>
+                      </a:r>
+                      <a:endParaRPr lang="en-US" sz="1200" b="0" i="0" u="none" strike="noStrike">
+                        <a:solidFill>
+                          <a:srgbClr val="000000"/>
+                        </a:solidFill>
+                        <a:effectLst/>
+                        <a:latin typeface="Calibri" panose="020F0502020204030204" pitchFamily="34" charset="0"/>
+                      </a:endParaRPr>
+                    </a:p>
+                  </a:txBody>
+                  <a:tcPr marL="9525" marR="9525" marT="9525" marB="0" anchor="b"/>
+                </a:tc>
+                <a:tc>
+                  <a:txBody>
+                    <a:bodyPr/>
+                    <a:lstStyle/>
+                    <a:p>
+                      <a:pPr algn="l" fontAlgn="b"/>
+                      <a:r>
+                        <a:rPr lang="en-US" sz="1200" u="none" strike="noStrike">
+                          <a:effectLst/>
+                        </a:rPr>
+                        <a:t>A033918601</a:t>
+                      </a:r>
+                      <a:endParaRPr lang="en-US" sz="1200" b="0" i="0" u="none" strike="noStrike">
+                        <a:solidFill>
+                          <a:srgbClr val="000000"/>
+                        </a:solidFill>
+                        <a:effectLst/>
+                        <a:latin typeface="Calibri" panose="020F0502020204030204" pitchFamily="34" charset="0"/>
+                      </a:endParaRPr>
+                    </a:p>
+                  </a:txBody>
+                  <a:tcPr marL="9525" marR="9525" marT="9525" marB="0" anchor="b"/>
+                </a:tc>
+                <a:tc>
+                  <a:txBody>
+                    <a:bodyPr/>
+                    <a:lstStyle/>
+                    <a:p>
+                      <a:pPr algn="l" fontAlgn="b"/>
+                      <a:r>
+                        <a:rPr lang="en-US" sz="1200" u="none" strike="noStrike">
+                          <a:effectLst/>
+                        </a:rPr>
+                        <a:t>xili</a:t>
+                      </a:r>
+                      <a:endParaRPr lang="en-US" sz="1200" b="0" i="0" u="none" strike="noStrike">
+                        <a:solidFill>
+                          <a:srgbClr val="000000"/>
+                        </a:solidFill>
+                        <a:effectLst/>
+                        <a:latin typeface="Calibri" panose="020F0502020204030204" pitchFamily="34" charset="0"/>
+                      </a:endParaRPr>
+                    </a:p>
+                  </a:txBody>
+                  <a:tcPr marL="9525" marR="9525" marT="9525" marB="0" anchor="b"/>
+                </a:tc>
+                <a:tc>
+                  <a:txBody>
+                    <a:bodyPr/>
+                    <a:lstStyle/>
+                    <a:p>
+                      <a:pPr algn="l" fontAlgn="b"/>
+                      <a:r>
+                        <a:rPr lang="en-US" sz="1200" u="none" strike="noStrike">
+                          <a:effectLst/>
+                        </a:rPr>
+                        <a:t>Eqw</a:t>
+                      </a:r>
+                      <a:endParaRPr lang="en-US" sz="1200" b="0" i="0" u="none" strike="noStrike">
+                        <a:solidFill>
+                          <a:srgbClr val="000000"/>
+                        </a:solidFill>
+                        <a:effectLst/>
+                        <a:latin typeface="Calibri" panose="020F0502020204030204" pitchFamily="34" charset="0"/>
+                      </a:endParaRPr>
+                    </a:p>
+                  </a:txBody>
+                  <a:tcPr marL="9525" marR="9525" marT="9525" marB="0" anchor="b"/>
+                </a:tc>
+                <a:tc>
+                  <a:txBody>
+                    <a:bodyPr/>
+                    <a:lstStyle/>
+                    <a:p>
+                      <a:pPr algn="r" fontAlgn="b"/>
+                      <a:r>
+                        <a:rPr lang="en-US" sz="1200" u="none" strike="noStrike">
+                          <a:effectLst/>
+                        </a:rPr>
+                        <a:t>7/1/21</a:t>
+                      </a:r>
+                      <a:endParaRPr lang="en-US" sz="1200" b="0" i="0" u="none" strike="noStrike">
+                        <a:solidFill>
+                          <a:srgbClr val="000000"/>
+                        </a:solidFill>
+                        <a:effectLst/>
+                        <a:latin typeface="Calibri" panose="020F0502020204030204" pitchFamily="34" charset="0"/>
+                      </a:endParaRPr>
+                    </a:p>
+                  </a:txBody>
+                  <a:tcPr marL="9525" marR="9525" marT="9525" marB="0" anchor="b"/>
+                </a:tc>
+                <a:tc>
+                  <a:txBody>
+                    <a:bodyPr/>
+                    <a:lstStyle/>
+                    <a:p>
+                      <a:pPr algn="r" fontAlgn="b"/>
+                      <a:r>
+                        <a:rPr lang="en-US" sz="1200" u="none" strike="noStrike">
+                          <a:effectLst/>
+                        </a:rPr>
+                        <a:t>18:09:25</a:t>
+                      </a:r>
+                      <a:endParaRPr lang="en-US" sz="1200" b="0" i="0" u="none" strike="noStrike">
+                        <a:solidFill>
+                          <a:srgbClr val="000000"/>
+                        </a:solidFill>
+                        <a:effectLst/>
+                        <a:latin typeface="Calibri" panose="020F0502020204030204" pitchFamily="34" charset="0"/>
+                      </a:endParaRPr>
+                    </a:p>
+                  </a:txBody>
+                  <a:tcPr marL="9525" marR="9525" marT="9525" marB="0" anchor="b"/>
+                </a:tc>
+                <a:extLst>
+                  <a:ext uri="{0D108BD9-81ED-4DB2-BD59-A6C34878D82A}">
+                    <a16:rowId xmlns:a16="http://schemas.microsoft.com/office/drawing/2014/main" val="1102674468"/>
+                  </a:ext>
+                </a:extLst>
+              </a:tr>
+              <a:tr h="228600">
+                <a:tc>
+                  <a:txBody>
+                    <a:bodyPr/>
+                    <a:lstStyle/>
+                    <a:p>
+                      <a:pPr algn="l" rtl="0" fontAlgn="ctr"/>
+                      <a:r>
+                        <a:rPr lang="en-US" sz="1400" u="none" strike="noStrike">
+                          <a:effectLst/>
+                        </a:rPr>
+                        <a:t>5098302</a:t>
+                      </a:r>
+                      <a:endParaRPr lang="en-US" sz="1400" b="0" i="0" u="none" strike="noStrike">
+                        <a:solidFill>
+                          <a:srgbClr val="000000"/>
+                        </a:solidFill>
+                        <a:effectLst/>
+                        <a:latin typeface="Menlo" panose="020B0609030804020204" pitchFamily="49" charset="0"/>
+                      </a:endParaRPr>
+                    </a:p>
+                  </a:txBody>
+                  <a:tcPr marL="9525" marR="9525" marT="9525" marB="0" anchor="ctr"/>
+                </a:tc>
+                <a:tc>
+                  <a:txBody>
+                    <a:bodyPr/>
+                    <a:lstStyle/>
+                    <a:p>
+                      <a:pPr algn="r" fontAlgn="b"/>
+                      <a:r>
+                        <a:rPr lang="en-US" sz="1200" u="none" strike="noStrike">
+                          <a:effectLst/>
+                        </a:rPr>
+                        <a:t>0.51386</a:t>
+                      </a:r>
+                      <a:endParaRPr lang="en-US" sz="1200" b="0" i="0" u="none" strike="noStrike">
+                        <a:solidFill>
+                          <a:srgbClr val="000000"/>
+                        </a:solidFill>
+                        <a:effectLst/>
+                        <a:latin typeface="Calibri" panose="020F0502020204030204" pitchFamily="34" charset="0"/>
+                      </a:endParaRPr>
+                    </a:p>
+                  </a:txBody>
+                  <a:tcPr marL="9525" marR="9525" marT="9525" marB="0" anchor="b"/>
+                </a:tc>
+                <a:tc>
+                  <a:txBody>
+                    <a:bodyPr/>
+                    <a:lstStyle/>
+                    <a:p>
+                      <a:pPr algn="l" fontAlgn="b"/>
+                      <a:r>
+                        <a:rPr lang="en-US" sz="1200" u="none" strike="noStrike">
+                          <a:effectLst/>
+                        </a:rPr>
+                        <a:t>A034337201</a:t>
+                      </a:r>
+                      <a:endParaRPr lang="en-US" sz="1200" b="0" i="0" u="none" strike="noStrike">
+                        <a:solidFill>
+                          <a:srgbClr val="000000"/>
+                        </a:solidFill>
+                        <a:effectLst/>
+                        <a:latin typeface="Calibri" panose="020F0502020204030204" pitchFamily="34" charset="0"/>
+                      </a:endParaRPr>
+                    </a:p>
+                  </a:txBody>
+                  <a:tcPr marL="9525" marR="9525" marT="9525" marB="0" anchor="b"/>
+                </a:tc>
+                <a:tc>
+                  <a:txBody>
+                    <a:bodyPr/>
+                    <a:lstStyle/>
+                    <a:p>
+                      <a:pPr algn="l" fontAlgn="b"/>
+                      <a:r>
+                        <a:rPr lang="en-US" sz="1200" u="none" strike="noStrike">
+                          <a:effectLst/>
+                        </a:rPr>
+                        <a:t>xili</a:t>
+                      </a:r>
+                      <a:endParaRPr lang="en-US" sz="1200" b="0" i="0" u="none" strike="noStrike">
+                        <a:solidFill>
+                          <a:srgbClr val="000000"/>
+                        </a:solidFill>
+                        <a:effectLst/>
+                        <a:latin typeface="Calibri" panose="020F0502020204030204" pitchFamily="34" charset="0"/>
+                      </a:endParaRPr>
+                    </a:p>
+                  </a:txBody>
+                  <a:tcPr marL="9525" marR="9525" marT="9525" marB="0" anchor="b"/>
+                </a:tc>
+                <a:tc>
+                  <a:txBody>
+                    <a:bodyPr/>
+                    <a:lstStyle/>
+                    <a:p>
+                      <a:pPr algn="l" fontAlgn="b"/>
+                      <a:r>
+                        <a:rPr lang="en-US" sz="1200" u="none" strike="noStrike">
+                          <a:effectLst/>
+                        </a:rPr>
+                        <a:t>Eqw</a:t>
+                      </a:r>
+                      <a:endParaRPr lang="en-US" sz="1200" b="0" i="0" u="none" strike="noStrike">
+                        <a:solidFill>
+                          <a:srgbClr val="000000"/>
+                        </a:solidFill>
+                        <a:effectLst/>
+                        <a:latin typeface="Calibri" panose="020F0502020204030204" pitchFamily="34" charset="0"/>
+                      </a:endParaRPr>
+                    </a:p>
+                  </a:txBody>
+                  <a:tcPr marL="9525" marR="9525" marT="9525" marB="0" anchor="b"/>
+                </a:tc>
+                <a:tc>
+                  <a:txBody>
+                    <a:bodyPr/>
+                    <a:lstStyle/>
+                    <a:p>
+                      <a:pPr algn="r" fontAlgn="b"/>
+                      <a:r>
+                        <a:rPr lang="en-US" sz="1200" u="none" strike="noStrike">
+                          <a:effectLst/>
+                        </a:rPr>
+                        <a:t>7/1/21</a:t>
+                      </a:r>
+                      <a:endParaRPr lang="en-US" sz="1200" b="0" i="0" u="none" strike="noStrike">
+                        <a:solidFill>
+                          <a:srgbClr val="000000"/>
+                        </a:solidFill>
+                        <a:effectLst/>
+                        <a:latin typeface="Calibri" panose="020F0502020204030204" pitchFamily="34" charset="0"/>
+                      </a:endParaRPr>
+                    </a:p>
+                  </a:txBody>
+                  <a:tcPr marL="9525" marR="9525" marT="9525" marB="0" anchor="b"/>
+                </a:tc>
+                <a:tc>
+                  <a:txBody>
+                    <a:bodyPr/>
+                    <a:lstStyle/>
+                    <a:p>
+                      <a:pPr algn="r" fontAlgn="b"/>
+                      <a:r>
+                        <a:rPr lang="en-US" sz="1200" u="none" strike="noStrike">
+                          <a:effectLst/>
+                        </a:rPr>
+                        <a:t>18:09:25</a:t>
+                      </a:r>
+                      <a:endParaRPr lang="en-US" sz="1200" b="0" i="0" u="none" strike="noStrike">
+                        <a:solidFill>
+                          <a:srgbClr val="000000"/>
+                        </a:solidFill>
+                        <a:effectLst/>
+                        <a:latin typeface="Calibri" panose="020F0502020204030204" pitchFamily="34" charset="0"/>
+                      </a:endParaRPr>
+                    </a:p>
+                  </a:txBody>
+                  <a:tcPr marL="9525" marR="9525" marT="9525" marB="0" anchor="b"/>
+                </a:tc>
+                <a:extLst>
+                  <a:ext uri="{0D108BD9-81ED-4DB2-BD59-A6C34878D82A}">
+                    <a16:rowId xmlns:a16="http://schemas.microsoft.com/office/drawing/2014/main" val="949386996"/>
+                  </a:ext>
+                </a:extLst>
+              </a:tr>
+              <a:tr h="228600">
+                <a:tc>
+                  <a:txBody>
+                    <a:bodyPr/>
+                    <a:lstStyle/>
+                    <a:p>
+                      <a:pPr algn="l" rtl="0" fontAlgn="ctr"/>
+                      <a:r>
+                        <a:rPr lang="en-US" sz="1400" u="none" strike="noStrike">
+                          <a:effectLst/>
+                        </a:rPr>
+                        <a:t>5098303</a:t>
+                      </a:r>
+                      <a:endParaRPr lang="en-US" sz="1400" b="0" i="0" u="none" strike="noStrike">
+                        <a:solidFill>
+                          <a:srgbClr val="000000"/>
+                        </a:solidFill>
+                        <a:effectLst/>
+                        <a:latin typeface="Menlo" panose="020B0609030804020204" pitchFamily="49" charset="0"/>
+                      </a:endParaRPr>
+                    </a:p>
+                  </a:txBody>
+                  <a:tcPr marL="9525" marR="9525" marT="9525" marB="0" anchor="ctr"/>
+                </a:tc>
+                <a:tc>
+                  <a:txBody>
+                    <a:bodyPr/>
+                    <a:lstStyle/>
+                    <a:p>
+                      <a:pPr algn="r" fontAlgn="b"/>
+                      <a:r>
+                        <a:rPr lang="en-US" sz="1200" u="none" strike="noStrike">
+                          <a:effectLst/>
+                        </a:rPr>
+                        <a:t>0.51386</a:t>
+                      </a:r>
+                      <a:endParaRPr lang="en-US" sz="1200" b="0" i="0" u="none" strike="noStrike">
+                        <a:solidFill>
+                          <a:srgbClr val="000000"/>
+                        </a:solidFill>
+                        <a:effectLst/>
+                        <a:latin typeface="Calibri" panose="020F0502020204030204" pitchFamily="34" charset="0"/>
+                      </a:endParaRPr>
+                    </a:p>
+                  </a:txBody>
+                  <a:tcPr marL="9525" marR="9525" marT="9525" marB="0" anchor="b"/>
+                </a:tc>
+                <a:tc>
+                  <a:txBody>
+                    <a:bodyPr/>
+                    <a:lstStyle/>
+                    <a:p>
+                      <a:pPr algn="l" fontAlgn="b"/>
+                      <a:r>
+                        <a:rPr lang="en-US" sz="1200" u="none" strike="noStrike">
+                          <a:effectLst/>
+                        </a:rPr>
+                        <a:t>A034931601</a:t>
+                      </a:r>
+                      <a:endParaRPr lang="en-US" sz="1200" b="0" i="0" u="none" strike="noStrike">
+                        <a:solidFill>
+                          <a:srgbClr val="000000"/>
+                        </a:solidFill>
+                        <a:effectLst/>
+                        <a:latin typeface="Calibri" panose="020F0502020204030204" pitchFamily="34" charset="0"/>
+                      </a:endParaRPr>
+                    </a:p>
+                  </a:txBody>
+                  <a:tcPr marL="9525" marR="9525" marT="9525" marB="0" anchor="b"/>
+                </a:tc>
+                <a:tc>
+                  <a:txBody>
+                    <a:bodyPr/>
+                    <a:lstStyle/>
+                    <a:p>
+                      <a:pPr algn="l" fontAlgn="b"/>
+                      <a:r>
+                        <a:rPr lang="en-US" sz="1200" u="none" strike="noStrike">
+                          <a:effectLst/>
+                        </a:rPr>
+                        <a:t>xili</a:t>
+                      </a:r>
+                      <a:endParaRPr lang="en-US" sz="1200" b="0" i="0" u="none" strike="noStrike">
+                        <a:solidFill>
+                          <a:srgbClr val="000000"/>
+                        </a:solidFill>
+                        <a:effectLst/>
+                        <a:latin typeface="Calibri" panose="020F0502020204030204" pitchFamily="34" charset="0"/>
+                      </a:endParaRPr>
+                    </a:p>
+                  </a:txBody>
+                  <a:tcPr marL="9525" marR="9525" marT="9525" marB="0" anchor="b"/>
+                </a:tc>
+                <a:tc>
+                  <a:txBody>
+                    <a:bodyPr/>
+                    <a:lstStyle/>
+                    <a:p>
+                      <a:pPr algn="l" fontAlgn="b"/>
+                      <a:r>
+                        <a:rPr lang="en-US" sz="1200" u="none" strike="noStrike">
+                          <a:effectLst/>
+                        </a:rPr>
+                        <a:t>Eqw</a:t>
+                      </a:r>
+                      <a:endParaRPr lang="en-US" sz="1200" b="0" i="0" u="none" strike="noStrike">
+                        <a:solidFill>
+                          <a:srgbClr val="000000"/>
+                        </a:solidFill>
+                        <a:effectLst/>
+                        <a:latin typeface="Calibri" panose="020F0502020204030204" pitchFamily="34" charset="0"/>
+                      </a:endParaRPr>
+                    </a:p>
+                  </a:txBody>
+                  <a:tcPr marL="9525" marR="9525" marT="9525" marB="0" anchor="b"/>
+                </a:tc>
+                <a:tc>
+                  <a:txBody>
+                    <a:bodyPr/>
+                    <a:lstStyle/>
+                    <a:p>
+                      <a:pPr algn="r" fontAlgn="b"/>
+                      <a:r>
+                        <a:rPr lang="en-US" sz="1200" u="none" strike="noStrike">
+                          <a:effectLst/>
+                        </a:rPr>
+                        <a:t>7/1/21</a:t>
+                      </a:r>
+                      <a:endParaRPr lang="en-US" sz="1200" b="0" i="0" u="none" strike="noStrike">
+                        <a:solidFill>
+                          <a:srgbClr val="000000"/>
+                        </a:solidFill>
+                        <a:effectLst/>
+                        <a:latin typeface="Calibri" panose="020F0502020204030204" pitchFamily="34" charset="0"/>
+                      </a:endParaRPr>
+                    </a:p>
+                  </a:txBody>
+                  <a:tcPr marL="9525" marR="9525" marT="9525" marB="0" anchor="b"/>
+                </a:tc>
+                <a:tc>
+                  <a:txBody>
+                    <a:bodyPr/>
+                    <a:lstStyle/>
+                    <a:p>
+                      <a:pPr algn="r" fontAlgn="b"/>
+                      <a:r>
+                        <a:rPr lang="en-US" sz="1200" u="none" strike="noStrike">
+                          <a:effectLst/>
+                        </a:rPr>
+                        <a:t>18:09:25</a:t>
+                      </a:r>
+                      <a:endParaRPr lang="en-US" sz="1200" b="0" i="0" u="none" strike="noStrike">
+                        <a:solidFill>
+                          <a:srgbClr val="000000"/>
+                        </a:solidFill>
+                        <a:effectLst/>
+                        <a:latin typeface="Calibri" panose="020F0502020204030204" pitchFamily="34" charset="0"/>
+                      </a:endParaRPr>
+                    </a:p>
+                  </a:txBody>
+                  <a:tcPr marL="9525" marR="9525" marT="9525" marB="0" anchor="b"/>
+                </a:tc>
+                <a:extLst>
+                  <a:ext uri="{0D108BD9-81ED-4DB2-BD59-A6C34878D82A}">
+                    <a16:rowId xmlns:a16="http://schemas.microsoft.com/office/drawing/2014/main" val="2572676915"/>
+                  </a:ext>
+                </a:extLst>
+              </a:tr>
+              <a:tr h="228600">
+                <a:tc>
+                  <a:txBody>
+                    <a:bodyPr/>
+                    <a:lstStyle/>
+                    <a:p>
+                      <a:pPr algn="l" rtl="0" fontAlgn="ctr"/>
+                      <a:r>
+                        <a:rPr lang="en-US" sz="1400" u="none" strike="noStrike">
+                          <a:effectLst/>
+                        </a:rPr>
+                        <a:t>5098304</a:t>
+                      </a:r>
+                      <a:endParaRPr lang="en-US" sz="1400" b="0" i="0" u="none" strike="noStrike">
+                        <a:solidFill>
+                          <a:srgbClr val="000000"/>
+                        </a:solidFill>
+                        <a:effectLst/>
+                        <a:latin typeface="Menlo" panose="020B0609030804020204" pitchFamily="49" charset="0"/>
+                      </a:endParaRPr>
+                    </a:p>
+                  </a:txBody>
+                  <a:tcPr marL="9525" marR="9525" marT="9525" marB="0" anchor="ctr"/>
+                </a:tc>
+                <a:tc>
+                  <a:txBody>
+                    <a:bodyPr/>
+                    <a:lstStyle/>
+                    <a:p>
+                      <a:pPr algn="r" fontAlgn="b"/>
+                      <a:r>
+                        <a:rPr lang="en-US" sz="1200" u="none" strike="noStrike">
+                          <a:effectLst/>
+                        </a:rPr>
+                        <a:t>0.51386</a:t>
+                      </a:r>
+                      <a:endParaRPr lang="en-US" sz="1200" b="0" i="0" u="none" strike="noStrike">
+                        <a:solidFill>
+                          <a:srgbClr val="000000"/>
+                        </a:solidFill>
+                        <a:effectLst/>
+                        <a:latin typeface="Calibri" panose="020F0502020204030204" pitchFamily="34" charset="0"/>
+                      </a:endParaRPr>
+                    </a:p>
+                  </a:txBody>
+                  <a:tcPr marL="9525" marR="9525" marT="9525" marB="0" anchor="b"/>
+                </a:tc>
+                <a:tc>
+                  <a:txBody>
+                    <a:bodyPr/>
+                    <a:lstStyle/>
+                    <a:p>
+                      <a:pPr algn="l" fontAlgn="b"/>
+                      <a:r>
+                        <a:rPr lang="en-US" sz="1200" u="none" strike="noStrike">
+                          <a:effectLst/>
+                        </a:rPr>
+                        <a:t>A035291401</a:t>
+                      </a:r>
+                      <a:endParaRPr lang="en-US" sz="1200" b="0" i="0" u="none" strike="noStrike">
+                        <a:solidFill>
+                          <a:srgbClr val="000000"/>
+                        </a:solidFill>
+                        <a:effectLst/>
+                        <a:latin typeface="Calibri" panose="020F0502020204030204" pitchFamily="34" charset="0"/>
+                      </a:endParaRPr>
+                    </a:p>
+                  </a:txBody>
+                  <a:tcPr marL="9525" marR="9525" marT="9525" marB="0" anchor="b"/>
+                </a:tc>
+                <a:tc>
+                  <a:txBody>
+                    <a:bodyPr/>
+                    <a:lstStyle/>
+                    <a:p>
+                      <a:pPr algn="l" fontAlgn="b"/>
+                      <a:r>
+                        <a:rPr lang="en-US" sz="1200" u="none" strike="noStrike">
+                          <a:effectLst/>
+                        </a:rPr>
+                        <a:t>xili</a:t>
+                      </a:r>
+                      <a:endParaRPr lang="en-US" sz="1200" b="0" i="0" u="none" strike="noStrike">
+                        <a:solidFill>
+                          <a:srgbClr val="000000"/>
+                        </a:solidFill>
+                        <a:effectLst/>
+                        <a:latin typeface="Calibri" panose="020F0502020204030204" pitchFamily="34" charset="0"/>
+                      </a:endParaRPr>
+                    </a:p>
+                  </a:txBody>
+                  <a:tcPr marL="9525" marR="9525" marT="9525" marB="0" anchor="b"/>
+                </a:tc>
+                <a:tc>
+                  <a:txBody>
+                    <a:bodyPr/>
+                    <a:lstStyle/>
+                    <a:p>
+                      <a:pPr algn="l" fontAlgn="b"/>
+                      <a:r>
+                        <a:rPr lang="en-US" sz="1200" u="none" strike="noStrike">
+                          <a:effectLst/>
+                        </a:rPr>
+                        <a:t>Eqw</a:t>
+                      </a:r>
+                      <a:endParaRPr lang="en-US" sz="1200" b="0" i="0" u="none" strike="noStrike">
+                        <a:solidFill>
+                          <a:srgbClr val="000000"/>
+                        </a:solidFill>
+                        <a:effectLst/>
+                        <a:latin typeface="Calibri" panose="020F0502020204030204" pitchFamily="34" charset="0"/>
+                      </a:endParaRPr>
+                    </a:p>
+                  </a:txBody>
+                  <a:tcPr marL="9525" marR="9525" marT="9525" marB="0" anchor="b"/>
+                </a:tc>
+                <a:tc>
+                  <a:txBody>
+                    <a:bodyPr/>
+                    <a:lstStyle/>
+                    <a:p>
+                      <a:pPr algn="r" fontAlgn="b"/>
+                      <a:r>
+                        <a:rPr lang="en-US" sz="1200" u="none" strike="noStrike">
+                          <a:effectLst/>
+                        </a:rPr>
+                        <a:t>7/1/21</a:t>
+                      </a:r>
+                      <a:endParaRPr lang="en-US" sz="1200" b="0" i="0" u="none" strike="noStrike">
+                        <a:solidFill>
+                          <a:srgbClr val="000000"/>
+                        </a:solidFill>
+                        <a:effectLst/>
+                        <a:latin typeface="Calibri" panose="020F0502020204030204" pitchFamily="34" charset="0"/>
+                      </a:endParaRPr>
+                    </a:p>
+                  </a:txBody>
+                  <a:tcPr marL="9525" marR="9525" marT="9525" marB="0" anchor="b"/>
+                </a:tc>
+                <a:tc>
+                  <a:txBody>
+                    <a:bodyPr/>
+                    <a:lstStyle/>
+                    <a:p>
+                      <a:pPr algn="r" fontAlgn="b"/>
+                      <a:r>
+                        <a:rPr lang="en-US" sz="1200" u="none" strike="noStrike">
+                          <a:effectLst/>
+                        </a:rPr>
+                        <a:t>18:09:25</a:t>
+                      </a:r>
+                      <a:endParaRPr lang="en-US" sz="1200" b="0" i="0" u="none" strike="noStrike">
+                        <a:solidFill>
+                          <a:srgbClr val="000000"/>
+                        </a:solidFill>
+                        <a:effectLst/>
+                        <a:latin typeface="Calibri" panose="020F0502020204030204" pitchFamily="34" charset="0"/>
+                      </a:endParaRPr>
+                    </a:p>
+                  </a:txBody>
+                  <a:tcPr marL="9525" marR="9525" marT="9525" marB="0" anchor="b"/>
+                </a:tc>
+                <a:extLst>
+                  <a:ext uri="{0D108BD9-81ED-4DB2-BD59-A6C34878D82A}">
+                    <a16:rowId xmlns:a16="http://schemas.microsoft.com/office/drawing/2014/main" val="40941066"/>
+                  </a:ext>
+                </a:extLst>
+              </a:tr>
+              <a:tr h="228600">
+                <a:tc>
+                  <a:txBody>
+                    <a:bodyPr/>
+                    <a:lstStyle/>
+                    <a:p>
+                      <a:pPr algn="l" rtl="0" fontAlgn="ctr"/>
+                      <a:r>
+                        <a:rPr lang="en-US" sz="1400" u="none" strike="noStrike">
+                          <a:effectLst/>
+                        </a:rPr>
+                        <a:t>5098305</a:t>
+                      </a:r>
+                      <a:endParaRPr lang="en-US" sz="1400" b="0" i="0" u="none" strike="noStrike">
+                        <a:solidFill>
+                          <a:srgbClr val="000000"/>
+                        </a:solidFill>
+                        <a:effectLst/>
+                        <a:latin typeface="Menlo" panose="020B0609030804020204" pitchFamily="49" charset="0"/>
+                      </a:endParaRPr>
+                    </a:p>
+                  </a:txBody>
+                  <a:tcPr marL="9525" marR="9525" marT="9525" marB="0" anchor="ctr"/>
+                </a:tc>
+                <a:tc>
+                  <a:txBody>
+                    <a:bodyPr/>
+                    <a:lstStyle/>
+                    <a:p>
+                      <a:pPr algn="r" fontAlgn="b"/>
+                      <a:r>
+                        <a:rPr lang="en-US" sz="1200" u="none" strike="noStrike">
+                          <a:effectLst/>
+                        </a:rPr>
+                        <a:t>0.51386</a:t>
+                      </a:r>
+                      <a:endParaRPr lang="en-US" sz="1200" b="0" i="0" u="none" strike="noStrike">
+                        <a:solidFill>
+                          <a:srgbClr val="000000"/>
+                        </a:solidFill>
+                        <a:effectLst/>
+                        <a:latin typeface="Calibri" panose="020F0502020204030204" pitchFamily="34" charset="0"/>
+                      </a:endParaRPr>
+                    </a:p>
+                  </a:txBody>
+                  <a:tcPr marL="9525" marR="9525" marT="9525" marB="0" anchor="b"/>
+                </a:tc>
+                <a:tc>
+                  <a:txBody>
+                    <a:bodyPr/>
+                    <a:lstStyle/>
+                    <a:p>
+                      <a:pPr algn="l" fontAlgn="b"/>
+                      <a:r>
+                        <a:rPr lang="en-US" sz="1200" u="none" strike="noStrike">
+                          <a:effectLst/>
+                        </a:rPr>
+                        <a:t>A033376101</a:t>
+                      </a:r>
+                      <a:endParaRPr lang="en-US" sz="1200" b="0" i="0" u="none" strike="noStrike">
+                        <a:solidFill>
+                          <a:srgbClr val="000000"/>
+                        </a:solidFill>
+                        <a:effectLst/>
+                        <a:latin typeface="Calibri" panose="020F0502020204030204" pitchFamily="34" charset="0"/>
+                      </a:endParaRPr>
+                    </a:p>
+                  </a:txBody>
+                  <a:tcPr marL="9525" marR="9525" marT="9525" marB="0" anchor="b"/>
+                </a:tc>
+                <a:tc>
+                  <a:txBody>
+                    <a:bodyPr/>
+                    <a:lstStyle/>
+                    <a:p>
+                      <a:pPr algn="l" fontAlgn="b"/>
+                      <a:r>
+                        <a:rPr lang="en-US" sz="1200" u="none" strike="noStrike">
+                          <a:effectLst/>
+                        </a:rPr>
+                        <a:t>xili</a:t>
+                      </a:r>
+                      <a:endParaRPr lang="en-US" sz="1200" b="0" i="0" u="none" strike="noStrike">
+                        <a:solidFill>
+                          <a:srgbClr val="000000"/>
+                        </a:solidFill>
+                        <a:effectLst/>
+                        <a:latin typeface="Calibri" panose="020F0502020204030204" pitchFamily="34" charset="0"/>
+                      </a:endParaRPr>
+                    </a:p>
+                  </a:txBody>
+                  <a:tcPr marL="9525" marR="9525" marT="9525" marB="0" anchor="b"/>
+                </a:tc>
+                <a:tc>
+                  <a:txBody>
+                    <a:bodyPr/>
+                    <a:lstStyle/>
+                    <a:p>
+                      <a:pPr algn="l" fontAlgn="b"/>
+                      <a:r>
+                        <a:rPr lang="en-US" sz="1200" u="none" strike="noStrike">
+                          <a:effectLst/>
+                        </a:rPr>
+                        <a:t>Eqw</a:t>
+                      </a:r>
+                      <a:endParaRPr lang="en-US" sz="1200" b="0" i="0" u="none" strike="noStrike">
+                        <a:solidFill>
+                          <a:srgbClr val="000000"/>
+                        </a:solidFill>
+                        <a:effectLst/>
+                        <a:latin typeface="Calibri" panose="020F0502020204030204" pitchFamily="34" charset="0"/>
+                      </a:endParaRPr>
+                    </a:p>
+                  </a:txBody>
+                  <a:tcPr marL="9525" marR="9525" marT="9525" marB="0" anchor="b"/>
+                </a:tc>
+                <a:tc>
+                  <a:txBody>
+                    <a:bodyPr/>
+                    <a:lstStyle/>
+                    <a:p>
+                      <a:pPr algn="r" fontAlgn="b"/>
+                      <a:r>
+                        <a:rPr lang="en-US" sz="1200" u="none" strike="noStrike">
+                          <a:effectLst/>
+                        </a:rPr>
+                        <a:t>7/1/21</a:t>
+                      </a:r>
+                      <a:endParaRPr lang="en-US" sz="1200" b="0" i="0" u="none" strike="noStrike">
+                        <a:solidFill>
+                          <a:srgbClr val="000000"/>
+                        </a:solidFill>
+                        <a:effectLst/>
+                        <a:latin typeface="Calibri" panose="020F0502020204030204" pitchFamily="34" charset="0"/>
+                      </a:endParaRPr>
+                    </a:p>
+                  </a:txBody>
+                  <a:tcPr marL="9525" marR="9525" marT="9525" marB="0" anchor="b"/>
+                </a:tc>
+                <a:tc>
+                  <a:txBody>
+                    <a:bodyPr/>
+                    <a:lstStyle/>
+                    <a:p>
+                      <a:pPr algn="r" fontAlgn="b"/>
+                      <a:r>
+                        <a:rPr lang="en-US" sz="1200" u="none" strike="noStrike">
+                          <a:effectLst/>
+                        </a:rPr>
+                        <a:t>18:09:25</a:t>
+                      </a:r>
+                      <a:endParaRPr lang="en-US" sz="1200" b="0" i="0" u="none" strike="noStrike">
+                        <a:solidFill>
+                          <a:srgbClr val="000000"/>
+                        </a:solidFill>
+                        <a:effectLst/>
+                        <a:latin typeface="Calibri" panose="020F0502020204030204" pitchFamily="34" charset="0"/>
+                      </a:endParaRPr>
+                    </a:p>
+                  </a:txBody>
+                  <a:tcPr marL="9525" marR="9525" marT="9525" marB="0" anchor="b"/>
+                </a:tc>
+                <a:extLst>
+                  <a:ext uri="{0D108BD9-81ED-4DB2-BD59-A6C34878D82A}">
+                    <a16:rowId xmlns:a16="http://schemas.microsoft.com/office/drawing/2014/main" val="1732692255"/>
+                  </a:ext>
+                </a:extLst>
+              </a:tr>
+              <a:tr h="228600">
+                <a:tc>
+                  <a:txBody>
+                    <a:bodyPr/>
+                    <a:lstStyle/>
+                    <a:p>
+                      <a:pPr algn="l" rtl="0" fontAlgn="ctr"/>
+                      <a:r>
+                        <a:rPr lang="en-US" sz="1400" u="none" strike="noStrike">
+                          <a:effectLst/>
+                        </a:rPr>
+                        <a:t>5098306</a:t>
+                      </a:r>
+                      <a:endParaRPr lang="en-US" sz="1400" b="0" i="0" u="none" strike="noStrike">
+                        <a:solidFill>
+                          <a:srgbClr val="000000"/>
+                        </a:solidFill>
+                        <a:effectLst/>
+                        <a:latin typeface="Menlo" panose="020B0609030804020204" pitchFamily="49" charset="0"/>
+                      </a:endParaRPr>
+                    </a:p>
+                  </a:txBody>
+                  <a:tcPr marL="9525" marR="9525" marT="9525" marB="0" anchor="ctr"/>
+                </a:tc>
+                <a:tc>
+                  <a:txBody>
+                    <a:bodyPr/>
+                    <a:lstStyle/>
+                    <a:p>
+                      <a:pPr algn="r" fontAlgn="b"/>
+                      <a:r>
+                        <a:rPr lang="en-US" sz="1200" u="none" strike="noStrike">
+                          <a:effectLst/>
+                        </a:rPr>
+                        <a:t>0.51386</a:t>
+                      </a:r>
+                      <a:endParaRPr lang="en-US" sz="1200" b="0" i="0" u="none" strike="noStrike">
+                        <a:solidFill>
+                          <a:srgbClr val="000000"/>
+                        </a:solidFill>
+                        <a:effectLst/>
+                        <a:latin typeface="Calibri" panose="020F0502020204030204" pitchFamily="34" charset="0"/>
+                      </a:endParaRPr>
+                    </a:p>
+                  </a:txBody>
+                  <a:tcPr marL="9525" marR="9525" marT="9525" marB="0" anchor="b"/>
+                </a:tc>
+                <a:tc>
+                  <a:txBody>
+                    <a:bodyPr/>
+                    <a:lstStyle/>
+                    <a:p>
+                      <a:pPr algn="l" fontAlgn="b"/>
+                      <a:r>
+                        <a:rPr lang="en-US" sz="1200" u="none" strike="noStrike">
+                          <a:effectLst/>
+                        </a:rPr>
+                        <a:t>A033657201</a:t>
+                      </a:r>
+                      <a:endParaRPr lang="en-US" sz="1200" b="0" i="0" u="none" strike="noStrike">
+                        <a:solidFill>
+                          <a:srgbClr val="000000"/>
+                        </a:solidFill>
+                        <a:effectLst/>
+                        <a:latin typeface="Calibri" panose="020F0502020204030204" pitchFamily="34" charset="0"/>
+                      </a:endParaRPr>
+                    </a:p>
+                  </a:txBody>
+                  <a:tcPr marL="9525" marR="9525" marT="9525" marB="0" anchor="b"/>
+                </a:tc>
+                <a:tc>
+                  <a:txBody>
+                    <a:bodyPr/>
+                    <a:lstStyle/>
+                    <a:p>
+                      <a:pPr algn="l" fontAlgn="b"/>
+                      <a:r>
+                        <a:rPr lang="en-US" sz="1200" u="none" strike="noStrike">
+                          <a:effectLst/>
+                        </a:rPr>
+                        <a:t>xili</a:t>
+                      </a:r>
+                      <a:endParaRPr lang="en-US" sz="1200" b="0" i="0" u="none" strike="noStrike">
+                        <a:solidFill>
+                          <a:srgbClr val="000000"/>
+                        </a:solidFill>
+                        <a:effectLst/>
+                        <a:latin typeface="Calibri" panose="020F0502020204030204" pitchFamily="34" charset="0"/>
+                      </a:endParaRPr>
+                    </a:p>
+                  </a:txBody>
+                  <a:tcPr marL="9525" marR="9525" marT="9525" marB="0" anchor="b"/>
+                </a:tc>
+                <a:tc>
+                  <a:txBody>
+                    <a:bodyPr/>
+                    <a:lstStyle/>
+                    <a:p>
+                      <a:pPr algn="l" fontAlgn="b"/>
+                      <a:r>
+                        <a:rPr lang="en-US" sz="1200" u="none" strike="noStrike">
+                          <a:effectLst/>
+                        </a:rPr>
+                        <a:t>Eqw</a:t>
+                      </a:r>
+                      <a:endParaRPr lang="en-US" sz="1200" b="0" i="0" u="none" strike="noStrike">
+                        <a:solidFill>
+                          <a:srgbClr val="000000"/>
+                        </a:solidFill>
+                        <a:effectLst/>
+                        <a:latin typeface="Calibri" panose="020F0502020204030204" pitchFamily="34" charset="0"/>
+                      </a:endParaRPr>
+                    </a:p>
+                  </a:txBody>
+                  <a:tcPr marL="9525" marR="9525" marT="9525" marB="0" anchor="b"/>
+                </a:tc>
+                <a:tc>
+                  <a:txBody>
+                    <a:bodyPr/>
+                    <a:lstStyle/>
+                    <a:p>
+                      <a:pPr algn="r" fontAlgn="b"/>
+                      <a:r>
+                        <a:rPr lang="en-US" sz="1200" u="none" strike="noStrike">
+                          <a:effectLst/>
+                        </a:rPr>
+                        <a:t>7/1/21</a:t>
+                      </a:r>
+                      <a:endParaRPr lang="en-US" sz="1200" b="0" i="0" u="none" strike="noStrike">
+                        <a:solidFill>
+                          <a:srgbClr val="000000"/>
+                        </a:solidFill>
+                        <a:effectLst/>
+                        <a:latin typeface="Calibri" panose="020F0502020204030204" pitchFamily="34" charset="0"/>
+                      </a:endParaRPr>
+                    </a:p>
+                  </a:txBody>
+                  <a:tcPr marL="9525" marR="9525" marT="9525" marB="0" anchor="b"/>
+                </a:tc>
+                <a:tc>
+                  <a:txBody>
+                    <a:bodyPr/>
+                    <a:lstStyle/>
+                    <a:p>
+                      <a:pPr algn="r" fontAlgn="b"/>
+                      <a:r>
+                        <a:rPr lang="en-US" sz="1200" u="none" strike="noStrike">
+                          <a:effectLst/>
+                        </a:rPr>
+                        <a:t>18:09:25</a:t>
+                      </a:r>
+                      <a:endParaRPr lang="en-US" sz="1200" b="0" i="0" u="none" strike="noStrike">
+                        <a:solidFill>
+                          <a:srgbClr val="000000"/>
+                        </a:solidFill>
+                        <a:effectLst/>
+                        <a:latin typeface="Calibri" panose="020F0502020204030204" pitchFamily="34" charset="0"/>
+                      </a:endParaRPr>
+                    </a:p>
+                  </a:txBody>
+                  <a:tcPr marL="9525" marR="9525" marT="9525" marB="0" anchor="b"/>
+                </a:tc>
+                <a:extLst>
+                  <a:ext uri="{0D108BD9-81ED-4DB2-BD59-A6C34878D82A}">
+                    <a16:rowId xmlns:a16="http://schemas.microsoft.com/office/drawing/2014/main" val="1283095547"/>
+                  </a:ext>
+                </a:extLst>
+              </a:tr>
+              <a:tr h="228600">
+                <a:tc>
+                  <a:txBody>
+                    <a:bodyPr/>
+                    <a:lstStyle/>
+                    <a:p>
+                      <a:pPr algn="l" rtl="0" fontAlgn="ctr"/>
+                      <a:r>
+                        <a:rPr lang="en-US" sz="1400" u="none" strike="noStrike">
+                          <a:effectLst/>
+                        </a:rPr>
+                        <a:t>5098307</a:t>
+                      </a:r>
+                      <a:endParaRPr lang="en-US" sz="1400" b="0" i="0" u="none" strike="noStrike">
+                        <a:solidFill>
+                          <a:srgbClr val="000000"/>
+                        </a:solidFill>
+                        <a:effectLst/>
+                        <a:latin typeface="Menlo" panose="020B0609030804020204" pitchFamily="49" charset="0"/>
+                      </a:endParaRPr>
+                    </a:p>
+                  </a:txBody>
+                  <a:tcPr marL="9525" marR="9525" marT="9525" marB="0" anchor="ctr"/>
+                </a:tc>
+                <a:tc>
+                  <a:txBody>
+                    <a:bodyPr/>
+                    <a:lstStyle/>
+                    <a:p>
+                      <a:pPr algn="r" fontAlgn="b"/>
+                      <a:r>
+                        <a:rPr lang="en-US" sz="1200" u="none" strike="noStrike">
+                          <a:effectLst/>
+                        </a:rPr>
+                        <a:t>0.51386</a:t>
+                      </a:r>
+                      <a:endParaRPr lang="en-US" sz="1200" b="0" i="0" u="none" strike="noStrike">
+                        <a:solidFill>
+                          <a:srgbClr val="000000"/>
+                        </a:solidFill>
+                        <a:effectLst/>
+                        <a:latin typeface="Calibri" panose="020F0502020204030204" pitchFamily="34" charset="0"/>
+                      </a:endParaRPr>
+                    </a:p>
+                  </a:txBody>
+                  <a:tcPr marL="9525" marR="9525" marT="9525" marB="0" anchor="b"/>
+                </a:tc>
+                <a:tc>
+                  <a:txBody>
+                    <a:bodyPr/>
+                    <a:lstStyle/>
+                    <a:p>
+                      <a:pPr algn="l" fontAlgn="b"/>
+                      <a:r>
+                        <a:rPr lang="en-US" sz="1200" u="none" strike="noStrike">
+                          <a:effectLst/>
+                        </a:rPr>
+                        <a:t>A034793101</a:t>
+                      </a:r>
+                      <a:endParaRPr lang="en-US" sz="1200" b="0" i="0" u="none" strike="noStrike">
+                        <a:solidFill>
+                          <a:srgbClr val="000000"/>
+                        </a:solidFill>
+                        <a:effectLst/>
+                        <a:latin typeface="Calibri" panose="020F0502020204030204" pitchFamily="34" charset="0"/>
+                      </a:endParaRPr>
+                    </a:p>
+                  </a:txBody>
+                  <a:tcPr marL="9525" marR="9525" marT="9525" marB="0" anchor="b"/>
+                </a:tc>
+                <a:tc>
+                  <a:txBody>
+                    <a:bodyPr/>
+                    <a:lstStyle/>
+                    <a:p>
+                      <a:pPr algn="l" fontAlgn="b"/>
+                      <a:r>
+                        <a:rPr lang="en-US" sz="1200" u="none" strike="noStrike">
+                          <a:effectLst/>
+                        </a:rPr>
+                        <a:t>xili</a:t>
+                      </a:r>
+                      <a:endParaRPr lang="en-US" sz="1200" b="0" i="0" u="none" strike="noStrike">
+                        <a:solidFill>
+                          <a:srgbClr val="000000"/>
+                        </a:solidFill>
+                        <a:effectLst/>
+                        <a:latin typeface="Calibri" panose="020F0502020204030204" pitchFamily="34" charset="0"/>
+                      </a:endParaRPr>
+                    </a:p>
+                  </a:txBody>
+                  <a:tcPr marL="9525" marR="9525" marT="9525" marB="0" anchor="b"/>
+                </a:tc>
+                <a:tc>
+                  <a:txBody>
+                    <a:bodyPr/>
+                    <a:lstStyle/>
+                    <a:p>
+                      <a:pPr algn="l" fontAlgn="b"/>
+                      <a:r>
+                        <a:rPr lang="en-US" sz="1200" u="none" strike="noStrike">
+                          <a:effectLst/>
+                        </a:rPr>
+                        <a:t>Eqw</a:t>
+                      </a:r>
+                      <a:endParaRPr lang="en-US" sz="1200" b="0" i="0" u="none" strike="noStrike">
+                        <a:solidFill>
+                          <a:srgbClr val="000000"/>
+                        </a:solidFill>
+                        <a:effectLst/>
+                        <a:latin typeface="Calibri" panose="020F0502020204030204" pitchFamily="34" charset="0"/>
+                      </a:endParaRPr>
+                    </a:p>
+                  </a:txBody>
+                  <a:tcPr marL="9525" marR="9525" marT="9525" marB="0" anchor="b"/>
+                </a:tc>
+                <a:tc>
+                  <a:txBody>
+                    <a:bodyPr/>
+                    <a:lstStyle/>
+                    <a:p>
+                      <a:pPr algn="r" fontAlgn="b"/>
+                      <a:r>
+                        <a:rPr lang="en-US" sz="1200" u="none" strike="noStrike">
+                          <a:effectLst/>
+                        </a:rPr>
+                        <a:t>7/1/21</a:t>
+                      </a:r>
+                      <a:endParaRPr lang="en-US" sz="1200" b="0" i="0" u="none" strike="noStrike">
+                        <a:solidFill>
+                          <a:srgbClr val="000000"/>
+                        </a:solidFill>
+                        <a:effectLst/>
+                        <a:latin typeface="Calibri" panose="020F0502020204030204" pitchFamily="34" charset="0"/>
+                      </a:endParaRPr>
+                    </a:p>
+                  </a:txBody>
+                  <a:tcPr marL="9525" marR="9525" marT="9525" marB="0" anchor="b"/>
+                </a:tc>
+                <a:tc>
+                  <a:txBody>
+                    <a:bodyPr/>
+                    <a:lstStyle/>
+                    <a:p>
+                      <a:pPr algn="r" fontAlgn="b"/>
+                      <a:r>
+                        <a:rPr lang="en-US" sz="1200" u="none" strike="noStrike">
+                          <a:effectLst/>
+                        </a:rPr>
+                        <a:t>18:09:25</a:t>
+                      </a:r>
+                      <a:endParaRPr lang="en-US" sz="1200" b="0" i="0" u="none" strike="noStrike">
+                        <a:solidFill>
+                          <a:srgbClr val="000000"/>
+                        </a:solidFill>
+                        <a:effectLst/>
+                        <a:latin typeface="Calibri" panose="020F0502020204030204" pitchFamily="34" charset="0"/>
+                      </a:endParaRPr>
+                    </a:p>
+                  </a:txBody>
+                  <a:tcPr marL="9525" marR="9525" marT="9525" marB="0" anchor="b"/>
+                </a:tc>
+                <a:extLst>
+                  <a:ext uri="{0D108BD9-81ED-4DB2-BD59-A6C34878D82A}">
+                    <a16:rowId xmlns:a16="http://schemas.microsoft.com/office/drawing/2014/main" val="2330269976"/>
+                  </a:ext>
+                </a:extLst>
+              </a:tr>
+              <a:tr h="228600">
+                <a:tc>
+                  <a:txBody>
+                    <a:bodyPr/>
+                    <a:lstStyle/>
+                    <a:p>
+                      <a:pPr algn="l" rtl="0" fontAlgn="ctr"/>
+                      <a:r>
+                        <a:rPr lang="en-US" sz="1400" u="none" strike="noStrike">
+                          <a:effectLst/>
+                        </a:rPr>
+                        <a:t>5098308</a:t>
+                      </a:r>
+                      <a:endParaRPr lang="en-US" sz="1400" b="0" i="0" u="none" strike="noStrike">
+                        <a:solidFill>
+                          <a:srgbClr val="000000"/>
+                        </a:solidFill>
+                        <a:effectLst/>
+                        <a:latin typeface="Menlo" panose="020B0609030804020204" pitchFamily="49" charset="0"/>
+                      </a:endParaRPr>
+                    </a:p>
+                  </a:txBody>
+                  <a:tcPr marL="9525" marR="9525" marT="9525" marB="0" anchor="ctr"/>
+                </a:tc>
+                <a:tc>
+                  <a:txBody>
+                    <a:bodyPr/>
+                    <a:lstStyle/>
+                    <a:p>
+                      <a:pPr algn="r" fontAlgn="b"/>
+                      <a:r>
+                        <a:rPr lang="en-US" sz="1200" u="none" strike="noStrike">
+                          <a:effectLst/>
+                        </a:rPr>
+                        <a:t>0.51386</a:t>
+                      </a:r>
+                      <a:endParaRPr lang="en-US" sz="1200" b="0" i="0" u="none" strike="noStrike">
+                        <a:solidFill>
+                          <a:srgbClr val="000000"/>
+                        </a:solidFill>
+                        <a:effectLst/>
+                        <a:latin typeface="Calibri" panose="020F0502020204030204" pitchFamily="34" charset="0"/>
+                      </a:endParaRPr>
+                    </a:p>
+                  </a:txBody>
+                  <a:tcPr marL="9525" marR="9525" marT="9525" marB="0" anchor="b"/>
+                </a:tc>
+                <a:tc>
+                  <a:txBody>
+                    <a:bodyPr/>
+                    <a:lstStyle/>
+                    <a:p>
+                      <a:pPr algn="l" fontAlgn="b"/>
+                      <a:r>
+                        <a:rPr lang="en-US" sz="1200" u="none" strike="noStrike">
+                          <a:effectLst/>
+                        </a:rPr>
+                        <a:t>A034377101</a:t>
+                      </a:r>
+                      <a:endParaRPr lang="en-US" sz="1200" b="0" i="0" u="none" strike="noStrike">
+                        <a:solidFill>
+                          <a:srgbClr val="000000"/>
+                        </a:solidFill>
+                        <a:effectLst/>
+                        <a:latin typeface="Calibri" panose="020F0502020204030204" pitchFamily="34" charset="0"/>
+                      </a:endParaRPr>
+                    </a:p>
+                  </a:txBody>
+                  <a:tcPr marL="9525" marR="9525" marT="9525" marB="0" anchor="b"/>
+                </a:tc>
+                <a:tc>
+                  <a:txBody>
+                    <a:bodyPr/>
+                    <a:lstStyle/>
+                    <a:p>
+                      <a:pPr algn="l" fontAlgn="b"/>
+                      <a:r>
+                        <a:rPr lang="en-US" sz="1200" u="none" strike="noStrike">
+                          <a:effectLst/>
+                        </a:rPr>
+                        <a:t>xili</a:t>
+                      </a:r>
+                      <a:endParaRPr lang="en-US" sz="1200" b="0" i="0" u="none" strike="noStrike">
+                        <a:solidFill>
+                          <a:srgbClr val="000000"/>
+                        </a:solidFill>
+                        <a:effectLst/>
+                        <a:latin typeface="Calibri" panose="020F0502020204030204" pitchFamily="34" charset="0"/>
+                      </a:endParaRPr>
+                    </a:p>
+                  </a:txBody>
+                  <a:tcPr marL="9525" marR="9525" marT="9525" marB="0" anchor="b"/>
+                </a:tc>
+                <a:tc>
+                  <a:txBody>
+                    <a:bodyPr/>
+                    <a:lstStyle/>
+                    <a:p>
+                      <a:pPr algn="l" fontAlgn="b"/>
+                      <a:r>
+                        <a:rPr lang="en-US" sz="1200" u="none" strike="noStrike">
+                          <a:effectLst/>
+                        </a:rPr>
+                        <a:t>Eqw</a:t>
+                      </a:r>
+                      <a:endParaRPr lang="en-US" sz="1200" b="0" i="0" u="none" strike="noStrike">
+                        <a:solidFill>
+                          <a:srgbClr val="000000"/>
+                        </a:solidFill>
+                        <a:effectLst/>
+                        <a:latin typeface="Calibri" panose="020F0502020204030204" pitchFamily="34" charset="0"/>
+                      </a:endParaRPr>
+                    </a:p>
+                  </a:txBody>
+                  <a:tcPr marL="9525" marR="9525" marT="9525" marB="0" anchor="b"/>
+                </a:tc>
+                <a:tc>
+                  <a:txBody>
+                    <a:bodyPr/>
+                    <a:lstStyle/>
+                    <a:p>
+                      <a:pPr algn="r" fontAlgn="b"/>
+                      <a:r>
+                        <a:rPr lang="en-US" sz="1200" u="none" strike="noStrike">
+                          <a:effectLst/>
+                        </a:rPr>
+                        <a:t>7/1/21</a:t>
+                      </a:r>
+                      <a:endParaRPr lang="en-US" sz="1200" b="0" i="0" u="none" strike="noStrike">
+                        <a:solidFill>
+                          <a:srgbClr val="000000"/>
+                        </a:solidFill>
+                        <a:effectLst/>
+                        <a:latin typeface="Calibri" panose="020F0502020204030204" pitchFamily="34" charset="0"/>
+                      </a:endParaRPr>
+                    </a:p>
+                  </a:txBody>
+                  <a:tcPr marL="9525" marR="9525" marT="9525" marB="0" anchor="b"/>
+                </a:tc>
+                <a:tc>
+                  <a:txBody>
+                    <a:bodyPr/>
+                    <a:lstStyle/>
+                    <a:p>
+                      <a:pPr algn="r" fontAlgn="b"/>
+                      <a:r>
+                        <a:rPr lang="en-US" sz="1200" u="none" strike="noStrike">
+                          <a:effectLst/>
+                        </a:rPr>
+                        <a:t>18:09:25</a:t>
+                      </a:r>
+                      <a:endParaRPr lang="en-US" sz="1200" b="0" i="0" u="none" strike="noStrike">
+                        <a:solidFill>
+                          <a:srgbClr val="000000"/>
+                        </a:solidFill>
+                        <a:effectLst/>
+                        <a:latin typeface="Calibri" panose="020F0502020204030204" pitchFamily="34" charset="0"/>
+                      </a:endParaRPr>
+                    </a:p>
+                  </a:txBody>
+                  <a:tcPr marL="9525" marR="9525" marT="9525" marB="0" anchor="b"/>
+                </a:tc>
+                <a:extLst>
+                  <a:ext uri="{0D108BD9-81ED-4DB2-BD59-A6C34878D82A}">
+                    <a16:rowId xmlns:a16="http://schemas.microsoft.com/office/drawing/2014/main" val="1430895635"/>
+                  </a:ext>
+                </a:extLst>
+              </a:tr>
+              <a:tr h="228600">
+                <a:tc>
+                  <a:txBody>
+                    <a:bodyPr/>
+                    <a:lstStyle/>
+                    <a:p>
+                      <a:pPr algn="l" rtl="0" fontAlgn="ctr"/>
+                      <a:r>
+                        <a:rPr lang="en-US" sz="1400" u="none" strike="noStrike">
+                          <a:effectLst/>
+                        </a:rPr>
+                        <a:t>5098309</a:t>
+                      </a:r>
+                      <a:endParaRPr lang="en-US" sz="1400" b="0" i="0" u="none" strike="noStrike">
+                        <a:solidFill>
+                          <a:srgbClr val="000000"/>
+                        </a:solidFill>
+                        <a:effectLst/>
+                        <a:latin typeface="Menlo" panose="020B0609030804020204" pitchFamily="49" charset="0"/>
+                      </a:endParaRPr>
+                    </a:p>
+                  </a:txBody>
+                  <a:tcPr marL="9525" marR="9525" marT="9525" marB="0" anchor="ctr"/>
+                </a:tc>
+                <a:tc>
+                  <a:txBody>
+                    <a:bodyPr/>
+                    <a:lstStyle/>
+                    <a:p>
+                      <a:pPr algn="r" fontAlgn="b"/>
+                      <a:r>
+                        <a:rPr lang="en-US" sz="1200" u="none" strike="noStrike">
+                          <a:effectLst/>
+                        </a:rPr>
+                        <a:t>0.51386</a:t>
+                      </a:r>
+                      <a:endParaRPr lang="en-US" sz="1200" b="0" i="0" u="none" strike="noStrike">
+                        <a:solidFill>
+                          <a:srgbClr val="000000"/>
+                        </a:solidFill>
+                        <a:effectLst/>
+                        <a:latin typeface="Calibri" panose="020F0502020204030204" pitchFamily="34" charset="0"/>
+                      </a:endParaRPr>
+                    </a:p>
+                  </a:txBody>
+                  <a:tcPr marL="9525" marR="9525" marT="9525" marB="0" anchor="b"/>
+                </a:tc>
+                <a:tc>
+                  <a:txBody>
+                    <a:bodyPr/>
+                    <a:lstStyle/>
+                    <a:p>
+                      <a:pPr algn="l" fontAlgn="b"/>
+                      <a:r>
+                        <a:rPr lang="en-US" sz="1200" u="none" strike="noStrike">
+                          <a:effectLst/>
+                        </a:rPr>
+                        <a:t>A035149201</a:t>
+                      </a:r>
+                      <a:endParaRPr lang="en-US" sz="1200" b="0" i="0" u="none" strike="noStrike">
+                        <a:solidFill>
+                          <a:srgbClr val="000000"/>
+                        </a:solidFill>
+                        <a:effectLst/>
+                        <a:latin typeface="Calibri" panose="020F0502020204030204" pitchFamily="34" charset="0"/>
+                      </a:endParaRPr>
+                    </a:p>
+                  </a:txBody>
+                  <a:tcPr marL="9525" marR="9525" marT="9525" marB="0" anchor="b"/>
+                </a:tc>
+                <a:tc>
+                  <a:txBody>
+                    <a:bodyPr/>
+                    <a:lstStyle/>
+                    <a:p>
+                      <a:pPr algn="l" fontAlgn="b"/>
+                      <a:r>
+                        <a:rPr lang="en-US" sz="1200" u="none" strike="noStrike">
+                          <a:effectLst/>
+                        </a:rPr>
+                        <a:t>xili</a:t>
+                      </a:r>
+                      <a:endParaRPr lang="en-US" sz="1200" b="0" i="0" u="none" strike="noStrike">
+                        <a:solidFill>
+                          <a:srgbClr val="000000"/>
+                        </a:solidFill>
+                        <a:effectLst/>
+                        <a:latin typeface="Calibri" panose="020F0502020204030204" pitchFamily="34" charset="0"/>
+                      </a:endParaRPr>
+                    </a:p>
+                  </a:txBody>
+                  <a:tcPr marL="9525" marR="9525" marT="9525" marB="0" anchor="b"/>
+                </a:tc>
+                <a:tc>
+                  <a:txBody>
+                    <a:bodyPr/>
+                    <a:lstStyle/>
+                    <a:p>
+                      <a:pPr algn="l" fontAlgn="b"/>
+                      <a:r>
+                        <a:rPr lang="en-US" sz="1200" u="none" strike="noStrike">
+                          <a:effectLst/>
+                        </a:rPr>
+                        <a:t>Eqw</a:t>
+                      </a:r>
+                      <a:endParaRPr lang="en-US" sz="1200" b="0" i="0" u="none" strike="noStrike">
+                        <a:solidFill>
+                          <a:srgbClr val="000000"/>
+                        </a:solidFill>
+                        <a:effectLst/>
+                        <a:latin typeface="Calibri" panose="020F0502020204030204" pitchFamily="34" charset="0"/>
+                      </a:endParaRPr>
+                    </a:p>
+                  </a:txBody>
+                  <a:tcPr marL="9525" marR="9525" marT="9525" marB="0" anchor="b"/>
+                </a:tc>
+                <a:tc>
+                  <a:txBody>
+                    <a:bodyPr/>
+                    <a:lstStyle/>
+                    <a:p>
+                      <a:pPr algn="r" fontAlgn="b"/>
+                      <a:r>
+                        <a:rPr lang="en-US" sz="1200" u="none" strike="noStrike">
+                          <a:effectLst/>
+                        </a:rPr>
+                        <a:t>7/1/21</a:t>
+                      </a:r>
+                      <a:endParaRPr lang="en-US" sz="1200" b="0" i="0" u="none" strike="noStrike">
+                        <a:solidFill>
+                          <a:srgbClr val="000000"/>
+                        </a:solidFill>
+                        <a:effectLst/>
+                        <a:latin typeface="Calibri" panose="020F0502020204030204" pitchFamily="34" charset="0"/>
+                      </a:endParaRPr>
+                    </a:p>
+                  </a:txBody>
+                  <a:tcPr marL="9525" marR="9525" marT="9525" marB="0" anchor="b"/>
+                </a:tc>
+                <a:tc>
+                  <a:txBody>
+                    <a:bodyPr/>
+                    <a:lstStyle/>
+                    <a:p>
+                      <a:pPr algn="r" fontAlgn="b"/>
+                      <a:r>
+                        <a:rPr lang="en-US" sz="1200" u="none" strike="noStrike">
+                          <a:effectLst/>
+                        </a:rPr>
+                        <a:t>18:09:25</a:t>
+                      </a:r>
+                      <a:endParaRPr lang="en-US" sz="1200" b="0" i="0" u="none" strike="noStrike">
+                        <a:solidFill>
+                          <a:srgbClr val="000000"/>
+                        </a:solidFill>
+                        <a:effectLst/>
+                        <a:latin typeface="Calibri" panose="020F0502020204030204" pitchFamily="34" charset="0"/>
+                      </a:endParaRPr>
+                    </a:p>
+                  </a:txBody>
+                  <a:tcPr marL="9525" marR="9525" marT="9525" marB="0" anchor="b"/>
+                </a:tc>
+                <a:extLst>
+                  <a:ext uri="{0D108BD9-81ED-4DB2-BD59-A6C34878D82A}">
+                    <a16:rowId xmlns:a16="http://schemas.microsoft.com/office/drawing/2014/main" val="1330407792"/>
+                  </a:ext>
+                </a:extLst>
+              </a:tr>
+              <a:tr h="228600">
+                <a:tc>
+                  <a:txBody>
+                    <a:bodyPr/>
+                    <a:lstStyle/>
+                    <a:p>
+                      <a:pPr algn="l" rtl="0" fontAlgn="ctr"/>
+                      <a:r>
+                        <a:rPr lang="en-US" sz="1400" u="none" strike="noStrike">
+                          <a:effectLst/>
+                        </a:rPr>
+                        <a:t>5098310</a:t>
+                      </a:r>
+                      <a:endParaRPr lang="en-US" sz="1400" b="0" i="0" u="none" strike="noStrike">
+                        <a:solidFill>
+                          <a:srgbClr val="000000"/>
+                        </a:solidFill>
+                        <a:effectLst/>
+                        <a:latin typeface="Menlo" panose="020B0609030804020204" pitchFamily="49" charset="0"/>
+                      </a:endParaRPr>
+                    </a:p>
+                  </a:txBody>
+                  <a:tcPr marL="9525" marR="9525" marT="9525" marB="0" anchor="ctr"/>
+                </a:tc>
+                <a:tc>
+                  <a:txBody>
+                    <a:bodyPr/>
+                    <a:lstStyle/>
+                    <a:p>
+                      <a:pPr algn="r" fontAlgn="b"/>
+                      <a:r>
+                        <a:rPr lang="en-US" sz="1200" u="none" strike="noStrike">
+                          <a:effectLst/>
+                        </a:rPr>
+                        <a:t>0.51386</a:t>
+                      </a:r>
+                      <a:endParaRPr lang="en-US" sz="1200" b="0" i="0" u="none" strike="noStrike">
+                        <a:solidFill>
+                          <a:srgbClr val="000000"/>
+                        </a:solidFill>
+                        <a:effectLst/>
+                        <a:latin typeface="Calibri" panose="020F0502020204030204" pitchFamily="34" charset="0"/>
+                      </a:endParaRPr>
+                    </a:p>
+                  </a:txBody>
+                  <a:tcPr marL="9525" marR="9525" marT="9525" marB="0" anchor="b"/>
+                </a:tc>
+                <a:tc>
+                  <a:txBody>
+                    <a:bodyPr/>
+                    <a:lstStyle/>
+                    <a:p>
+                      <a:pPr algn="l" fontAlgn="b"/>
+                      <a:r>
+                        <a:rPr lang="en-US" sz="1200" u="none" strike="noStrike">
+                          <a:effectLst/>
+                        </a:rPr>
+                        <a:t>A033880001</a:t>
+                      </a:r>
+                      <a:endParaRPr lang="en-US" sz="1200" b="0" i="0" u="none" strike="noStrike">
+                        <a:solidFill>
+                          <a:srgbClr val="000000"/>
+                        </a:solidFill>
+                        <a:effectLst/>
+                        <a:latin typeface="Calibri" panose="020F0502020204030204" pitchFamily="34" charset="0"/>
+                      </a:endParaRPr>
+                    </a:p>
+                  </a:txBody>
+                  <a:tcPr marL="9525" marR="9525" marT="9525" marB="0" anchor="b"/>
+                </a:tc>
+                <a:tc>
+                  <a:txBody>
+                    <a:bodyPr/>
+                    <a:lstStyle/>
+                    <a:p>
+                      <a:pPr algn="l" fontAlgn="b"/>
+                      <a:r>
+                        <a:rPr lang="en-US" sz="1200" u="none" strike="noStrike">
+                          <a:effectLst/>
+                        </a:rPr>
+                        <a:t>xili</a:t>
+                      </a:r>
+                      <a:endParaRPr lang="en-US" sz="1200" b="0" i="0" u="none" strike="noStrike">
+                        <a:solidFill>
+                          <a:srgbClr val="000000"/>
+                        </a:solidFill>
+                        <a:effectLst/>
+                        <a:latin typeface="Calibri" panose="020F0502020204030204" pitchFamily="34" charset="0"/>
+                      </a:endParaRPr>
+                    </a:p>
+                  </a:txBody>
+                  <a:tcPr marL="9525" marR="9525" marT="9525" marB="0" anchor="b"/>
+                </a:tc>
+                <a:tc>
+                  <a:txBody>
+                    <a:bodyPr/>
+                    <a:lstStyle/>
+                    <a:p>
+                      <a:pPr algn="l" fontAlgn="b"/>
+                      <a:r>
+                        <a:rPr lang="en-US" sz="1200" u="none" strike="noStrike">
+                          <a:effectLst/>
+                        </a:rPr>
+                        <a:t>Eqw</a:t>
+                      </a:r>
+                      <a:endParaRPr lang="en-US" sz="1200" b="0" i="0" u="none" strike="noStrike">
+                        <a:solidFill>
+                          <a:srgbClr val="000000"/>
+                        </a:solidFill>
+                        <a:effectLst/>
+                        <a:latin typeface="Calibri" panose="020F0502020204030204" pitchFamily="34" charset="0"/>
+                      </a:endParaRPr>
+                    </a:p>
+                  </a:txBody>
+                  <a:tcPr marL="9525" marR="9525" marT="9525" marB="0" anchor="b"/>
+                </a:tc>
+                <a:tc>
+                  <a:txBody>
+                    <a:bodyPr/>
+                    <a:lstStyle/>
+                    <a:p>
+                      <a:pPr algn="r" fontAlgn="b"/>
+                      <a:r>
+                        <a:rPr lang="en-US" sz="1200" u="none" strike="noStrike">
+                          <a:effectLst/>
+                        </a:rPr>
+                        <a:t>7/1/21</a:t>
+                      </a:r>
+                      <a:endParaRPr lang="en-US" sz="1200" b="0" i="0" u="none" strike="noStrike">
+                        <a:solidFill>
+                          <a:srgbClr val="000000"/>
+                        </a:solidFill>
+                        <a:effectLst/>
+                        <a:latin typeface="Calibri" panose="020F0502020204030204" pitchFamily="34" charset="0"/>
+                      </a:endParaRPr>
+                    </a:p>
+                  </a:txBody>
+                  <a:tcPr marL="9525" marR="9525" marT="9525" marB="0" anchor="b"/>
+                </a:tc>
+                <a:tc>
+                  <a:txBody>
+                    <a:bodyPr/>
+                    <a:lstStyle/>
+                    <a:p>
+                      <a:pPr algn="r" fontAlgn="b"/>
+                      <a:r>
+                        <a:rPr lang="en-US" sz="1200" u="none" strike="noStrike">
+                          <a:effectLst/>
+                        </a:rPr>
+                        <a:t>18:09:25</a:t>
+                      </a:r>
+                      <a:endParaRPr lang="en-US" sz="1200" b="0" i="0" u="none" strike="noStrike">
+                        <a:solidFill>
+                          <a:srgbClr val="000000"/>
+                        </a:solidFill>
+                        <a:effectLst/>
+                        <a:latin typeface="Calibri" panose="020F0502020204030204" pitchFamily="34" charset="0"/>
+                      </a:endParaRPr>
+                    </a:p>
+                  </a:txBody>
+                  <a:tcPr marL="9525" marR="9525" marT="9525" marB="0" anchor="b"/>
+                </a:tc>
+                <a:extLst>
+                  <a:ext uri="{0D108BD9-81ED-4DB2-BD59-A6C34878D82A}">
+                    <a16:rowId xmlns:a16="http://schemas.microsoft.com/office/drawing/2014/main" val="3126518028"/>
+                  </a:ext>
+                </a:extLst>
+              </a:tr>
+              <a:tr h="228600">
+                <a:tc>
+                  <a:txBody>
+                    <a:bodyPr/>
+                    <a:lstStyle/>
+                    <a:p>
+                      <a:pPr algn="l" rtl="0" fontAlgn="ctr"/>
+                      <a:r>
+                        <a:rPr lang="en-US" sz="1400" u="none" strike="noStrike">
+                          <a:effectLst/>
+                        </a:rPr>
+                        <a:t>5098311</a:t>
+                      </a:r>
+                      <a:endParaRPr lang="en-US" sz="1400" b="0" i="0" u="none" strike="noStrike">
+                        <a:solidFill>
+                          <a:srgbClr val="000000"/>
+                        </a:solidFill>
+                        <a:effectLst/>
+                        <a:latin typeface="Menlo" panose="020B0609030804020204" pitchFamily="49" charset="0"/>
+                      </a:endParaRPr>
+                    </a:p>
+                  </a:txBody>
+                  <a:tcPr marL="9525" marR="9525" marT="9525" marB="0" anchor="ctr"/>
+                </a:tc>
+                <a:tc>
+                  <a:txBody>
+                    <a:bodyPr/>
+                    <a:lstStyle/>
+                    <a:p>
+                      <a:pPr algn="r" fontAlgn="b"/>
+                      <a:r>
+                        <a:rPr lang="en-US" sz="1200" u="none" strike="noStrike">
+                          <a:effectLst/>
+                        </a:rPr>
+                        <a:t>0.51386</a:t>
+                      </a:r>
+                      <a:endParaRPr lang="en-US" sz="1200" b="0" i="0" u="none" strike="noStrike">
+                        <a:solidFill>
+                          <a:srgbClr val="000000"/>
+                        </a:solidFill>
+                        <a:effectLst/>
+                        <a:latin typeface="Calibri" panose="020F0502020204030204" pitchFamily="34" charset="0"/>
+                      </a:endParaRPr>
+                    </a:p>
+                  </a:txBody>
+                  <a:tcPr marL="9525" marR="9525" marT="9525" marB="0" anchor="b"/>
+                </a:tc>
+                <a:tc>
+                  <a:txBody>
+                    <a:bodyPr/>
+                    <a:lstStyle/>
+                    <a:p>
+                      <a:pPr algn="l" fontAlgn="b"/>
+                      <a:r>
+                        <a:rPr lang="en-US" sz="1200" u="none" strike="noStrike">
+                          <a:effectLst/>
+                        </a:rPr>
+                        <a:t>A033920601</a:t>
+                      </a:r>
+                      <a:endParaRPr lang="en-US" sz="1200" b="0" i="0" u="none" strike="noStrike">
+                        <a:solidFill>
+                          <a:srgbClr val="000000"/>
+                        </a:solidFill>
+                        <a:effectLst/>
+                        <a:latin typeface="Calibri" panose="020F0502020204030204" pitchFamily="34" charset="0"/>
+                      </a:endParaRPr>
+                    </a:p>
+                  </a:txBody>
+                  <a:tcPr marL="9525" marR="9525" marT="9525" marB="0" anchor="b"/>
+                </a:tc>
+                <a:tc>
+                  <a:txBody>
+                    <a:bodyPr/>
+                    <a:lstStyle/>
+                    <a:p>
+                      <a:pPr algn="l" fontAlgn="b"/>
+                      <a:r>
+                        <a:rPr lang="en-US" sz="1200" u="none" strike="noStrike">
+                          <a:effectLst/>
+                        </a:rPr>
+                        <a:t>xili</a:t>
+                      </a:r>
+                      <a:endParaRPr lang="en-US" sz="1200" b="0" i="0" u="none" strike="noStrike">
+                        <a:solidFill>
+                          <a:srgbClr val="000000"/>
+                        </a:solidFill>
+                        <a:effectLst/>
+                        <a:latin typeface="Calibri" panose="020F0502020204030204" pitchFamily="34" charset="0"/>
+                      </a:endParaRPr>
+                    </a:p>
+                  </a:txBody>
+                  <a:tcPr marL="9525" marR="9525" marT="9525" marB="0" anchor="b"/>
+                </a:tc>
+                <a:tc>
+                  <a:txBody>
+                    <a:bodyPr/>
+                    <a:lstStyle/>
+                    <a:p>
+                      <a:pPr algn="l" fontAlgn="b"/>
+                      <a:r>
+                        <a:rPr lang="en-US" sz="1200" u="none" strike="noStrike">
+                          <a:effectLst/>
+                        </a:rPr>
+                        <a:t>Eqw</a:t>
+                      </a:r>
+                      <a:endParaRPr lang="en-US" sz="1200" b="0" i="0" u="none" strike="noStrike">
+                        <a:solidFill>
+                          <a:srgbClr val="000000"/>
+                        </a:solidFill>
+                        <a:effectLst/>
+                        <a:latin typeface="Calibri" panose="020F0502020204030204" pitchFamily="34" charset="0"/>
+                      </a:endParaRPr>
+                    </a:p>
+                  </a:txBody>
+                  <a:tcPr marL="9525" marR="9525" marT="9525" marB="0" anchor="b"/>
+                </a:tc>
+                <a:tc>
+                  <a:txBody>
+                    <a:bodyPr/>
+                    <a:lstStyle/>
+                    <a:p>
+                      <a:pPr algn="r" fontAlgn="b"/>
+                      <a:r>
+                        <a:rPr lang="en-US" sz="1200" u="none" strike="noStrike">
+                          <a:effectLst/>
+                        </a:rPr>
+                        <a:t>7/1/21</a:t>
+                      </a:r>
+                      <a:endParaRPr lang="en-US" sz="1200" b="0" i="0" u="none" strike="noStrike">
+                        <a:solidFill>
+                          <a:srgbClr val="000000"/>
+                        </a:solidFill>
+                        <a:effectLst/>
+                        <a:latin typeface="Calibri" panose="020F0502020204030204" pitchFamily="34" charset="0"/>
+                      </a:endParaRPr>
+                    </a:p>
+                  </a:txBody>
+                  <a:tcPr marL="9525" marR="9525" marT="9525" marB="0" anchor="b"/>
+                </a:tc>
+                <a:tc>
+                  <a:txBody>
+                    <a:bodyPr/>
+                    <a:lstStyle/>
+                    <a:p>
+                      <a:pPr algn="r" fontAlgn="b"/>
+                      <a:r>
+                        <a:rPr lang="en-US" sz="1200" u="none" strike="noStrike">
+                          <a:effectLst/>
+                        </a:rPr>
+                        <a:t>18:09:25</a:t>
+                      </a:r>
+                      <a:endParaRPr lang="en-US" sz="1200" b="0" i="0" u="none" strike="noStrike">
+                        <a:solidFill>
+                          <a:srgbClr val="000000"/>
+                        </a:solidFill>
+                        <a:effectLst/>
+                        <a:latin typeface="Calibri" panose="020F0502020204030204" pitchFamily="34" charset="0"/>
+                      </a:endParaRPr>
+                    </a:p>
+                  </a:txBody>
+                  <a:tcPr marL="9525" marR="9525" marT="9525" marB="0" anchor="b"/>
+                </a:tc>
+                <a:extLst>
+                  <a:ext uri="{0D108BD9-81ED-4DB2-BD59-A6C34878D82A}">
+                    <a16:rowId xmlns:a16="http://schemas.microsoft.com/office/drawing/2014/main" val="3341680801"/>
+                  </a:ext>
+                </a:extLst>
+              </a:tr>
+              <a:tr h="228600">
+                <a:tc>
+                  <a:txBody>
+                    <a:bodyPr/>
+                    <a:lstStyle/>
+                    <a:p>
+                      <a:pPr algn="l" rtl="0" fontAlgn="ctr"/>
+                      <a:r>
+                        <a:rPr lang="en-US" sz="1400" u="none" strike="noStrike">
+                          <a:effectLst/>
+                        </a:rPr>
+                        <a:t>5098312</a:t>
+                      </a:r>
+                      <a:endParaRPr lang="en-US" sz="1400" b="0" i="0" u="none" strike="noStrike">
+                        <a:solidFill>
+                          <a:srgbClr val="000000"/>
+                        </a:solidFill>
+                        <a:effectLst/>
+                        <a:latin typeface="Menlo" panose="020B0609030804020204" pitchFamily="49" charset="0"/>
+                      </a:endParaRPr>
+                    </a:p>
+                  </a:txBody>
+                  <a:tcPr marL="9525" marR="9525" marT="9525" marB="0" anchor="ctr"/>
+                </a:tc>
+                <a:tc>
+                  <a:txBody>
+                    <a:bodyPr/>
+                    <a:lstStyle/>
+                    <a:p>
+                      <a:pPr algn="r" fontAlgn="b"/>
+                      <a:r>
+                        <a:rPr lang="en-US" sz="1200" u="none" strike="noStrike">
+                          <a:effectLst/>
+                        </a:rPr>
+                        <a:t>0.51386</a:t>
+                      </a:r>
+                      <a:endParaRPr lang="en-US" sz="1200" b="0" i="0" u="none" strike="noStrike">
+                        <a:solidFill>
+                          <a:srgbClr val="000000"/>
+                        </a:solidFill>
+                        <a:effectLst/>
+                        <a:latin typeface="Calibri" panose="020F0502020204030204" pitchFamily="34" charset="0"/>
+                      </a:endParaRPr>
+                    </a:p>
+                  </a:txBody>
+                  <a:tcPr marL="9525" marR="9525" marT="9525" marB="0" anchor="b"/>
+                </a:tc>
+                <a:tc>
+                  <a:txBody>
+                    <a:bodyPr/>
+                    <a:lstStyle/>
+                    <a:p>
+                      <a:pPr algn="l" fontAlgn="b"/>
+                      <a:r>
+                        <a:rPr lang="en-US" sz="1200" u="none" strike="noStrike">
+                          <a:effectLst/>
+                        </a:rPr>
+                        <a:t>A034580801</a:t>
+                      </a:r>
+                      <a:endParaRPr lang="en-US" sz="1200" b="0" i="0" u="none" strike="noStrike">
+                        <a:solidFill>
+                          <a:srgbClr val="000000"/>
+                        </a:solidFill>
+                        <a:effectLst/>
+                        <a:latin typeface="Calibri" panose="020F0502020204030204" pitchFamily="34" charset="0"/>
+                      </a:endParaRPr>
+                    </a:p>
+                  </a:txBody>
+                  <a:tcPr marL="9525" marR="9525" marT="9525" marB="0" anchor="b"/>
+                </a:tc>
+                <a:tc>
+                  <a:txBody>
+                    <a:bodyPr/>
+                    <a:lstStyle/>
+                    <a:p>
+                      <a:pPr algn="l" fontAlgn="b"/>
+                      <a:r>
+                        <a:rPr lang="en-US" sz="1200" u="none" strike="noStrike">
+                          <a:effectLst/>
+                        </a:rPr>
+                        <a:t>xili</a:t>
+                      </a:r>
+                      <a:endParaRPr lang="en-US" sz="1200" b="0" i="0" u="none" strike="noStrike">
+                        <a:solidFill>
+                          <a:srgbClr val="000000"/>
+                        </a:solidFill>
+                        <a:effectLst/>
+                        <a:latin typeface="Calibri" panose="020F0502020204030204" pitchFamily="34" charset="0"/>
+                      </a:endParaRPr>
+                    </a:p>
+                  </a:txBody>
+                  <a:tcPr marL="9525" marR="9525" marT="9525" marB="0" anchor="b"/>
+                </a:tc>
+                <a:tc>
+                  <a:txBody>
+                    <a:bodyPr/>
+                    <a:lstStyle/>
+                    <a:p>
+                      <a:pPr algn="l" fontAlgn="b"/>
+                      <a:r>
+                        <a:rPr lang="en-US" sz="1200" u="none" strike="noStrike">
+                          <a:effectLst/>
+                        </a:rPr>
+                        <a:t>Eqw</a:t>
+                      </a:r>
+                      <a:endParaRPr lang="en-US" sz="1200" b="0" i="0" u="none" strike="noStrike">
+                        <a:solidFill>
+                          <a:srgbClr val="000000"/>
+                        </a:solidFill>
+                        <a:effectLst/>
+                        <a:latin typeface="Calibri" panose="020F0502020204030204" pitchFamily="34" charset="0"/>
+                      </a:endParaRPr>
+                    </a:p>
+                  </a:txBody>
+                  <a:tcPr marL="9525" marR="9525" marT="9525" marB="0" anchor="b"/>
+                </a:tc>
+                <a:tc>
+                  <a:txBody>
+                    <a:bodyPr/>
+                    <a:lstStyle/>
+                    <a:p>
+                      <a:pPr algn="r" fontAlgn="b"/>
+                      <a:r>
+                        <a:rPr lang="en-US" sz="1200" u="none" strike="noStrike">
+                          <a:effectLst/>
+                        </a:rPr>
+                        <a:t>7/1/21</a:t>
+                      </a:r>
+                      <a:endParaRPr lang="en-US" sz="1200" b="0" i="0" u="none" strike="noStrike">
+                        <a:solidFill>
+                          <a:srgbClr val="000000"/>
+                        </a:solidFill>
+                        <a:effectLst/>
+                        <a:latin typeface="Calibri" panose="020F0502020204030204" pitchFamily="34" charset="0"/>
+                      </a:endParaRPr>
+                    </a:p>
+                  </a:txBody>
+                  <a:tcPr marL="9525" marR="9525" marT="9525" marB="0" anchor="b"/>
+                </a:tc>
+                <a:tc>
+                  <a:txBody>
+                    <a:bodyPr/>
+                    <a:lstStyle/>
+                    <a:p>
+                      <a:pPr algn="r" fontAlgn="b"/>
+                      <a:r>
+                        <a:rPr lang="en-US" sz="1200" u="none" strike="noStrike">
+                          <a:effectLst/>
+                        </a:rPr>
+                        <a:t>18:09:25</a:t>
+                      </a:r>
+                      <a:endParaRPr lang="en-US" sz="1200" b="0" i="0" u="none" strike="noStrike">
+                        <a:solidFill>
+                          <a:srgbClr val="000000"/>
+                        </a:solidFill>
+                        <a:effectLst/>
+                        <a:latin typeface="Calibri" panose="020F0502020204030204" pitchFamily="34" charset="0"/>
+                      </a:endParaRPr>
+                    </a:p>
+                  </a:txBody>
+                  <a:tcPr marL="9525" marR="9525" marT="9525" marB="0" anchor="b"/>
+                </a:tc>
+                <a:extLst>
+                  <a:ext uri="{0D108BD9-81ED-4DB2-BD59-A6C34878D82A}">
+                    <a16:rowId xmlns:a16="http://schemas.microsoft.com/office/drawing/2014/main" val="1249697638"/>
+                  </a:ext>
+                </a:extLst>
+              </a:tr>
+              <a:tr h="228600">
+                <a:tc>
+                  <a:txBody>
+                    <a:bodyPr/>
+                    <a:lstStyle/>
+                    <a:p>
+                      <a:pPr algn="l" rtl="0" fontAlgn="ctr"/>
+                      <a:r>
+                        <a:rPr lang="en-US" sz="1400" u="none" strike="noStrike">
+                          <a:effectLst/>
+                        </a:rPr>
+                        <a:t>5098313</a:t>
+                      </a:r>
+                      <a:endParaRPr lang="en-US" sz="1400" b="0" i="0" u="none" strike="noStrike">
+                        <a:solidFill>
+                          <a:srgbClr val="000000"/>
+                        </a:solidFill>
+                        <a:effectLst/>
+                        <a:latin typeface="Menlo" panose="020B0609030804020204" pitchFamily="49" charset="0"/>
+                      </a:endParaRPr>
+                    </a:p>
+                  </a:txBody>
+                  <a:tcPr marL="9525" marR="9525" marT="9525" marB="0" anchor="ctr"/>
+                </a:tc>
+                <a:tc>
+                  <a:txBody>
+                    <a:bodyPr/>
+                    <a:lstStyle/>
+                    <a:p>
+                      <a:pPr algn="r" fontAlgn="b"/>
+                      <a:r>
+                        <a:rPr lang="en-US" sz="1200" u="none" strike="noStrike">
+                          <a:effectLst/>
+                        </a:rPr>
+                        <a:t>0.51386</a:t>
+                      </a:r>
+                      <a:endParaRPr lang="en-US" sz="1200" b="0" i="0" u="none" strike="noStrike">
+                        <a:solidFill>
+                          <a:srgbClr val="000000"/>
+                        </a:solidFill>
+                        <a:effectLst/>
+                        <a:latin typeface="Calibri" panose="020F0502020204030204" pitchFamily="34" charset="0"/>
+                      </a:endParaRPr>
+                    </a:p>
+                  </a:txBody>
+                  <a:tcPr marL="9525" marR="9525" marT="9525" marB="0" anchor="b"/>
+                </a:tc>
+                <a:tc>
+                  <a:txBody>
+                    <a:bodyPr/>
+                    <a:lstStyle/>
+                    <a:p>
+                      <a:pPr algn="l" fontAlgn="b"/>
+                      <a:r>
+                        <a:rPr lang="en-US" sz="1200" u="none" strike="noStrike">
+                          <a:effectLst/>
+                        </a:rPr>
+                        <a:t>A035051101</a:t>
+                      </a:r>
+                      <a:endParaRPr lang="en-US" sz="1200" b="0" i="0" u="none" strike="noStrike">
+                        <a:solidFill>
+                          <a:srgbClr val="000000"/>
+                        </a:solidFill>
+                        <a:effectLst/>
+                        <a:latin typeface="Calibri" panose="020F0502020204030204" pitchFamily="34" charset="0"/>
+                      </a:endParaRPr>
+                    </a:p>
+                  </a:txBody>
+                  <a:tcPr marL="9525" marR="9525" marT="9525" marB="0" anchor="b"/>
+                </a:tc>
+                <a:tc>
+                  <a:txBody>
+                    <a:bodyPr/>
+                    <a:lstStyle/>
+                    <a:p>
+                      <a:pPr algn="l" fontAlgn="b"/>
+                      <a:r>
+                        <a:rPr lang="en-US" sz="1200" u="none" strike="noStrike">
+                          <a:effectLst/>
+                        </a:rPr>
+                        <a:t>xili</a:t>
+                      </a:r>
+                      <a:endParaRPr lang="en-US" sz="1200" b="0" i="0" u="none" strike="noStrike">
+                        <a:solidFill>
+                          <a:srgbClr val="000000"/>
+                        </a:solidFill>
+                        <a:effectLst/>
+                        <a:latin typeface="Calibri" panose="020F0502020204030204" pitchFamily="34" charset="0"/>
+                      </a:endParaRPr>
+                    </a:p>
+                  </a:txBody>
+                  <a:tcPr marL="9525" marR="9525" marT="9525" marB="0" anchor="b"/>
+                </a:tc>
+                <a:tc>
+                  <a:txBody>
+                    <a:bodyPr/>
+                    <a:lstStyle/>
+                    <a:p>
+                      <a:pPr algn="l" fontAlgn="b"/>
+                      <a:r>
+                        <a:rPr lang="en-US" sz="1200" u="none" strike="noStrike">
+                          <a:effectLst/>
+                        </a:rPr>
+                        <a:t>Eqw</a:t>
+                      </a:r>
+                      <a:endParaRPr lang="en-US" sz="1200" b="0" i="0" u="none" strike="noStrike">
+                        <a:solidFill>
+                          <a:srgbClr val="000000"/>
+                        </a:solidFill>
+                        <a:effectLst/>
+                        <a:latin typeface="Calibri" panose="020F0502020204030204" pitchFamily="34" charset="0"/>
+                      </a:endParaRPr>
+                    </a:p>
+                  </a:txBody>
+                  <a:tcPr marL="9525" marR="9525" marT="9525" marB="0" anchor="b"/>
+                </a:tc>
+                <a:tc>
+                  <a:txBody>
+                    <a:bodyPr/>
+                    <a:lstStyle/>
+                    <a:p>
+                      <a:pPr algn="r" fontAlgn="b"/>
+                      <a:r>
+                        <a:rPr lang="en-US" sz="1200" u="none" strike="noStrike">
+                          <a:effectLst/>
+                        </a:rPr>
+                        <a:t>7/1/21</a:t>
+                      </a:r>
+                      <a:endParaRPr lang="en-US" sz="1200" b="0" i="0" u="none" strike="noStrike">
+                        <a:solidFill>
+                          <a:srgbClr val="000000"/>
+                        </a:solidFill>
+                        <a:effectLst/>
+                        <a:latin typeface="Calibri" panose="020F0502020204030204" pitchFamily="34" charset="0"/>
+                      </a:endParaRPr>
+                    </a:p>
+                  </a:txBody>
+                  <a:tcPr marL="9525" marR="9525" marT="9525" marB="0" anchor="b"/>
+                </a:tc>
+                <a:tc>
+                  <a:txBody>
+                    <a:bodyPr/>
+                    <a:lstStyle/>
+                    <a:p>
+                      <a:pPr algn="r" fontAlgn="b"/>
+                      <a:r>
+                        <a:rPr lang="en-US" sz="1200" u="none" strike="noStrike">
+                          <a:effectLst/>
+                        </a:rPr>
+                        <a:t>18:09:25</a:t>
+                      </a:r>
+                      <a:endParaRPr lang="en-US" sz="1200" b="0" i="0" u="none" strike="noStrike">
+                        <a:solidFill>
+                          <a:srgbClr val="000000"/>
+                        </a:solidFill>
+                        <a:effectLst/>
+                        <a:latin typeface="Calibri" panose="020F0502020204030204" pitchFamily="34" charset="0"/>
+                      </a:endParaRPr>
+                    </a:p>
+                  </a:txBody>
+                  <a:tcPr marL="9525" marR="9525" marT="9525" marB="0" anchor="b"/>
+                </a:tc>
+                <a:extLst>
+                  <a:ext uri="{0D108BD9-81ED-4DB2-BD59-A6C34878D82A}">
+                    <a16:rowId xmlns:a16="http://schemas.microsoft.com/office/drawing/2014/main" val="1213052701"/>
+                  </a:ext>
+                </a:extLst>
+              </a:tr>
+              <a:tr h="228600">
+                <a:tc>
+                  <a:txBody>
+                    <a:bodyPr/>
+                    <a:lstStyle/>
+                    <a:p>
+                      <a:pPr algn="l" rtl="0" fontAlgn="ctr"/>
+                      <a:r>
+                        <a:rPr lang="en-US" sz="1400" u="none" strike="noStrike">
+                          <a:effectLst/>
+                        </a:rPr>
+                        <a:t>5098314</a:t>
+                      </a:r>
+                      <a:endParaRPr lang="en-US" sz="1400" b="0" i="0" u="none" strike="noStrike">
+                        <a:solidFill>
+                          <a:srgbClr val="000000"/>
+                        </a:solidFill>
+                        <a:effectLst/>
+                        <a:latin typeface="Menlo" panose="020B0609030804020204" pitchFamily="49" charset="0"/>
+                      </a:endParaRPr>
+                    </a:p>
+                  </a:txBody>
+                  <a:tcPr marL="9525" marR="9525" marT="9525" marB="0" anchor="ctr"/>
+                </a:tc>
+                <a:tc>
+                  <a:txBody>
+                    <a:bodyPr/>
+                    <a:lstStyle/>
+                    <a:p>
+                      <a:pPr algn="r" fontAlgn="b"/>
+                      <a:r>
+                        <a:rPr lang="en-US" sz="1200" u="none" strike="noStrike">
+                          <a:effectLst/>
+                        </a:rPr>
+                        <a:t>0.51386</a:t>
+                      </a:r>
+                      <a:endParaRPr lang="en-US" sz="1200" b="0" i="0" u="none" strike="noStrike">
+                        <a:solidFill>
+                          <a:srgbClr val="000000"/>
+                        </a:solidFill>
+                        <a:effectLst/>
+                        <a:latin typeface="Calibri" panose="020F0502020204030204" pitchFamily="34" charset="0"/>
+                      </a:endParaRPr>
+                    </a:p>
+                  </a:txBody>
+                  <a:tcPr marL="9525" marR="9525" marT="9525" marB="0" anchor="b"/>
+                </a:tc>
+                <a:tc>
+                  <a:txBody>
+                    <a:bodyPr/>
+                    <a:lstStyle/>
+                    <a:p>
+                      <a:pPr algn="l" fontAlgn="b"/>
+                      <a:r>
+                        <a:rPr lang="en-US" sz="1200" u="none" strike="noStrike">
+                          <a:effectLst/>
+                        </a:rPr>
+                        <a:t>A034441701</a:t>
+                      </a:r>
+                      <a:endParaRPr lang="en-US" sz="1200" b="0" i="0" u="none" strike="noStrike">
+                        <a:solidFill>
+                          <a:srgbClr val="000000"/>
+                        </a:solidFill>
+                        <a:effectLst/>
+                        <a:latin typeface="Calibri" panose="020F0502020204030204" pitchFamily="34" charset="0"/>
+                      </a:endParaRPr>
+                    </a:p>
+                  </a:txBody>
+                  <a:tcPr marL="9525" marR="9525" marT="9525" marB="0" anchor="b"/>
+                </a:tc>
+                <a:tc>
+                  <a:txBody>
+                    <a:bodyPr/>
+                    <a:lstStyle/>
+                    <a:p>
+                      <a:pPr algn="l" fontAlgn="b"/>
+                      <a:r>
+                        <a:rPr lang="en-US" sz="1200" u="none" strike="noStrike">
+                          <a:effectLst/>
+                        </a:rPr>
+                        <a:t>xili</a:t>
+                      </a:r>
+                      <a:endParaRPr lang="en-US" sz="1200" b="0" i="0" u="none" strike="noStrike">
+                        <a:solidFill>
+                          <a:srgbClr val="000000"/>
+                        </a:solidFill>
+                        <a:effectLst/>
+                        <a:latin typeface="Calibri" panose="020F0502020204030204" pitchFamily="34" charset="0"/>
+                      </a:endParaRPr>
+                    </a:p>
+                  </a:txBody>
+                  <a:tcPr marL="9525" marR="9525" marT="9525" marB="0" anchor="b"/>
+                </a:tc>
+                <a:tc>
+                  <a:txBody>
+                    <a:bodyPr/>
+                    <a:lstStyle/>
+                    <a:p>
+                      <a:pPr algn="l" fontAlgn="b"/>
+                      <a:r>
+                        <a:rPr lang="en-US" sz="1200" u="none" strike="noStrike">
+                          <a:effectLst/>
+                        </a:rPr>
+                        <a:t>Eqw</a:t>
+                      </a:r>
+                      <a:endParaRPr lang="en-US" sz="1200" b="0" i="0" u="none" strike="noStrike">
+                        <a:solidFill>
+                          <a:srgbClr val="000000"/>
+                        </a:solidFill>
+                        <a:effectLst/>
+                        <a:latin typeface="Calibri" panose="020F0502020204030204" pitchFamily="34" charset="0"/>
+                      </a:endParaRPr>
+                    </a:p>
+                  </a:txBody>
+                  <a:tcPr marL="9525" marR="9525" marT="9525" marB="0" anchor="b"/>
+                </a:tc>
+                <a:tc>
+                  <a:txBody>
+                    <a:bodyPr/>
+                    <a:lstStyle/>
+                    <a:p>
+                      <a:pPr algn="r" fontAlgn="b"/>
+                      <a:r>
+                        <a:rPr lang="en-US" sz="1200" u="none" strike="noStrike">
+                          <a:effectLst/>
+                        </a:rPr>
+                        <a:t>7/1/21</a:t>
+                      </a:r>
+                      <a:endParaRPr lang="en-US" sz="1200" b="0" i="0" u="none" strike="noStrike">
+                        <a:solidFill>
+                          <a:srgbClr val="000000"/>
+                        </a:solidFill>
+                        <a:effectLst/>
+                        <a:latin typeface="Calibri" panose="020F0502020204030204" pitchFamily="34" charset="0"/>
+                      </a:endParaRPr>
+                    </a:p>
+                  </a:txBody>
+                  <a:tcPr marL="9525" marR="9525" marT="9525" marB="0" anchor="b"/>
+                </a:tc>
+                <a:tc>
+                  <a:txBody>
+                    <a:bodyPr/>
+                    <a:lstStyle/>
+                    <a:p>
+                      <a:pPr algn="r" fontAlgn="b"/>
+                      <a:r>
+                        <a:rPr lang="en-US" sz="1200" u="none" strike="noStrike" dirty="0">
+                          <a:effectLst/>
+                        </a:rPr>
+                        <a:t>18:09:25</a:t>
+                      </a:r>
+                      <a:endParaRPr lang="en-US" sz="1200" b="0" i="0" u="none" strike="noStrike" dirty="0">
+                        <a:solidFill>
+                          <a:srgbClr val="000000"/>
+                        </a:solidFill>
+                        <a:effectLst/>
+                        <a:latin typeface="Calibri" panose="020F0502020204030204" pitchFamily="34" charset="0"/>
+                      </a:endParaRPr>
+                    </a:p>
+                  </a:txBody>
+                  <a:tcPr marL="9525" marR="9525" marT="9525" marB="0" anchor="b"/>
+                </a:tc>
+                <a:extLst>
+                  <a:ext uri="{0D108BD9-81ED-4DB2-BD59-A6C34878D82A}">
+                    <a16:rowId xmlns:a16="http://schemas.microsoft.com/office/drawing/2014/main" val="4271145204"/>
+                  </a:ext>
+                </a:extLst>
+              </a:tr>
+            </a:tbl>
+          </a:graphicData>
+        </a:graphic>
+      </p:graphicFrame>
+    </p:spTree>
+    <p:extLst>
+      <p:ext uri="{BB962C8B-B14F-4D97-AF65-F5344CB8AC3E}">
+        <p14:creationId xmlns:p14="http://schemas.microsoft.com/office/powerpoint/2010/main" val="3125061998"/>
       </p:ext>
     </p:extLst>
   </p:cSld>
